--- a/GeoStrike프레젠테이션1.pptx
+++ b/GeoStrike프레젠테이션1.pptx
@@ -250,7 +250,7 @@
           <a:p>
             <a:fld id="{BA0D242D-412C-401D-84BE-2B6089EA261E}" type="datetimeFigureOut">
               <a:rPr lang="ko-KR" altLang="en-US" smtClean="0"/>
-              <a:t>2022-01-17</a:t>
+              <a:t>2022-01-18</a:t>
             </a:fld>
             <a:endParaRPr lang="ko-KR" altLang="en-US"/>
           </a:p>
@@ -420,7 +420,7 @@
           <a:p>
             <a:fld id="{BA0D242D-412C-401D-84BE-2B6089EA261E}" type="datetimeFigureOut">
               <a:rPr lang="ko-KR" altLang="en-US" smtClean="0"/>
-              <a:t>2022-01-17</a:t>
+              <a:t>2022-01-18</a:t>
             </a:fld>
             <a:endParaRPr lang="ko-KR" altLang="en-US"/>
           </a:p>
@@ -600,7 +600,7 @@
           <a:p>
             <a:fld id="{BA0D242D-412C-401D-84BE-2B6089EA261E}" type="datetimeFigureOut">
               <a:rPr lang="ko-KR" altLang="en-US" smtClean="0"/>
-              <a:t>2022-01-17</a:t>
+              <a:t>2022-01-18</a:t>
             </a:fld>
             <a:endParaRPr lang="ko-KR" altLang="en-US"/>
           </a:p>
@@ -770,7 +770,7 @@
           <a:p>
             <a:fld id="{BA0D242D-412C-401D-84BE-2B6089EA261E}" type="datetimeFigureOut">
               <a:rPr lang="ko-KR" altLang="en-US" smtClean="0"/>
-              <a:t>2022-01-17</a:t>
+              <a:t>2022-01-18</a:t>
             </a:fld>
             <a:endParaRPr lang="ko-KR" altLang="en-US"/>
           </a:p>
@@ -1016,7 +1016,7 @@
           <a:p>
             <a:fld id="{BA0D242D-412C-401D-84BE-2B6089EA261E}" type="datetimeFigureOut">
               <a:rPr lang="ko-KR" altLang="en-US" smtClean="0"/>
-              <a:t>2022-01-17</a:t>
+              <a:t>2022-01-18</a:t>
             </a:fld>
             <a:endParaRPr lang="ko-KR" altLang="en-US"/>
           </a:p>
@@ -1248,7 +1248,7 @@
           <a:p>
             <a:fld id="{BA0D242D-412C-401D-84BE-2B6089EA261E}" type="datetimeFigureOut">
               <a:rPr lang="ko-KR" altLang="en-US" smtClean="0"/>
-              <a:t>2022-01-17</a:t>
+              <a:t>2022-01-18</a:t>
             </a:fld>
             <a:endParaRPr lang="ko-KR" altLang="en-US"/>
           </a:p>
@@ -1615,7 +1615,7 @@
           <a:p>
             <a:fld id="{BA0D242D-412C-401D-84BE-2B6089EA261E}" type="datetimeFigureOut">
               <a:rPr lang="ko-KR" altLang="en-US" smtClean="0"/>
-              <a:t>2022-01-17</a:t>
+              <a:t>2022-01-18</a:t>
             </a:fld>
             <a:endParaRPr lang="ko-KR" altLang="en-US"/>
           </a:p>
@@ -1733,7 +1733,7 @@
           <a:p>
             <a:fld id="{BA0D242D-412C-401D-84BE-2B6089EA261E}" type="datetimeFigureOut">
               <a:rPr lang="ko-KR" altLang="en-US" smtClean="0"/>
-              <a:t>2022-01-17</a:t>
+              <a:t>2022-01-18</a:t>
             </a:fld>
             <a:endParaRPr lang="ko-KR" altLang="en-US"/>
           </a:p>
@@ -1828,7 +1828,7 @@
           <a:p>
             <a:fld id="{BA0D242D-412C-401D-84BE-2B6089EA261E}" type="datetimeFigureOut">
               <a:rPr lang="ko-KR" altLang="en-US" smtClean="0"/>
-              <a:t>2022-01-17</a:t>
+              <a:t>2022-01-18</a:t>
             </a:fld>
             <a:endParaRPr lang="ko-KR" altLang="en-US"/>
           </a:p>
@@ -2105,7 +2105,7 @@
           <a:p>
             <a:fld id="{BA0D242D-412C-401D-84BE-2B6089EA261E}" type="datetimeFigureOut">
               <a:rPr lang="ko-KR" altLang="en-US" smtClean="0"/>
-              <a:t>2022-01-17</a:t>
+              <a:t>2022-01-18</a:t>
             </a:fld>
             <a:endParaRPr lang="ko-KR" altLang="en-US"/>
           </a:p>
@@ -2358,7 +2358,7 @@
           <a:p>
             <a:fld id="{BA0D242D-412C-401D-84BE-2B6089EA261E}" type="datetimeFigureOut">
               <a:rPr lang="ko-KR" altLang="en-US" smtClean="0"/>
-              <a:t>2022-01-17</a:t>
+              <a:t>2022-01-18</a:t>
             </a:fld>
             <a:endParaRPr lang="ko-KR" altLang="en-US"/>
           </a:p>
@@ -2571,7 +2571,7 @@
           <a:p>
             <a:fld id="{BA0D242D-412C-401D-84BE-2B6089EA261E}" type="datetimeFigureOut">
               <a:rPr lang="ko-KR" altLang="en-US" smtClean="0"/>
-              <a:t>2022-01-17</a:t>
+              <a:t>2022-01-18</a:t>
             </a:fld>
             <a:endParaRPr lang="ko-KR" altLang="en-US"/>
           </a:p>
@@ -3220,7 +3220,6 @@
               <a:rPr lang="en-US" altLang="ko-KR" sz="4400" b="1" dirty="0" smtClean="0"/>
               <a:t>UI</a:t>
             </a:r>
-            <a:endParaRPr lang="en-US" altLang="ko-KR" sz="4400" b="1" dirty="0" smtClean="0"/>
           </a:p>
         </p:txBody>
       </p:sp>
@@ -3351,7 +3350,7 @@
       </p:sp>
       <p:sp>
         <p:nvSpPr>
-          <p:cNvPr id="6" name="직사각형 5"/>
+          <p:cNvPr id="6" name="모서리가 둥근 직사각형 5"/>
           <p:cNvSpPr/>
           <p:nvPr/>
         </p:nvSpPr>
@@ -3360,7 +3359,7 @@
             <a:off x="2402379" y="4272743"/>
             <a:ext cx="7423266" cy="2369126"/>
           </a:xfrm>
-          <a:prstGeom prst="rect">
+          <a:prstGeom prst="roundRect">
             <a:avLst/>
           </a:prstGeom>
         </p:spPr>
@@ -3569,35 +3568,41 @@
           </a:p>
         </p:txBody>
       </p:sp>
-      <p:sp>
-        <p:nvSpPr>
-          <p:cNvPr id="2" name="TextBox 1"/>
-          <p:cNvSpPr txBox="1"/>
+      <p:cxnSp>
+        <p:nvCxnSpPr>
+          <p:cNvPr id="8" name="직선 연결선 7"/>
+          <p:cNvCxnSpPr/>
           <p:nvPr/>
-        </p:nvSpPr>
+        </p:nvCxnSpPr>
         <p:spPr>
-          <a:xfrm>
-            <a:off x="5702092" y="2084160"/>
-            <a:ext cx="823840" cy="769441"/>
+          <a:xfrm flipV="1">
+            <a:off x="8969432" y="4272742"/>
+            <a:ext cx="0" cy="2369126"/>
           </a:xfrm>
-          <a:prstGeom prst="rect">
+          <a:prstGeom prst="line">
             <a:avLst/>
           </a:prstGeom>
-          <a:noFill/>
+          <a:ln>
+            <a:solidFill>
+              <a:srgbClr val="FF0000"/>
+            </a:solidFill>
+          </a:ln>
         </p:spPr>
-        <p:txBody>
-          <a:bodyPr wrap="square" rtlCol="0">
-            <a:spAutoFit/>
-          </a:bodyPr>
-          <a:lstStyle/>
-          <a:p>
-            <a:r>
-              <a:rPr lang="en-US" altLang="ko-KR" sz="4400" b="1" dirty="0" smtClean="0"/>
-              <a:t>UI</a:t>
-            </a:r>
-          </a:p>
-        </p:txBody>
-      </p:sp>
+        <p:style>
+          <a:lnRef idx="1">
+            <a:schemeClr val="accent1"/>
+          </a:lnRef>
+          <a:fillRef idx="0">
+            <a:schemeClr val="accent1"/>
+          </a:fillRef>
+          <a:effectRef idx="0">
+            <a:schemeClr val="accent1"/>
+          </a:effectRef>
+          <a:fontRef idx="minor">
+            <a:schemeClr val="tx1"/>
+          </a:fontRef>
+        </p:style>
+      </p:cxnSp>
     </p:spTree>
     <p:extLst>
       <p:ext uri="{BB962C8B-B14F-4D97-AF65-F5344CB8AC3E}">
@@ -3662,7 +3667,6 @@
               <a:rPr lang="en-US" altLang="ko-KR" sz="4400" b="1" dirty="0" smtClean="0"/>
               <a:t>Main Game</a:t>
             </a:r>
-            <a:endParaRPr lang="en-US" altLang="ko-KR" sz="4400" b="1" dirty="0" smtClean="0"/>
           </a:p>
         </p:txBody>
       </p:sp>
@@ -4282,223 +4286,6 @@
       </p:grpSpPr>
       <p:sp>
         <p:nvSpPr>
-          <p:cNvPr id="4" name="직사각형 3"/>
-          <p:cNvSpPr/>
-          <p:nvPr/>
-        </p:nvSpPr>
-        <p:spPr>
-          <a:xfrm>
-            <a:off x="2036669" y="2914650"/>
-            <a:ext cx="1295400" cy="1276350"/>
-          </a:xfrm>
-          <a:prstGeom prst="rect">
-            <a:avLst/>
-          </a:prstGeom>
-        </p:spPr>
-        <p:style>
-          <a:lnRef idx="2">
-            <a:schemeClr val="accent1">
-              <a:shade val="50000"/>
-            </a:schemeClr>
-          </a:lnRef>
-          <a:fillRef idx="1">
-            <a:schemeClr val="accent1"/>
-          </a:fillRef>
-          <a:effectRef idx="0">
-            <a:schemeClr val="accent1"/>
-          </a:effectRef>
-          <a:fontRef idx="minor">
-            <a:schemeClr val="lt1"/>
-          </a:fontRef>
-        </p:style>
-        <p:txBody>
-          <a:bodyPr rtlCol="0" anchor="ctr"/>
-          <a:lstStyle/>
-          <a:p>
-            <a:pPr algn="ctr"/>
-            <a:endParaRPr lang="ko-KR" altLang="en-US" dirty="0"/>
-          </a:p>
-        </p:txBody>
-      </p:sp>
-      <p:sp>
-        <p:nvSpPr>
-          <p:cNvPr id="5" name="L 도형 4"/>
-          <p:cNvSpPr/>
-          <p:nvPr/>
-        </p:nvSpPr>
-        <p:spPr>
-          <a:xfrm>
-            <a:off x="3989295" y="2914650"/>
-            <a:ext cx="1295400" cy="1276350"/>
-          </a:xfrm>
-          <a:prstGeom prst="corner">
-            <a:avLst/>
-          </a:prstGeom>
-          <a:solidFill>
-            <a:schemeClr val="accent2">
-              <a:lumMod val="75000"/>
-            </a:schemeClr>
-          </a:solidFill>
-        </p:spPr>
-        <p:style>
-          <a:lnRef idx="2">
-            <a:schemeClr val="accent1">
-              <a:shade val="50000"/>
-            </a:schemeClr>
-          </a:lnRef>
-          <a:fillRef idx="1">
-            <a:schemeClr val="accent1"/>
-          </a:fillRef>
-          <a:effectRef idx="0">
-            <a:schemeClr val="accent1"/>
-          </a:effectRef>
-          <a:fontRef idx="minor">
-            <a:schemeClr val="lt1"/>
-          </a:fontRef>
-        </p:style>
-        <p:txBody>
-          <a:bodyPr rtlCol="0" anchor="ctr"/>
-          <a:lstStyle/>
-          <a:p>
-            <a:pPr algn="ctr"/>
-            <a:endParaRPr lang="ko-KR" altLang="en-US" dirty="0"/>
-          </a:p>
-        </p:txBody>
-      </p:sp>
-      <p:sp>
-        <p:nvSpPr>
-          <p:cNvPr id="6" name="직사각형 5"/>
-          <p:cNvSpPr/>
-          <p:nvPr/>
-        </p:nvSpPr>
-        <p:spPr>
-          <a:xfrm>
-            <a:off x="5941921" y="1971675"/>
-            <a:ext cx="819150" cy="2247900"/>
-          </a:xfrm>
-          <a:prstGeom prst="rect">
-            <a:avLst/>
-          </a:prstGeom>
-          <a:solidFill>
-            <a:srgbClr val="FF0000"/>
-          </a:solidFill>
-        </p:spPr>
-        <p:style>
-          <a:lnRef idx="2">
-            <a:schemeClr val="accent1">
-              <a:shade val="50000"/>
-            </a:schemeClr>
-          </a:lnRef>
-          <a:fillRef idx="1">
-            <a:schemeClr val="accent1"/>
-          </a:fillRef>
-          <a:effectRef idx="0">
-            <a:schemeClr val="accent1"/>
-          </a:effectRef>
-          <a:fontRef idx="minor">
-            <a:schemeClr val="lt1"/>
-          </a:fontRef>
-        </p:style>
-        <p:txBody>
-          <a:bodyPr rtlCol="0" anchor="ctr"/>
-          <a:lstStyle/>
-          <a:p>
-            <a:pPr algn="ctr"/>
-            <a:endParaRPr lang="ko-KR" altLang="en-US"/>
-          </a:p>
-        </p:txBody>
-      </p:sp>
-      <p:sp>
-        <p:nvSpPr>
-          <p:cNvPr id="8" name="L 도형 7"/>
-          <p:cNvSpPr/>
-          <p:nvPr/>
-        </p:nvSpPr>
-        <p:spPr>
-          <a:xfrm>
-            <a:off x="7418297" y="2000250"/>
-            <a:ext cx="1666873" cy="2219325"/>
-          </a:xfrm>
-          <a:prstGeom prst="corner">
-            <a:avLst>
-              <a:gd name="adj1" fmla="val 50000"/>
-              <a:gd name="adj2" fmla="val 49242"/>
-            </a:avLst>
-          </a:prstGeom>
-          <a:solidFill>
-            <a:srgbClr val="FFFF00"/>
-          </a:solidFill>
-        </p:spPr>
-        <p:style>
-          <a:lnRef idx="2">
-            <a:schemeClr val="accent1">
-              <a:shade val="50000"/>
-            </a:schemeClr>
-          </a:lnRef>
-          <a:fillRef idx="1">
-            <a:schemeClr val="accent1"/>
-          </a:fillRef>
-          <a:effectRef idx="0">
-            <a:schemeClr val="accent1"/>
-          </a:effectRef>
-          <a:fontRef idx="minor">
-            <a:schemeClr val="lt1"/>
-          </a:fontRef>
-        </p:style>
-        <p:txBody>
-          <a:bodyPr rtlCol="0" anchor="ctr"/>
-          <a:lstStyle/>
-          <a:p>
-            <a:pPr algn="ctr"/>
-            <a:endParaRPr lang="ko-KR" altLang="en-US"/>
-          </a:p>
-        </p:txBody>
-      </p:sp>
-      <p:sp>
-        <p:nvSpPr>
-          <p:cNvPr id="9" name="직사각형 8"/>
-          <p:cNvSpPr/>
-          <p:nvPr/>
-        </p:nvSpPr>
-        <p:spPr>
-          <a:xfrm>
-            <a:off x="9742396" y="3381375"/>
-            <a:ext cx="819150" cy="838200"/>
-          </a:xfrm>
-          <a:prstGeom prst="rect">
-            <a:avLst/>
-          </a:prstGeom>
-          <a:solidFill>
-            <a:srgbClr val="00B050"/>
-          </a:solidFill>
-        </p:spPr>
-        <p:style>
-          <a:lnRef idx="2">
-            <a:schemeClr val="accent1">
-              <a:shade val="50000"/>
-            </a:schemeClr>
-          </a:lnRef>
-          <a:fillRef idx="1">
-            <a:schemeClr val="accent1"/>
-          </a:fillRef>
-          <a:effectRef idx="0">
-            <a:schemeClr val="accent1"/>
-          </a:effectRef>
-          <a:fontRef idx="minor">
-            <a:schemeClr val="lt1"/>
-          </a:fontRef>
-        </p:style>
-        <p:txBody>
-          <a:bodyPr rtlCol="0" anchor="ctr"/>
-          <a:lstStyle/>
-          <a:p>
-            <a:pPr algn="ctr"/>
-            <a:endParaRPr lang="ko-KR" altLang="en-US"/>
-          </a:p>
-        </p:txBody>
-      </p:sp>
-      <p:sp>
-        <p:nvSpPr>
           <p:cNvPr id="10" name="TextBox 9"/>
           <p:cNvSpPr txBox="1"/>
           <p:nvPr/>
@@ -4544,8 +4331,8 @@
         </p:nvCxnSpPr>
         <p:spPr>
           <a:xfrm>
-            <a:off x="4829695" y="755847"/>
-            <a:ext cx="2532610" cy="0"/>
+            <a:off x="3755967" y="755847"/>
+            <a:ext cx="4680066" cy="0"/>
           </a:xfrm>
           <a:prstGeom prst="line">
             <a:avLst/>
@@ -4571,6 +4358,1509 @@
           </a:fontRef>
         </p:style>
       </p:cxnSp>
+      <p:grpSp>
+        <p:nvGrpSpPr>
+          <p:cNvPr id="2" name="그룹 1"/>
+          <p:cNvGrpSpPr/>
+          <p:nvPr/>
+        </p:nvGrpSpPr>
+        <p:grpSpPr>
+          <a:xfrm>
+            <a:off x="3050455" y="1544790"/>
+            <a:ext cx="2583121" cy="1171574"/>
+            <a:chOff x="5014393" y="4934556"/>
+            <a:chExt cx="2583121" cy="1171574"/>
+          </a:xfrm>
+        </p:grpSpPr>
+        <p:grpSp>
+          <p:nvGrpSpPr>
+            <p:cNvPr id="12" name="그룹 11"/>
+            <p:cNvGrpSpPr/>
+            <p:nvPr/>
+          </p:nvGrpSpPr>
+          <p:grpSpPr>
+            <a:xfrm>
+              <a:off x="6424092" y="4934556"/>
+              <a:ext cx="1173422" cy="1171574"/>
+              <a:chOff x="1541462" y="138112"/>
+              <a:chExt cx="1173422" cy="1171574"/>
+            </a:xfrm>
+          </p:grpSpPr>
+          <p:sp>
+            <p:nvSpPr>
+              <p:cNvPr id="13" name="팔각형 12"/>
+              <p:cNvSpPr/>
+              <p:nvPr/>
+            </p:nvSpPr>
+            <p:spPr>
+              <a:xfrm>
+                <a:off x="1541464" y="138114"/>
+                <a:ext cx="1171572" cy="1171572"/>
+              </a:xfrm>
+              <a:prstGeom prst="octagon">
+                <a:avLst>
+                  <a:gd name="adj" fmla="val 11945"/>
+                </a:avLst>
+              </a:prstGeom>
+              <a:solidFill>
+                <a:srgbClr val="32506E"/>
+              </a:solidFill>
+              <a:ln w="38100">
+                <a:solidFill>
+                  <a:schemeClr val="tx1"/>
+                </a:solidFill>
+              </a:ln>
+            </p:spPr>
+            <p:style>
+              <a:lnRef idx="2">
+                <a:schemeClr val="accent1">
+                  <a:shade val="50000"/>
+                </a:schemeClr>
+              </a:lnRef>
+              <a:fillRef idx="1">
+                <a:schemeClr val="accent1"/>
+              </a:fillRef>
+              <a:effectRef idx="0">
+                <a:schemeClr val="accent1"/>
+              </a:effectRef>
+              <a:fontRef idx="minor">
+                <a:schemeClr val="lt1"/>
+              </a:fontRef>
+            </p:style>
+            <p:txBody>
+              <a:bodyPr rtlCol="0" anchor="ctr"/>
+              <a:lstStyle/>
+              <a:p>
+                <a:pPr algn="ctr"/>
+                <a:endParaRPr lang="ko-KR" altLang="en-US"/>
+              </a:p>
+            </p:txBody>
+          </p:sp>
+          <p:sp>
+            <p:nvSpPr>
+              <p:cNvPr id="14" name="사다리꼴 13"/>
+              <p:cNvSpPr/>
+              <p:nvPr/>
+            </p:nvSpPr>
+            <p:spPr>
+              <a:xfrm>
+                <a:off x="1705769" y="1124843"/>
+                <a:ext cx="842962" cy="184843"/>
+              </a:xfrm>
+              <a:prstGeom prst="trapezoid">
+                <a:avLst/>
+              </a:prstGeom>
+              <a:solidFill>
+                <a:srgbClr val="838D90"/>
+              </a:solidFill>
+              <a:ln w="38100">
+                <a:solidFill>
+                  <a:schemeClr val="tx1"/>
+                </a:solidFill>
+              </a:ln>
+            </p:spPr>
+            <p:style>
+              <a:lnRef idx="2">
+                <a:schemeClr val="accent1">
+                  <a:shade val="50000"/>
+                </a:schemeClr>
+              </a:lnRef>
+              <a:fillRef idx="1">
+                <a:schemeClr val="accent1"/>
+              </a:fillRef>
+              <a:effectRef idx="0">
+                <a:schemeClr val="accent1"/>
+              </a:effectRef>
+              <a:fontRef idx="minor">
+                <a:schemeClr val="lt1"/>
+              </a:fontRef>
+            </p:style>
+            <p:txBody>
+              <a:bodyPr rot="0" spcFirstLastPara="0" vertOverflow="overflow" horzOverflow="overflow" vert="horz" wrap="square" lIns="91440" tIns="45720" rIns="91440" bIns="45720" numCol="1" spcCol="0" rtlCol="0" fromWordArt="0" anchor="ctr" anchorCtr="0" forceAA="0" compatLnSpc="1">
+                <a:prstTxWarp prst="textNoShape">
+                  <a:avLst/>
+                </a:prstTxWarp>
+                <a:noAutofit/>
+              </a:bodyPr>
+              <a:lstStyle/>
+              <a:p>
+                <a:pPr algn="ctr"/>
+                <a:endParaRPr lang="ko-KR" altLang="en-US"/>
+              </a:p>
+            </p:txBody>
+          </p:sp>
+          <p:sp>
+            <p:nvSpPr>
+              <p:cNvPr id="15" name="사다리꼴 14"/>
+              <p:cNvSpPr/>
+              <p:nvPr/>
+            </p:nvSpPr>
+            <p:spPr>
+              <a:xfrm rot="10800000">
+                <a:off x="1705769" y="138112"/>
+                <a:ext cx="842962" cy="184844"/>
+              </a:xfrm>
+              <a:prstGeom prst="trapezoid">
+                <a:avLst/>
+              </a:prstGeom>
+              <a:solidFill>
+                <a:srgbClr val="838D90"/>
+              </a:solidFill>
+              <a:ln w="38100">
+                <a:solidFill>
+                  <a:schemeClr val="tx1"/>
+                </a:solidFill>
+              </a:ln>
+            </p:spPr>
+            <p:style>
+              <a:lnRef idx="2">
+                <a:schemeClr val="accent1">
+                  <a:shade val="50000"/>
+                </a:schemeClr>
+              </a:lnRef>
+              <a:fillRef idx="1">
+                <a:schemeClr val="accent1"/>
+              </a:fillRef>
+              <a:effectRef idx="0">
+                <a:schemeClr val="accent1"/>
+              </a:effectRef>
+              <a:fontRef idx="minor">
+                <a:schemeClr val="lt1"/>
+              </a:fontRef>
+            </p:style>
+            <p:txBody>
+              <a:bodyPr rot="0" spcFirstLastPara="0" vertOverflow="overflow" horzOverflow="overflow" vert="horz" wrap="square" lIns="91440" tIns="45720" rIns="91440" bIns="45720" numCol="1" spcCol="0" rtlCol="0" fromWordArt="0" anchor="ctr" anchorCtr="0" forceAA="0" compatLnSpc="1">
+                <a:prstTxWarp prst="textNoShape">
+                  <a:avLst/>
+                </a:prstTxWarp>
+                <a:noAutofit/>
+              </a:bodyPr>
+              <a:lstStyle/>
+              <a:p>
+                <a:pPr algn="ctr"/>
+                <a:endParaRPr lang="ko-KR" altLang="en-US"/>
+              </a:p>
+            </p:txBody>
+          </p:sp>
+          <p:sp>
+            <p:nvSpPr>
+              <p:cNvPr id="16" name="사다리꼴 15"/>
+              <p:cNvSpPr/>
+              <p:nvPr/>
+            </p:nvSpPr>
+            <p:spPr>
+              <a:xfrm rot="5400000">
+                <a:off x="1212404" y="631478"/>
+                <a:ext cx="842962" cy="184843"/>
+              </a:xfrm>
+              <a:prstGeom prst="trapezoid">
+                <a:avLst/>
+              </a:prstGeom>
+              <a:solidFill>
+                <a:srgbClr val="838D90"/>
+              </a:solidFill>
+              <a:ln w="38100">
+                <a:solidFill>
+                  <a:schemeClr val="tx1"/>
+                </a:solidFill>
+              </a:ln>
+            </p:spPr>
+            <p:style>
+              <a:lnRef idx="2">
+                <a:schemeClr val="accent1">
+                  <a:shade val="50000"/>
+                </a:schemeClr>
+              </a:lnRef>
+              <a:fillRef idx="1">
+                <a:schemeClr val="accent1"/>
+              </a:fillRef>
+              <a:effectRef idx="0">
+                <a:schemeClr val="accent1"/>
+              </a:effectRef>
+              <a:fontRef idx="minor">
+                <a:schemeClr val="lt1"/>
+              </a:fontRef>
+            </p:style>
+            <p:txBody>
+              <a:bodyPr rot="0" spcFirstLastPara="0" vertOverflow="overflow" horzOverflow="overflow" vert="horz" wrap="square" lIns="91440" tIns="45720" rIns="91440" bIns="45720" numCol="1" spcCol="0" rtlCol="0" fromWordArt="0" anchor="ctr" anchorCtr="0" forceAA="0" compatLnSpc="1">
+                <a:prstTxWarp prst="textNoShape">
+                  <a:avLst/>
+                </a:prstTxWarp>
+                <a:noAutofit/>
+              </a:bodyPr>
+              <a:lstStyle/>
+              <a:p>
+                <a:pPr algn="ctr"/>
+                <a:endParaRPr lang="ko-KR" altLang="en-US"/>
+              </a:p>
+            </p:txBody>
+          </p:sp>
+          <p:sp>
+            <p:nvSpPr>
+              <p:cNvPr id="17" name="사다리꼴 16"/>
+              <p:cNvSpPr/>
+              <p:nvPr/>
+            </p:nvSpPr>
+            <p:spPr>
+              <a:xfrm rot="16200000">
+                <a:off x="2199136" y="631479"/>
+                <a:ext cx="842962" cy="184842"/>
+              </a:xfrm>
+              <a:prstGeom prst="trapezoid">
+                <a:avLst/>
+              </a:prstGeom>
+              <a:solidFill>
+                <a:srgbClr val="838D90"/>
+              </a:solidFill>
+              <a:ln w="38100">
+                <a:solidFill>
+                  <a:schemeClr val="tx1"/>
+                </a:solidFill>
+              </a:ln>
+            </p:spPr>
+            <p:style>
+              <a:lnRef idx="2">
+                <a:schemeClr val="accent1">
+                  <a:shade val="50000"/>
+                </a:schemeClr>
+              </a:lnRef>
+              <a:fillRef idx="1">
+                <a:schemeClr val="accent1"/>
+              </a:fillRef>
+              <a:effectRef idx="0">
+                <a:schemeClr val="accent1"/>
+              </a:effectRef>
+              <a:fontRef idx="minor">
+                <a:schemeClr val="lt1"/>
+              </a:fontRef>
+            </p:style>
+            <p:txBody>
+              <a:bodyPr rot="0" spcFirstLastPara="0" vertOverflow="overflow" horzOverflow="overflow" vert="horz" wrap="square" lIns="91440" tIns="45720" rIns="91440" bIns="45720" numCol="1" spcCol="0" rtlCol="0" fromWordArt="0" anchor="ctr" anchorCtr="0" forceAA="0" compatLnSpc="1">
+                <a:prstTxWarp prst="textNoShape">
+                  <a:avLst/>
+                </a:prstTxWarp>
+                <a:noAutofit/>
+              </a:bodyPr>
+              <a:lstStyle/>
+              <a:p>
+                <a:pPr algn="ctr"/>
+                <a:endParaRPr lang="ko-KR" altLang="en-US"/>
+              </a:p>
+            </p:txBody>
+          </p:sp>
+          <p:cxnSp>
+            <p:nvCxnSpPr>
+              <p:cNvPr id="18" name="직선 연결선 17"/>
+              <p:cNvCxnSpPr>
+                <a:stCxn id="15" idx="3"/>
+                <a:endCxn id="16" idx="1"/>
+              </p:cNvCxnSpPr>
+              <p:nvPr/>
+            </p:nvCxnSpPr>
+            <p:spPr>
+              <a:xfrm flipH="1">
+                <a:off x="1633885" y="230534"/>
+                <a:ext cx="94989" cy="94990"/>
+              </a:xfrm>
+              <a:prstGeom prst="line">
+                <a:avLst/>
+              </a:prstGeom>
+              <a:ln w="38100">
+                <a:solidFill>
+                  <a:schemeClr val="tx1"/>
+                </a:solidFill>
+              </a:ln>
+            </p:spPr>
+            <p:style>
+              <a:lnRef idx="1">
+                <a:schemeClr val="accent1"/>
+              </a:lnRef>
+              <a:fillRef idx="0">
+                <a:schemeClr val="accent1"/>
+              </a:fillRef>
+              <a:effectRef idx="0">
+                <a:schemeClr val="accent1"/>
+              </a:effectRef>
+              <a:fontRef idx="minor">
+                <a:schemeClr val="tx1"/>
+              </a:fontRef>
+            </p:style>
+          </p:cxnSp>
+          <p:cxnSp>
+            <p:nvCxnSpPr>
+              <p:cNvPr id="19" name="직선 연결선 18"/>
+              <p:cNvCxnSpPr>
+                <a:stCxn id="14" idx="1"/>
+                <a:endCxn id="16" idx="3"/>
+              </p:cNvCxnSpPr>
+              <p:nvPr/>
+            </p:nvCxnSpPr>
+            <p:spPr>
+              <a:xfrm flipH="1" flipV="1">
+                <a:off x="1633885" y="1122276"/>
+                <a:ext cx="94989" cy="94989"/>
+              </a:xfrm>
+              <a:prstGeom prst="line">
+                <a:avLst/>
+              </a:prstGeom>
+              <a:ln w="38100">
+                <a:solidFill>
+                  <a:schemeClr val="tx1"/>
+                </a:solidFill>
+              </a:ln>
+            </p:spPr>
+            <p:style>
+              <a:lnRef idx="1">
+                <a:schemeClr val="accent1"/>
+              </a:lnRef>
+              <a:fillRef idx="0">
+                <a:schemeClr val="accent1"/>
+              </a:fillRef>
+              <a:effectRef idx="0">
+                <a:schemeClr val="accent1"/>
+              </a:effectRef>
+              <a:fontRef idx="minor">
+                <a:schemeClr val="tx1"/>
+              </a:fontRef>
+            </p:style>
+          </p:cxnSp>
+          <p:cxnSp>
+            <p:nvCxnSpPr>
+              <p:cNvPr id="20" name="직선 연결선 19"/>
+              <p:cNvCxnSpPr>
+                <a:stCxn id="17" idx="1"/>
+                <a:endCxn id="14" idx="3"/>
+              </p:cNvCxnSpPr>
+              <p:nvPr/>
+            </p:nvCxnSpPr>
+            <p:spPr>
+              <a:xfrm flipH="1">
+                <a:off x="2525626" y="1122276"/>
+                <a:ext cx="94991" cy="94989"/>
+              </a:xfrm>
+              <a:prstGeom prst="line">
+                <a:avLst/>
+              </a:prstGeom>
+              <a:ln w="38100">
+                <a:solidFill>
+                  <a:schemeClr val="tx1"/>
+                </a:solidFill>
+              </a:ln>
+            </p:spPr>
+            <p:style>
+              <a:lnRef idx="1">
+                <a:schemeClr val="accent1"/>
+              </a:lnRef>
+              <a:fillRef idx="0">
+                <a:schemeClr val="accent1"/>
+              </a:fillRef>
+              <a:effectRef idx="0">
+                <a:schemeClr val="accent1"/>
+              </a:effectRef>
+              <a:fontRef idx="minor">
+                <a:schemeClr val="tx1"/>
+              </a:fontRef>
+            </p:style>
+          </p:cxnSp>
+          <p:cxnSp>
+            <p:nvCxnSpPr>
+              <p:cNvPr id="21" name="직선 연결선 20"/>
+              <p:cNvCxnSpPr>
+                <a:stCxn id="17" idx="3"/>
+                <a:endCxn id="15" idx="1"/>
+              </p:cNvCxnSpPr>
+              <p:nvPr/>
+            </p:nvCxnSpPr>
+            <p:spPr>
+              <a:xfrm flipH="1" flipV="1">
+                <a:off x="2525625" y="230534"/>
+                <a:ext cx="94992" cy="94990"/>
+              </a:xfrm>
+              <a:prstGeom prst="line">
+                <a:avLst/>
+              </a:prstGeom>
+              <a:ln w="38100">
+                <a:solidFill>
+                  <a:schemeClr val="tx1"/>
+                </a:solidFill>
+              </a:ln>
+            </p:spPr>
+            <p:style>
+              <a:lnRef idx="1">
+                <a:schemeClr val="accent1"/>
+              </a:lnRef>
+              <a:fillRef idx="0">
+                <a:schemeClr val="accent1"/>
+              </a:fillRef>
+              <a:effectRef idx="0">
+                <a:schemeClr val="accent1"/>
+              </a:effectRef>
+              <a:fontRef idx="minor">
+                <a:schemeClr val="tx1"/>
+              </a:fontRef>
+            </p:style>
+          </p:cxnSp>
+          <p:sp>
+            <p:nvSpPr>
+              <p:cNvPr id="22" name="팔각형 21"/>
+              <p:cNvSpPr/>
+              <p:nvPr/>
+            </p:nvSpPr>
+            <p:spPr>
+              <a:xfrm>
+                <a:off x="1818727" y="415377"/>
+                <a:ext cx="617046" cy="617046"/>
+              </a:xfrm>
+              <a:prstGeom prst="octagon">
+                <a:avLst>
+                  <a:gd name="adj" fmla="val 11945"/>
+                </a:avLst>
+              </a:prstGeom>
+              <a:solidFill>
+                <a:srgbClr val="838D90"/>
+              </a:solidFill>
+              <a:ln w="38100">
+                <a:solidFill>
+                  <a:schemeClr val="tx1"/>
+                </a:solidFill>
+              </a:ln>
+            </p:spPr>
+            <p:style>
+              <a:lnRef idx="2">
+                <a:schemeClr val="accent1">
+                  <a:shade val="50000"/>
+                </a:schemeClr>
+              </a:lnRef>
+              <a:fillRef idx="1">
+                <a:schemeClr val="accent1"/>
+              </a:fillRef>
+              <a:effectRef idx="0">
+                <a:schemeClr val="accent1"/>
+              </a:effectRef>
+              <a:fontRef idx="minor">
+                <a:schemeClr val="lt1"/>
+              </a:fontRef>
+            </p:style>
+            <p:txBody>
+              <a:bodyPr rtlCol="0" anchor="ctr"/>
+              <a:lstStyle/>
+              <a:p>
+                <a:pPr algn="ctr"/>
+                <a:endParaRPr lang="ko-KR" altLang="en-US"/>
+              </a:p>
+            </p:txBody>
+          </p:sp>
+          <p:sp>
+            <p:nvSpPr>
+              <p:cNvPr id="23" name="타원 22"/>
+              <p:cNvSpPr/>
+              <p:nvPr/>
+            </p:nvSpPr>
+            <p:spPr>
+              <a:xfrm>
+                <a:off x="1941512" y="538162"/>
+                <a:ext cx="371476" cy="371476"/>
+              </a:xfrm>
+              <a:prstGeom prst="ellipse">
+                <a:avLst/>
+              </a:prstGeom>
+              <a:solidFill>
+                <a:srgbClr val="32506E"/>
+              </a:solidFill>
+              <a:ln w="38100">
+                <a:solidFill>
+                  <a:schemeClr val="tx1"/>
+                </a:solidFill>
+              </a:ln>
+            </p:spPr>
+            <p:style>
+              <a:lnRef idx="2">
+                <a:schemeClr val="accent1">
+                  <a:shade val="50000"/>
+                </a:schemeClr>
+              </a:lnRef>
+              <a:fillRef idx="1">
+                <a:schemeClr val="accent1"/>
+              </a:fillRef>
+              <a:effectRef idx="0">
+                <a:schemeClr val="accent1"/>
+              </a:effectRef>
+              <a:fontRef idx="minor">
+                <a:schemeClr val="lt1"/>
+              </a:fontRef>
+            </p:style>
+            <p:txBody>
+              <a:bodyPr rot="0" spcFirstLastPara="0" vertOverflow="overflow" horzOverflow="overflow" vert="horz" wrap="square" lIns="91440" tIns="45720" rIns="91440" bIns="45720" numCol="1" spcCol="0" rtlCol="0" fromWordArt="0" anchor="ctr" anchorCtr="0" forceAA="0" compatLnSpc="1">
+                <a:prstTxWarp prst="textNoShape">
+                  <a:avLst/>
+                </a:prstTxWarp>
+                <a:noAutofit/>
+              </a:bodyPr>
+              <a:lstStyle/>
+              <a:p>
+                <a:pPr algn="ctr"/>
+                <a:endParaRPr lang="ko-KR" altLang="en-US"/>
+              </a:p>
+            </p:txBody>
+          </p:sp>
+          <p:sp>
+            <p:nvSpPr>
+              <p:cNvPr id="24" name="사다리꼴 23"/>
+              <p:cNvSpPr/>
+              <p:nvPr/>
+            </p:nvSpPr>
+            <p:spPr>
+              <a:xfrm rot="5400000">
+                <a:off x="1448145" y="631480"/>
+                <a:ext cx="371475" cy="184842"/>
+              </a:xfrm>
+              <a:prstGeom prst="trapezoid">
+                <a:avLst/>
+              </a:prstGeom>
+              <a:solidFill>
+                <a:srgbClr val="32506E"/>
+              </a:solidFill>
+              <a:ln w="38100">
+                <a:solidFill>
+                  <a:schemeClr val="tx1"/>
+                </a:solidFill>
+              </a:ln>
+            </p:spPr>
+            <p:style>
+              <a:lnRef idx="2">
+                <a:schemeClr val="accent1">
+                  <a:shade val="50000"/>
+                </a:schemeClr>
+              </a:lnRef>
+              <a:fillRef idx="1">
+                <a:schemeClr val="accent1"/>
+              </a:fillRef>
+              <a:effectRef idx="0">
+                <a:schemeClr val="accent1"/>
+              </a:effectRef>
+              <a:fontRef idx="minor">
+                <a:schemeClr val="lt1"/>
+              </a:fontRef>
+            </p:style>
+            <p:txBody>
+              <a:bodyPr rot="0" spcFirstLastPara="0" vertOverflow="overflow" horzOverflow="overflow" vert="horz" wrap="square" lIns="91440" tIns="45720" rIns="91440" bIns="45720" numCol="1" spcCol="0" rtlCol="0" fromWordArt="0" anchor="ctr" anchorCtr="0" forceAA="0" compatLnSpc="1">
+                <a:prstTxWarp prst="textNoShape">
+                  <a:avLst/>
+                </a:prstTxWarp>
+                <a:noAutofit/>
+              </a:bodyPr>
+              <a:lstStyle/>
+              <a:p>
+                <a:pPr algn="ctr"/>
+                <a:endParaRPr lang="ko-KR" altLang="en-US"/>
+              </a:p>
+            </p:txBody>
+          </p:sp>
+          <p:sp>
+            <p:nvSpPr>
+              <p:cNvPr id="25" name="사다리꼴 24"/>
+              <p:cNvSpPr/>
+              <p:nvPr/>
+            </p:nvSpPr>
+            <p:spPr>
+              <a:xfrm>
+                <a:off x="1941513" y="1124842"/>
+                <a:ext cx="371475" cy="184844"/>
+              </a:xfrm>
+              <a:prstGeom prst="trapezoid">
+                <a:avLst/>
+              </a:prstGeom>
+              <a:solidFill>
+                <a:srgbClr val="32506E"/>
+              </a:solidFill>
+              <a:ln w="38100">
+                <a:solidFill>
+                  <a:schemeClr val="tx1"/>
+                </a:solidFill>
+              </a:ln>
+            </p:spPr>
+            <p:style>
+              <a:lnRef idx="2">
+                <a:schemeClr val="accent1">
+                  <a:shade val="50000"/>
+                </a:schemeClr>
+              </a:lnRef>
+              <a:fillRef idx="1">
+                <a:schemeClr val="accent1"/>
+              </a:fillRef>
+              <a:effectRef idx="0">
+                <a:schemeClr val="accent1"/>
+              </a:effectRef>
+              <a:fontRef idx="minor">
+                <a:schemeClr val="lt1"/>
+              </a:fontRef>
+            </p:style>
+            <p:txBody>
+              <a:bodyPr rot="0" spcFirstLastPara="0" vertOverflow="overflow" horzOverflow="overflow" vert="horz" wrap="square" lIns="91440" tIns="45720" rIns="91440" bIns="45720" numCol="1" spcCol="0" rtlCol="0" fromWordArt="0" anchor="ctr" anchorCtr="0" forceAA="0" compatLnSpc="1">
+                <a:prstTxWarp prst="textNoShape">
+                  <a:avLst/>
+                </a:prstTxWarp>
+                <a:noAutofit/>
+              </a:bodyPr>
+              <a:lstStyle/>
+              <a:p>
+                <a:pPr algn="ctr"/>
+                <a:endParaRPr lang="ko-KR" altLang="en-US"/>
+              </a:p>
+            </p:txBody>
+          </p:sp>
+          <p:sp>
+            <p:nvSpPr>
+              <p:cNvPr id="26" name="사다리꼴 25"/>
+              <p:cNvSpPr/>
+              <p:nvPr/>
+            </p:nvSpPr>
+            <p:spPr>
+              <a:xfrm rot="16200000">
+                <a:off x="2436725" y="631481"/>
+                <a:ext cx="371475" cy="184842"/>
+              </a:xfrm>
+              <a:prstGeom prst="trapezoid">
+                <a:avLst/>
+              </a:prstGeom>
+              <a:solidFill>
+                <a:srgbClr val="32506E"/>
+              </a:solidFill>
+              <a:ln w="38100">
+                <a:solidFill>
+                  <a:schemeClr val="tx1"/>
+                </a:solidFill>
+              </a:ln>
+            </p:spPr>
+            <p:style>
+              <a:lnRef idx="2">
+                <a:schemeClr val="accent1">
+                  <a:shade val="50000"/>
+                </a:schemeClr>
+              </a:lnRef>
+              <a:fillRef idx="1">
+                <a:schemeClr val="accent1"/>
+              </a:fillRef>
+              <a:effectRef idx="0">
+                <a:schemeClr val="accent1"/>
+              </a:effectRef>
+              <a:fontRef idx="minor">
+                <a:schemeClr val="lt1"/>
+              </a:fontRef>
+            </p:style>
+            <p:txBody>
+              <a:bodyPr rot="0" spcFirstLastPara="0" vertOverflow="overflow" horzOverflow="overflow" vert="horz" wrap="square" lIns="91440" tIns="45720" rIns="91440" bIns="45720" numCol="1" spcCol="0" rtlCol="0" fromWordArt="0" anchor="ctr" anchorCtr="0" forceAA="0" compatLnSpc="1">
+                <a:prstTxWarp prst="textNoShape">
+                  <a:avLst/>
+                </a:prstTxWarp>
+                <a:noAutofit/>
+              </a:bodyPr>
+              <a:lstStyle/>
+              <a:p>
+                <a:pPr algn="ctr"/>
+                <a:endParaRPr lang="ko-KR" altLang="en-US"/>
+              </a:p>
+            </p:txBody>
+          </p:sp>
+          <p:sp>
+            <p:nvSpPr>
+              <p:cNvPr id="27" name="사다리꼴 26"/>
+              <p:cNvSpPr/>
+              <p:nvPr/>
+            </p:nvSpPr>
+            <p:spPr>
+              <a:xfrm rot="10800000">
+                <a:off x="1941513" y="138112"/>
+                <a:ext cx="371475" cy="184844"/>
+              </a:xfrm>
+              <a:prstGeom prst="trapezoid">
+                <a:avLst/>
+              </a:prstGeom>
+              <a:solidFill>
+                <a:srgbClr val="32506E"/>
+              </a:solidFill>
+              <a:ln w="38100">
+                <a:solidFill>
+                  <a:schemeClr val="tx1"/>
+                </a:solidFill>
+              </a:ln>
+            </p:spPr>
+            <p:style>
+              <a:lnRef idx="2">
+                <a:schemeClr val="accent1">
+                  <a:shade val="50000"/>
+                </a:schemeClr>
+              </a:lnRef>
+              <a:fillRef idx="1">
+                <a:schemeClr val="accent1"/>
+              </a:fillRef>
+              <a:effectRef idx="0">
+                <a:schemeClr val="accent1"/>
+              </a:effectRef>
+              <a:fontRef idx="minor">
+                <a:schemeClr val="lt1"/>
+              </a:fontRef>
+            </p:style>
+            <p:txBody>
+              <a:bodyPr rot="0" spcFirstLastPara="0" vertOverflow="overflow" horzOverflow="overflow" vert="horz" wrap="square" lIns="91440" tIns="45720" rIns="91440" bIns="45720" numCol="1" spcCol="0" rtlCol="0" fromWordArt="0" anchor="ctr" anchorCtr="0" forceAA="0" compatLnSpc="1">
+                <a:prstTxWarp prst="textNoShape">
+                  <a:avLst/>
+                </a:prstTxWarp>
+                <a:noAutofit/>
+              </a:bodyPr>
+              <a:lstStyle/>
+              <a:p>
+                <a:pPr algn="ctr"/>
+                <a:endParaRPr lang="ko-KR" altLang="en-US"/>
+              </a:p>
+            </p:txBody>
+          </p:sp>
+        </p:grpSp>
+        <p:grpSp>
+          <p:nvGrpSpPr>
+            <p:cNvPr id="28" name="그룹 27"/>
+            <p:cNvGrpSpPr/>
+            <p:nvPr/>
+          </p:nvGrpSpPr>
+          <p:grpSpPr>
+            <a:xfrm>
+              <a:off x="5014393" y="4934556"/>
+              <a:ext cx="1173421" cy="1171574"/>
+              <a:chOff x="131763" y="138112"/>
+              <a:chExt cx="1173421" cy="1171574"/>
+            </a:xfrm>
+          </p:grpSpPr>
+          <p:sp>
+            <p:nvSpPr>
+              <p:cNvPr id="29" name="팔각형 28"/>
+              <p:cNvSpPr/>
+              <p:nvPr/>
+            </p:nvSpPr>
+            <p:spPr>
+              <a:xfrm>
+                <a:off x="131764" y="138114"/>
+                <a:ext cx="1171572" cy="1171572"/>
+              </a:xfrm>
+              <a:prstGeom prst="octagon">
+                <a:avLst>
+                  <a:gd name="adj" fmla="val 11945"/>
+                </a:avLst>
+              </a:prstGeom>
+              <a:solidFill>
+                <a:srgbClr val="6E3232"/>
+              </a:solidFill>
+              <a:ln w="38100">
+                <a:solidFill>
+                  <a:schemeClr val="tx1"/>
+                </a:solidFill>
+              </a:ln>
+            </p:spPr>
+            <p:style>
+              <a:lnRef idx="2">
+                <a:schemeClr val="accent1">
+                  <a:shade val="50000"/>
+                </a:schemeClr>
+              </a:lnRef>
+              <a:fillRef idx="1">
+                <a:schemeClr val="accent1"/>
+              </a:fillRef>
+              <a:effectRef idx="0">
+                <a:schemeClr val="accent1"/>
+              </a:effectRef>
+              <a:fontRef idx="minor">
+                <a:schemeClr val="lt1"/>
+              </a:fontRef>
+            </p:style>
+            <p:txBody>
+              <a:bodyPr rtlCol="0" anchor="ctr"/>
+              <a:lstStyle/>
+              <a:p>
+                <a:pPr algn="ctr"/>
+                <a:endParaRPr lang="ko-KR" altLang="en-US"/>
+              </a:p>
+            </p:txBody>
+          </p:sp>
+          <p:sp>
+            <p:nvSpPr>
+              <p:cNvPr id="30" name="사다리꼴 29"/>
+              <p:cNvSpPr/>
+              <p:nvPr/>
+            </p:nvSpPr>
+            <p:spPr>
+              <a:xfrm>
+                <a:off x="296069" y="1124843"/>
+                <a:ext cx="842962" cy="184843"/>
+              </a:xfrm>
+              <a:prstGeom prst="trapezoid">
+                <a:avLst/>
+              </a:prstGeom>
+              <a:solidFill>
+                <a:srgbClr val="838D90"/>
+              </a:solidFill>
+              <a:ln w="38100">
+                <a:solidFill>
+                  <a:schemeClr val="tx1"/>
+                </a:solidFill>
+              </a:ln>
+            </p:spPr>
+            <p:style>
+              <a:lnRef idx="2">
+                <a:schemeClr val="accent1">
+                  <a:shade val="50000"/>
+                </a:schemeClr>
+              </a:lnRef>
+              <a:fillRef idx="1">
+                <a:schemeClr val="accent1"/>
+              </a:fillRef>
+              <a:effectRef idx="0">
+                <a:schemeClr val="accent1"/>
+              </a:effectRef>
+              <a:fontRef idx="minor">
+                <a:schemeClr val="lt1"/>
+              </a:fontRef>
+            </p:style>
+            <p:txBody>
+              <a:bodyPr rot="0" spcFirstLastPara="0" vertOverflow="overflow" horzOverflow="overflow" vert="horz" wrap="square" lIns="91440" tIns="45720" rIns="91440" bIns="45720" numCol="1" spcCol="0" rtlCol="0" fromWordArt="0" anchor="ctr" anchorCtr="0" forceAA="0" compatLnSpc="1">
+                <a:prstTxWarp prst="textNoShape">
+                  <a:avLst/>
+                </a:prstTxWarp>
+                <a:noAutofit/>
+              </a:bodyPr>
+              <a:lstStyle/>
+              <a:p>
+                <a:pPr algn="ctr"/>
+                <a:endParaRPr lang="ko-KR" altLang="en-US"/>
+              </a:p>
+            </p:txBody>
+          </p:sp>
+          <p:sp>
+            <p:nvSpPr>
+              <p:cNvPr id="31" name="사다리꼴 30"/>
+              <p:cNvSpPr/>
+              <p:nvPr/>
+            </p:nvSpPr>
+            <p:spPr>
+              <a:xfrm rot="10800000">
+                <a:off x="296069" y="138112"/>
+                <a:ext cx="842962" cy="184844"/>
+              </a:xfrm>
+              <a:prstGeom prst="trapezoid">
+                <a:avLst/>
+              </a:prstGeom>
+              <a:solidFill>
+                <a:srgbClr val="838D90"/>
+              </a:solidFill>
+              <a:ln w="38100">
+                <a:solidFill>
+                  <a:schemeClr val="tx1"/>
+                </a:solidFill>
+              </a:ln>
+            </p:spPr>
+            <p:style>
+              <a:lnRef idx="2">
+                <a:schemeClr val="accent1">
+                  <a:shade val="50000"/>
+                </a:schemeClr>
+              </a:lnRef>
+              <a:fillRef idx="1">
+                <a:schemeClr val="accent1"/>
+              </a:fillRef>
+              <a:effectRef idx="0">
+                <a:schemeClr val="accent1"/>
+              </a:effectRef>
+              <a:fontRef idx="minor">
+                <a:schemeClr val="lt1"/>
+              </a:fontRef>
+            </p:style>
+            <p:txBody>
+              <a:bodyPr rot="0" spcFirstLastPara="0" vertOverflow="overflow" horzOverflow="overflow" vert="horz" wrap="square" lIns="91440" tIns="45720" rIns="91440" bIns="45720" numCol="1" spcCol="0" rtlCol="0" fromWordArt="0" anchor="ctr" anchorCtr="0" forceAA="0" compatLnSpc="1">
+                <a:prstTxWarp prst="textNoShape">
+                  <a:avLst/>
+                </a:prstTxWarp>
+                <a:noAutofit/>
+              </a:bodyPr>
+              <a:lstStyle/>
+              <a:p>
+                <a:pPr algn="ctr"/>
+                <a:endParaRPr lang="ko-KR" altLang="en-US"/>
+              </a:p>
+            </p:txBody>
+          </p:sp>
+          <p:sp>
+            <p:nvSpPr>
+              <p:cNvPr id="32" name="사다리꼴 31"/>
+              <p:cNvSpPr/>
+              <p:nvPr/>
+            </p:nvSpPr>
+            <p:spPr>
+              <a:xfrm rot="5400000">
+                <a:off x="-197296" y="631478"/>
+                <a:ext cx="842962" cy="184843"/>
+              </a:xfrm>
+              <a:prstGeom prst="trapezoid">
+                <a:avLst/>
+              </a:prstGeom>
+              <a:solidFill>
+                <a:srgbClr val="838D90"/>
+              </a:solidFill>
+              <a:ln w="38100">
+                <a:solidFill>
+                  <a:schemeClr val="tx1"/>
+                </a:solidFill>
+              </a:ln>
+            </p:spPr>
+            <p:style>
+              <a:lnRef idx="2">
+                <a:schemeClr val="accent1">
+                  <a:shade val="50000"/>
+                </a:schemeClr>
+              </a:lnRef>
+              <a:fillRef idx="1">
+                <a:schemeClr val="accent1"/>
+              </a:fillRef>
+              <a:effectRef idx="0">
+                <a:schemeClr val="accent1"/>
+              </a:effectRef>
+              <a:fontRef idx="minor">
+                <a:schemeClr val="lt1"/>
+              </a:fontRef>
+            </p:style>
+            <p:txBody>
+              <a:bodyPr rot="0" spcFirstLastPara="0" vertOverflow="overflow" horzOverflow="overflow" vert="horz" wrap="square" lIns="91440" tIns="45720" rIns="91440" bIns="45720" numCol="1" spcCol="0" rtlCol="0" fromWordArt="0" anchor="ctr" anchorCtr="0" forceAA="0" compatLnSpc="1">
+                <a:prstTxWarp prst="textNoShape">
+                  <a:avLst/>
+                </a:prstTxWarp>
+                <a:noAutofit/>
+              </a:bodyPr>
+              <a:lstStyle/>
+              <a:p>
+                <a:pPr algn="ctr"/>
+                <a:endParaRPr lang="ko-KR" altLang="en-US"/>
+              </a:p>
+            </p:txBody>
+          </p:sp>
+          <p:sp>
+            <p:nvSpPr>
+              <p:cNvPr id="33" name="사다리꼴 32"/>
+              <p:cNvSpPr/>
+              <p:nvPr/>
+            </p:nvSpPr>
+            <p:spPr>
+              <a:xfrm rot="16200000">
+                <a:off x="789436" y="631479"/>
+                <a:ext cx="842962" cy="184842"/>
+              </a:xfrm>
+              <a:prstGeom prst="trapezoid">
+                <a:avLst/>
+              </a:prstGeom>
+              <a:solidFill>
+                <a:srgbClr val="838D90"/>
+              </a:solidFill>
+              <a:ln w="38100">
+                <a:solidFill>
+                  <a:schemeClr val="tx1"/>
+                </a:solidFill>
+              </a:ln>
+            </p:spPr>
+            <p:style>
+              <a:lnRef idx="2">
+                <a:schemeClr val="accent1">
+                  <a:shade val="50000"/>
+                </a:schemeClr>
+              </a:lnRef>
+              <a:fillRef idx="1">
+                <a:schemeClr val="accent1"/>
+              </a:fillRef>
+              <a:effectRef idx="0">
+                <a:schemeClr val="accent1"/>
+              </a:effectRef>
+              <a:fontRef idx="minor">
+                <a:schemeClr val="lt1"/>
+              </a:fontRef>
+            </p:style>
+            <p:txBody>
+              <a:bodyPr rot="0" spcFirstLastPara="0" vertOverflow="overflow" horzOverflow="overflow" vert="horz" wrap="square" lIns="91440" tIns="45720" rIns="91440" bIns="45720" numCol="1" spcCol="0" rtlCol="0" fromWordArt="0" anchor="ctr" anchorCtr="0" forceAA="0" compatLnSpc="1">
+                <a:prstTxWarp prst="textNoShape">
+                  <a:avLst/>
+                </a:prstTxWarp>
+                <a:noAutofit/>
+              </a:bodyPr>
+              <a:lstStyle/>
+              <a:p>
+                <a:pPr algn="ctr"/>
+                <a:endParaRPr lang="ko-KR" altLang="en-US"/>
+              </a:p>
+            </p:txBody>
+          </p:sp>
+          <p:cxnSp>
+            <p:nvCxnSpPr>
+              <p:cNvPr id="34" name="직선 연결선 33"/>
+              <p:cNvCxnSpPr>
+                <a:stCxn id="31" idx="3"/>
+                <a:endCxn id="32" idx="1"/>
+              </p:cNvCxnSpPr>
+              <p:nvPr/>
+            </p:nvCxnSpPr>
+            <p:spPr>
+              <a:xfrm flipH="1">
+                <a:off x="224185" y="230534"/>
+                <a:ext cx="94989" cy="94990"/>
+              </a:xfrm>
+              <a:prstGeom prst="line">
+                <a:avLst/>
+              </a:prstGeom>
+              <a:ln w="38100">
+                <a:solidFill>
+                  <a:schemeClr val="tx1"/>
+                </a:solidFill>
+              </a:ln>
+            </p:spPr>
+            <p:style>
+              <a:lnRef idx="1">
+                <a:schemeClr val="accent1"/>
+              </a:lnRef>
+              <a:fillRef idx="0">
+                <a:schemeClr val="accent1"/>
+              </a:fillRef>
+              <a:effectRef idx="0">
+                <a:schemeClr val="accent1"/>
+              </a:effectRef>
+              <a:fontRef idx="minor">
+                <a:schemeClr val="tx1"/>
+              </a:fontRef>
+            </p:style>
+          </p:cxnSp>
+          <p:cxnSp>
+            <p:nvCxnSpPr>
+              <p:cNvPr id="35" name="직선 연결선 34"/>
+              <p:cNvCxnSpPr>
+                <a:stCxn id="30" idx="1"/>
+                <a:endCxn id="32" idx="3"/>
+              </p:cNvCxnSpPr>
+              <p:nvPr/>
+            </p:nvCxnSpPr>
+            <p:spPr>
+              <a:xfrm flipH="1" flipV="1">
+                <a:off x="224185" y="1122276"/>
+                <a:ext cx="94989" cy="94989"/>
+              </a:xfrm>
+              <a:prstGeom prst="line">
+                <a:avLst/>
+              </a:prstGeom>
+              <a:ln w="38100">
+                <a:solidFill>
+                  <a:schemeClr val="tx1"/>
+                </a:solidFill>
+              </a:ln>
+            </p:spPr>
+            <p:style>
+              <a:lnRef idx="1">
+                <a:schemeClr val="accent1"/>
+              </a:lnRef>
+              <a:fillRef idx="0">
+                <a:schemeClr val="accent1"/>
+              </a:fillRef>
+              <a:effectRef idx="0">
+                <a:schemeClr val="accent1"/>
+              </a:effectRef>
+              <a:fontRef idx="minor">
+                <a:schemeClr val="tx1"/>
+              </a:fontRef>
+            </p:style>
+          </p:cxnSp>
+          <p:cxnSp>
+            <p:nvCxnSpPr>
+              <p:cNvPr id="36" name="직선 연결선 35"/>
+              <p:cNvCxnSpPr>
+                <a:stCxn id="33" idx="1"/>
+                <a:endCxn id="30" idx="3"/>
+              </p:cNvCxnSpPr>
+              <p:nvPr/>
+            </p:nvCxnSpPr>
+            <p:spPr>
+              <a:xfrm flipH="1">
+                <a:off x="1115926" y="1122276"/>
+                <a:ext cx="94991" cy="94989"/>
+              </a:xfrm>
+              <a:prstGeom prst="line">
+                <a:avLst/>
+              </a:prstGeom>
+              <a:ln w="38100">
+                <a:solidFill>
+                  <a:schemeClr val="tx1"/>
+                </a:solidFill>
+              </a:ln>
+            </p:spPr>
+            <p:style>
+              <a:lnRef idx="1">
+                <a:schemeClr val="accent1"/>
+              </a:lnRef>
+              <a:fillRef idx="0">
+                <a:schemeClr val="accent1"/>
+              </a:fillRef>
+              <a:effectRef idx="0">
+                <a:schemeClr val="accent1"/>
+              </a:effectRef>
+              <a:fontRef idx="minor">
+                <a:schemeClr val="tx1"/>
+              </a:fontRef>
+            </p:style>
+          </p:cxnSp>
+          <p:cxnSp>
+            <p:nvCxnSpPr>
+              <p:cNvPr id="37" name="직선 연결선 36"/>
+              <p:cNvCxnSpPr>
+                <a:stCxn id="33" idx="3"/>
+                <a:endCxn id="31" idx="1"/>
+              </p:cNvCxnSpPr>
+              <p:nvPr/>
+            </p:nvCxnSpPr>
+            <p:spPr>
+              <a:xfrm flipH="1" flipV="1">
+                <a:off x="1115925" y="230534"/>
+                <a:ext cx="94992" cy="94990"/>
+              </a:xfrm>
+              <a:prstGeom prst="line">
+                <a:avLst/>
+              </a:prstGeom>
+              <a:ln w="38100">
+                <a:solidFill>
+                  <a:schemeClr val="tx1"/>
+                </a:solidFill>
+              </a:ln>
+            </p:spPr>
+            <p:style>
+              <a:lnRef idx="1">
+                <a:schemeClr val="accent1"/>
+              </a:lnRef>
+              <a:fillRef idx="0">
+                <a:schemeClr val="accent1"/>
+              </a:fillRef>
+              <a:effectRef idx="0">
+                <a:schemeClr val="accent1"/>
+              </a:effectRef>
+              <a:fontRef idx="minor">
+                <a:schemeClr val="tx1"/>
+              </a:fontRef>
+            </p:style>
+          </p:cxnSp>
+          <p:sp>
+            <p:nvSpPr>
+              <p:cNvPr id="38" name="팔각형 37"/>
+              <p:cNvSpPr/>
+              <p:nvPr/>
+            </p:nvSpPr>
+            <p:spPr>
+              <a:xfrm>
+                <a:off x="409027" y="415377"/>
+                <a:ext cx="617046" cy="617046"/>
+              </a:xfrm>
+              <a:prstGeom prst="octagon">
+                <a:avLst>
+                  <a:gd name="adj" fmla="val 11945"/>
+                </a:avLst>
+              </a:prstGeom>
+              <a:solidFill>
+                <a:srgbClr val="838D90"/>
+              </a:solidFill>
+              <a:ln w="38100">
+                <a:solidFill>
+                  <a:schemeClr val="tx1"/>
+                </a:solidFill>
+              </a:ln>
+            </p:spPr>
+            <p:style>
+              <a:lnRef idx="2">
+                <a:schemeClr val="accent1">
+                  <a:shade val="50000"/>
+                </a:schemeClr>
+              </a:lnRef>
+              <a:fillRef idx="1">
+                <a:schemeClr val="accent1"/>
+              </a:fillRef>
+              <a:effectRef idx="0">
+                <a:schemeClr val="accent1"/>
+              </a:effectRef>
+              <a:fontRef idx="minor">
+                <a:schemeClr val="lt1"/>
+              </a:fontRef>
+            </p:style>
+            <p:txBody>
+              <a:bodyPr rtlCol="0" anchor="ctr"/>
+              <a:lstStyle/>
+              <a:p>
+                <a:pPr algn="ctr"/>
+                <a:endParaRPr lang="ko-KR" altLang="en-US"/>
+              </a:p>
+            </p:txBody>
+          </p:sp>
+          <p:sp>
+            <p:nvSpPr>
+              <p:cNvPr id="39" name="타원 38"/>
+              <p:cNvSpPr/>
+              <p:nvPr/>
+            </p:nvSpPr>
+            <p:spPr>
+              <a:xfrm>
+                <a:off x="531812" y="538162"/>
+                <a:ext cx="371476" cy="371476"/>
+              </a:xfrm>
+              <a:prstGeom prst="ellipse">
+                <a:avLst/>
+              </a:prstGeom>
+              <a:solidFill>
+                <a:srgbClr val="6E3232"/>
+              </a:solidFill>
+              <a:ln w="38100">
+                <a:solidFill>
+                  <a:schemeClr val="tx1"/>
+                </a:solidFill>
+              </a:ln>
+            </p:spPr>
+            <p:style>
+              <a:lnRef idx="2">
+                <a:schemeClr val="accent1">
+                  <a:shade val="50000"/>
+                </a:schemeClr>
+              </a:lnRef>
+              <a:fillRef idx="1">
+                <a:schemeClr val="accent1"/>
+              </a:fillRef>
+              <a:effectRef idx="0">
+                <a:schemeClr val="accent1"/>
+              </a:effectRef>
+              <a:fontRef idx="minor">
+                <a:schemeClr val="lt1"/>
+              </a:fontRef>
+            </p:style>
+            <p:txBody>
+              <a:bodyPr rot="0" spcFirstLastPara="0" vertOverflow="overflow" horzOverflow="overflow" vert="horz" wrap="square" lIns="91440" tIns="45720" rIns="91440" bIns="45720" numCol="1" spcCol="0" rtlCol="0" fromWordArt="0" anchor="ctr" anchorCtr="0" forceAA="0" compatLnSpc="1">
+                <a:prstTxWarp prst="textNoShape">
+                  <a:avLst/>
+                </a:prstTxWarp>
+                <a:noAutofit/>
+              </a:bodyPr>
+              <a:lstStyle/>
+              <a:p>
+                <a:pPr algn="ctr"/>
+                <a:endParaRPr lang="ko-KR" altLang="en-US"/>
+              </a:p>
+            </p:txBody>
+          </p:sp>
+          <p:sp>
+            <p:nvSpPr>
+              <p:cNvPr id="40" name="사다리꼴 39"/>
+              <p:cNvSpPr/>
+              <p:nvPr/>
+            </p:nvSpPr>
+            <p:spPr>
+              <a:xfrm>
+                <a:off x="531813" y="1124842"/>
+                <a:ext cx="371475" cy="184844"/>
+              </a:xfrm>
+              <a:prstGeom prst="trapezoid">
+                <a:avLst/>
+              </a:prstGeom>
+              <a:solidFill>
+                <a:srgbClr val="6E3232"/>
+              </a:solidFill>
+              <a:ln w="38100">
+                <a:solidFill>
+                  <a:schemeClr val="tx1"/>
+                </a:solidFill>
+              </a:ln>
+            </p:spPr>
+            <p:style>
+              <a:lnRef idx="2">
+                <a:schemeClr val="accent1">
+                  <a:shade val="50000"/>
+                </a:schemeClr>
+              </a:lnRef>
+              <a:fillRef idx="1">
+                <a:schemeClr val="accent1"/>
+              </a:fillRef>
+              <a:effectRef idx="0">
+                <a:schemeClr val="accent1"/>
+              </a:effectRef>
+              <a:fontRef idx="minor">
+                <a:schemeClr val="lt1"/>
+              </a:fontRef>
+            </p:style>
+            <p:txBody>
+              <a:bodyPr rot="0" spcFirstLastPara="0" vertOverflow="overflow" horzOverflow="overflow" vert="horz" wrap="square" lIns="91440" tIns="45720" rIns="91440" bIns="45720" numCol="1" spcCol="0" rtlCol="0" fromWordArt="0" anchor="ctr" anchorCtr="0" forceAA="0" compatLnSpc="1">
+                <a:prstTxWarp prst="textNoShape">
+                  <a:avLst/>
+                </a:prstTxWarp>
+                <a:noAutofit/>
+              </a:bodyPr>
+              <a:lstStyle/>
+              <a:p>
+                <a:pPr algn="ctr"/>
+                <a:endParaRPr lang="ko-KR" altLang="en-US"/>
+              </a:p>
+            </p:txBody>
+          </p:sp>
+          <p:sp>
+            <p:nvSpPr>
+              <p:cNvPr id="41" name="사다리꼴 40"/>
+              <p:cNvSpPr/>
+              <p:nvPr/>
+            </p:nvSpPr>
+            <p:spPr>
+              <a:xfrm rot="16200000">
+                <a:off x="1027025" y="631481"/>
+                <a:ext cx="371475" cy="184842"/>
+              </a:xfrm>
+              <a:prstGeom prst="trapezoid">
+                <a:avLst/>
+              </a:prstGeom>
+              <a:solidFill>
+                <a:srgbClr val="6E3232"/>
+              </a:solidFill>
+              <a:ln w="38100">
+                <a:solidFill>
+                  <a:schemeClr val="tx1"/>
+                </a:solidFill>
+              </a:ln>
+            </p:spPr>
+            <p:style>
+              <a:lnRef idx="2">
+                <a:schemeClr val="accent1">
+                  <a:shade val="50000"/>
+                </a:schemeClr>
+              </a:lnRef>
+              <a:fillRef idx="1">
+                <a:schemeClr val="accent1"/>
+              </a:fillRef>
+              <a:effectRef idx="0">
+                <a:schemeClr val="accent1"/>
+              </a:effectRef>
+              <a:fontRef idx="minor">
+                <a:schemeClr val="lt1"/>
+              </a:fontRef>
+            </p:style>
+            <p:txBody>
+              <a:bodyPr rot="0" spcFirstLastPara="0" vertOverflow="overflow" horzOverflow="overflow" vert="horz" wrap="square" lIns="91440" tIns="45720" rIns="91440" bIns="45720" numCol="1" spcCol="0" rtlCol="0" fromWordArt="0" anchor="ctr" anchorCtr="0" forceAA="0" compatLnSpc="1">
+                <a:prstTxWarp prst="textNoShape">
+                  <a:avLst/>
+                </a:prstTxWarp>
+                <a:noAutofit/>
+              </a:bodyPr>
+              <a:lstStyle/>
+              <a:p>
+                <a:pPr algn="ctr"/>
+                <a:endParaRPr lang="ko-KR" altLang="en-US"/>
+              </a:p>
+            </p:txBody>
+          </p:sp>
+          <p:sp>
+            <p:nvSpPr>
+              <p:cNvPr id="42" name="사다리꼴 41"/>
+              <p:cNvSpPr/>
+              <p:nvPr/>
+            </p:nvSpPr>
+            <p:spPr>
+              <a:xfrm rot="10800000">
+                <a:off x="531813" y="138112"/>
+                <a:ext cx="371475" cy="184844"/>
+              </a:xfrm>
+              <a:prstGeom prst="trapezoid">
+                <a:avLst/>
+              </a:prstGeom>
+              <a:solidFill>
+                <a:srgbClr val="6E3232"/>
+              </a:solidFill>
+              <a:ln w="38100">
+                <a:solidFill>
+                  <a:schemeClr val="tx1"/>
+                </a:solidFill>
+              </a:ln>
+            </p:spPr>
+            <p:style>
+              <a:lnRef idx="2">
+                <a:schemeClr val="accent1">
+                  <a:shade val="50000"/>
+                </a:schemeClr>
+              </a:lnRef>
+              <a:fillRef idx="1">
+                <a:schemeClr val="accent1"/>
+              </a:fillRef>
+              <a:effectRef idx="0">
+                <a:schemeClr val="accent1"/>
+              </a:effectRef>
+              <a:fontRef idx="minor">
+                <a:schemeClr val="lt1"/>
+              </a:fontRef>
+            </p:style>
+            <p:txBody>
+              <a:bodyPr rot="0" spcFirstLastPara="0" vertOverflow="overflow" horzOverflow="overflow" vert="horz" wrap="square" lIns="91440" tIns="45720" rIns="91440" bIns="45720" numCol="1" spcCol="0" rtlCol="0" fromWordArt="0" anchor="ctr" anchorCtr="0" forceAA="0" compatLnSpc="1">
+                <a:prstTxWarp prst="textNoShape">
+                  <a:avLst/>
+                </a:prstTxWarp>
+                <a:noAutofit/>
+              </a:bodyPr>
+              <a:lstStyle/>
+              <a:p>
+                <a:pPr algn="ctr"/>
+                <a:endParaRPr lang="ko-KR" altLang="en-US"/>
+              </a:p>
+            </p:txBody>
+          </p:sp>
+          <p:sp>
+            <p:nvSpPr>
+              <p:cNvPr id="43" name="사다리꼴 42"/>
+              <p:cNvSpPr/>
+              <p:nvPr/>
+            </p:nvSpPr>
+            <p:spPr>
+              <a:xfrm rot="5400000">
+                <a:off x="40193" y="631481"/>
+                <a:ext cx="371475" cy="184842"/>
+              </a:xfrm>
+              <a:prstGeom prst="trapezoid">
+                <a:avLst/>
+              </a:prstGeom>
+              <a:solidFill>
+                <a:srgbClr val="6E3232"/>
+              </a:solidFill>
+              <a:ln w="38100">
+                <a:solidFill>
+                  <a:schemeClr val="tx1"/>
+                </a:solidFill>
+              </a:ln>
+            </p:spPr>
+            <p:style>
+              <a:lnRef idx="2">
+                <a:schemeClr val="accent1">
+                  <a:shade val="50000"/>
+                </a:schemeClr>
+              </a:lnRef>
+              <a:fillRef idx="1">
+                <a:schemeClr val="accent1"/>
+              </a:fillRef>
+              <a:effectRef idx="0">
+                <a:schemeClr val="accent1"/>
+              </a:effectRef>
+              <a:fontRef idx="minor">
+                <a:schemeClr val="lt1"/>
+              </a:fontRef>
+            </p:style>
+            <p:txBody>
+              <a:bodyPr rot="0" spcFirstLastPara="0" vertOverflow="overflow" horzOverflow="overflow" vert="horz" wrap="square" lIns="91440" tIns="45720" rIns="91440" bIns="45720" numCol="1" spcCol="0" rtlCol="0" fromWordArt="0" anchor="ctr" anchorCtr="0" forceAA="0" compatLnSpc="1">
+                <a:prstTxWarp prst="textNoShape">
+                  <a:avLst/>
+                </a:prstTxWarp>
+                <a:noAutofit/>
+              </a:bodyPr>
+              <a:lstStyle/>
+              <a:p>
+                <a:pPr algn="ctr"/>
+                <a:endParaRPr lang="ko-KR" altLang="en-US"/>
+              </a:p>
+            </p:txBody>
+          </p:sp>
+        </p:grpSp>
+      </p:grpSp>
     </p:spTree>
     <p:extLst>
       <p:ext uri="{BB962C8B-B14F-4D97-AF65-F5344CB8AC3E}">
@@ -5106,14 +6396,14 @@
       </p:sp>
       <p:cxnSp>
         <p:nvCxnSpPr>
-          <p:cNvPr id="19" name="직선 연결선 18"/>
+          <p:cNvPr id="14" name="직선 연결선 13"/>
           <p:cNvCxnSpPr/>
           <p:nvPr/>
         </p:nvCxnSpPr>
         <p:spPr>
           <a:xfrm>
-            <a:off x="4829695" y="755847"/>
-            <a:ext cx="2532610" cy="0"/>
+            <a:off x="3755967" y="755847"/>
+            <a:ext cx="4680066" cy="0"/>
           </a:xfrm>
           <a:prstGeom prst="line">
             <a:avLst/>
@@ -5207,6 +6497,41 @@
           </a:p>
         </p:txBody>
       </p:sp>
+      <p:cxnSp>
+        <p:nvCxnSpPr>
+          <p:cNvPr id="3" name="직선 연결선 2"/>
+          <p:cNvCxnSpPr/>
+          <p:nvPr/>
+        </p:nvCxnSpPr>
+        <p:spPr>
+          <a:xfrm>
+            <a:off x="4754880" y="755847"/>
+            <a:ext cx="2693324" cy="0"/>
+          </a:xfrm>
+          <a:prstGeom prst="line">
+            <a:avLst/>
+          </a:prstGeom>
+          <a:ln w="38100">
+            <a:solidFill>
+              <a:schemeClr val="tx1"/>
+            </a:solidFill>
+          </a:ln>
+        </p:spPr>
+        <p:style>
+          <a:lnRef idx="1">
+            <a:schemeClr val="accent1"/>
+          </a:lnRef>
+          <a:fillRef idx="0">
+            <a:schemeClr val="accent1"/>
+          </a:fillRef>
+          <a:effectRef idx="0">
+            <a:schemeClr val="accent1"/>
+          </a:effectRef>
+          <a:fontRef idx="minor">
+            <a:schemeClr val="tx1"/>
+          </a:fontRef>
+        </p:style>
+      </p:cxnSp>
     </p:spTree>
     <p:extLst>
       <p:ext uri="{BB962C8B-B14F-4D97-AF65-F5344CB8AC3E}">

--- a/GeoStrike프레젠테이션1.pptx
+++ b/GeoStrike프레젠테이션1.pptx
@@ -11,8 +11,9 @@
     <p:sldId id="261" r:id="rId5"/>
     <p:sldId id="264" r:id="rId6"/>
     <p:sldId id="258" r:id="rId7"/>
-    <p:sldId id="263" r:id="rId8"/>
-    <p:sldId id="265" r:id="rId9"/>
+    <p:sldId id="266" r:id="rId8"/>
+    <p:sldId id="263" r:id="rId9"/>
+    <p:sldId id="265" r:id="rId10"/>
   </p:sldIdLst>
   <p:sldSz cx="12192000" cy="6858000"/>
   <p:notesSz cx="6858000" cy="9144000"/>
@@ -250,7 +251,7 @@
           <a:p>
             <a:fld id="{BA0D242D-412C-401D-84BE-2B6089EA261E}" type="datetimeFigureOut">
               <a:rPr lang="ko-KR" altLang="en-US" smtClean="0"/>
-              <a:t>2022-01-17</a:t>
+              <a:t>2022-01-18</a:t>
             </a:fld>
             <a:endParaRPr lang="ko-KR" altLang="en-US"/>
           </a:p>
@@ -420,7 +421,7 @@
           <a:p>
             <a:fld id="{BA0D242D-412C-401D-84BE-2B6089EA261E}" type="datetimeFigureOut">
               <a:rPr lang="ko-KR" altLang="en-US" smtClean="0"/>
-              <a:t>2022-01-17</a:t>
+              <a:t>2022-01-18</a:t>
             </a:fld>
             <a:endParaRPr lang="ko-KR" altLang="en-US"/>
           </a:p>
@@ -600,7 +601,7 @@
           <a:p>
             <a:fld id="{BA0D242D-412C-401D-84BE-2B6089EA261E}" type="datetimeFigureOut">
               <a:rPr lang="ko-KR" altLang="en-US" smtClean="0"/>
-              <a:t>2022-01-17</a:t>
+              <a:t>2022-01-18</a:t>
             </a:fld>
             <a:endParaRPr lang="ko-KR" altLang="en-US"/>
           </a:p>
@@ -770,7 +771,7 @@
           <a:p>
             <a:fld id="{BA0D242D-412C-401D-84BE-2B6089EA261E}" type="datetimeFigureOut">
               <a:rPr lang="ko-KR" altLang="en-US" smtClean="0"/>
-              <a:t>2022-01-17</a:t>
+              <a:t>2022-01-18</a:t>
             </a:fld>
             <a:endParaRPr lang="ko-KR" altLang="en-US"/>
           </a:p>
@@ -1016,7 +1017,7 @@
           <a:p>
             <a:fld id="{BA0D242D-412C-401D-84BE-2B6089EA261E}" type="datetimeFigureOut">
               <a:rPr lang="ko-KR" altLang="en-US" smtClean="0"/>
-              <a:t>2022-01-17</a:t>
+              <a:t>2022-01-18</a:t>
             </a:fld>
             <a:endParaRPr lang="ko-KR" altLang="en-US"/>
           </a:p>
@@ -1248,7 +1249,7 @@
           <a:p>
             <a:fld id="{BA0D242D-412C-401D-84BE-2B6089EA261E}" type="datetimeFigureOut">
               <a:rPr lang="ko-KR" altLang="en-US" smtClean="0"/>
-              <a:t>2022-01-17</a:t>
+              <a:t>2022-01-18</a:t>
             </a:fld>
             <a:endParaRPr lang="ko-KR" altLang="en-US"/>
           </a:p>
@@ -1615,7 +1616,7 @@
           <a:p>
             <a:fld id="{BA0D242D-412C-401D-84BE-2B6089EA261E}" type="datetimeFigureOut">
               <a:rPr lang="ko-KR" altLang="en-US" smtClean="0"/>
-              <a:t>2022-01-17</a:t>
+              <a:t>2022-01-18</a:t>
             </a:fld>
             <a:endParaRPr lang="ko-KR" altLang="en-US"/>
           </a:p>
@@ -1733,7 +1734,7 @@
           <a:p>
             <a:fld id="{BA0D242D-412C-401D-84BE-2B6089EA261E}" type="datetimeFigureOut">
               <a:rPr lang="ko-KR" altLang="en-US" smtClean="0"/>
-              <a:t>2022-01-17</a:t>
+              <a:t>2022-01-18</a:t>
             </a:fld>
             <a:endParaRPr lang="ko-KR" altLang="en-US"/>
           </a:p>
@@ -1828,7 +1829,7 @@
           <a:p>
             <a:fld id="{BA0D242D-412C-401D-84BE-2B6089EA261E}" type="datetimeFigureOut">
               <a:rPr lang="ko-KR" altLang="en-US" smtClean="0"/>
-              <a:t>2022-01-17</a:t>
+              <a:t>2022-01-18</a:t>
             </a:fld>
             <a:endParaRPr lang="ko-KR" altLang="en-US"/>
           </a:p>
@@ -2105,7 +2106,7 @@
           <a:p>
             <a:fld id="{BA0D242D-412C-401D-84BE-2B6089EA261E}" type="datetimeFigureOut">
               <a:rPr lang="ko-KR" altLang="en-US" smtClean="0"/>
-              <a:t>2022-01-17</a:t>
+              <a:t>2022-01-18</a:t>
             </a:fld>
             <a:endParaRPr lang="ko-KR" altLang="en-US"/>
           </a:p>
@@ -2358,7 +2359,7 @@
           <a:p>
             <a:fld id="{BA0D242D-412C-401D-84BE-2B6089EA261E}" type="datetimeFigureOut">
               <a:rPr lang="ko-KR" altLang="en-US" smtClean="0"/>
-              <a:t>2022-01-17</a:t>
+              <a:t>2022-01-18</a:t>
             </a:fld>
             <a:endParaRPr lang="ko-KR" altLang="en-US"/>
           </a:p>
@@ -2571,7 +2572,7 @@
           <a:p>
             <a:fld id="{BA0D242D-412C-401D-84BE-2B6089EA261E}" type="datetimeFigureOut">
               <a:rPr lang="ko-KR" altLang="en-US" smtClean="0"/>
-              <a:t>2022-01-17</a:t>
+              <a:t>2022-01-18</a:t>
             </a:fld>
             <a:endParaRPr lang="ko-KR" altLang="en-US"/>
           </a:p>
@@ -3220,7 +3221,6 @@
               <a:rPr lang="en-US" altLang="ko-KR" sz="4400" b="1" dirty="0" smtClean="0"/>
               <a:t>UI</a:t>
             </a:r>
-            <a:endParaRPr lang="en-US" altLang="ko-KR" sz="4400" b="1" dirty="0" smtClean="0"/>
           </a:p>
         </p:txBody>
       </p:sp>
@@ -3475,7 +3475,7 @@
             <a:pPr algn="ctr"/>
             <a:r>
               <a:rPr lang="ko-KR" altLang="en-US" dirty="0" err="1" smtClean="0"/>
-              <a:t>전체메뉴</a:t>
+              <a:t>메인메뉴</a:t>
             </a:r>
             <a:endParaRPr lang="ko-KR" altLang="en-US" dirty="0"/>
           </a:p>
@@ -3662,7 +3662,6 @@
               <a:rPr lang="en-US" altLang="ko-KR" sz="4400" b="1" dirty="0" smtClean="0"/>
               <a:t>Main Game</a:t>
             </a:r>
-            <a:endParaRPr lang="en-US" altLang="ko-KR" sz="4400" b="1" dirty="0" smtClean="0"/>
           </a:p>
         </p:txBody>
       </p:sp>
@@ -4288,7 +4287,7 @@
         </p:nvSpPr>
         <p:spPr>
           <a:xfrm>
-            <a:off x="2036669" y="2914650"/>
+            <a:off x="1551847" y="4211436"/>
             <a:ext cx="1295400" cy="1276350"/>
           </a:xfrm>
           <a:prstGeom prst="rect">
@@ -4322,101 +4321,13 @@
       </p:sp>
       <p:sp>
         <p:nvSpPr>
-          <p:cNvPr id="5" name="L 도형 4"/>
-          <p:cNvSpPr/>
-          <p:nvPr/>
-        </p:nvSpPr>
-        <p:spPr>
-          <a:xfrm>
-            <a:off x="3989295" y="2914650"/>
-            <a:ext cx="1295400" cy="1276350"/>
-          </a:xfrm>
-          <a:prstGeom prst="corner">
-            <a:avLst/>
-          </a:prstGeom>
-          <a:solidFill>
-            <a:schemeClr val="accent2">
-              <a:lumMod val="75000"/>
-            </a:schemeClr>
-          </a:solidFill>
-        </p:spPr>
-        <p:style>
-          <a:lnRef idx="2">
-            <a:schemeClr val="accent1">
-              <a:shade val="50000"/>
-            </a:schemeClr>
-          </a:lnRef>
-          <a:fillRef idx="1">
-            <a:schemeClr val="accent1"/>
-          </a:fillRef>
-          <a:effectRef idx="0">
-            <a:schemeClr val="accent1"/>
-          </a:effectRef>
-          <a:fontRef idx="minor">
-            <a:schemeClr val="lt1"/>
-          </a:fontRef>
-        </p:style>
-        <p:txBody>
-          <a:bodyPr rtlCol="0" anchor="ctr"/>
-          <a:lstStyle/>
-          <a:p>
-            <a:pPr algn="ctr"/>
-            <a:endParaRPr lang="ko-KR" altLang="en-US" dirty="0"/>
-          </a:p>
-        </p:txBody>
-      </p:sp>
-      <p:sp>
-        <p:nvSpPr>
-          <p:cNvPr id="6" name="직사각형 5"/>
-          <p:cNvSpPr/>
-          <p:nvPr/>
-        </p:nvSpPr>
-        <p:spPr>
-          <a:xfrm>
-            <a:off x="5941921" y="1971675"/>
-            <a:ext cx="819150" cy="2247900"/>
-          </a:xfrm>
-          <a:prstGeom prst="rect">
-            <a:avLst/>
-          </a:prstGeom>
-          <a:solidFill>
-            <a:srgbClr val="FF0000"/>
-          </a:solidFill>
-        </p:spPr>
-        <p:style>
-          <a:lnRef idx="2">
-            <a:schemeClr val="accent1">
-              <a:shade val="50000"/>
-            </a:schemeClr>
-          </a:lnRef>
-          <a:fillRef idx="1">
-            <a:schemeClr val="accent1"/>
-          </a:fillRef>
-          <a:effectRef idx="0">
-            <a:schemeClr val="accent1"/>
-          </a:effectRef>
-          <a:fontRef idx="minor">
-            <a:schemeClr val="lt1"/>
-          </a:fontRef>
-        </p:style>
-        <p:txBody>
-          <a:bodyPr rtlCol="0" anchor="ctr"/>
-          <a:lstStyle/>
-          <a:p>
-            <a:pPr algn="ctr"/>
-            <a:endParaRPr lang="ko-KR" altLang="en-US"/>
-          </a:p>
-        </p:txBody>
-      </p:sp>
-      <p:sp>
-        <p:nvSpPr>
           <p:cNvPr id="8" name="L 도형 7"/>
           <p:cNvSpPr/>
           <p:nvPr/>
         </p:nvSpPr>
         <p:spPr>
           <a:xfrm>
-            <a:off x="7418297" y="2000250"/>
+            <a:off x="6933475" y="3297036"/>
             <a:ext cx="1666873" cy="2219325"/>
           </a:xfrm>
           <a:prstGeom prst="corner">
@@ -4456,49 +4367,6 @@
       </p:sp>
       <p:sp>
         <p:nvSpPr>
-          <p:cNvPr id="9" name="직사각형 8"/>
-          <p:cNvSpPr/>
-          <p:nvPr/>
-        </p:nvSpPr>
-        <p:spPr>
-          <a:xfrm>
-            <a:off x="9742396" y="3381375"/>
-            <a:ext cx="819150" cy="838200"/>
-          </a:xfrm>
-          <a:prstGeom prst="rect">
-            <a:avLst/>
-          </a:prstGeom>
-          <a:solidFill>
-            <a:srgbClr val="00B050"/>
-          </a:solidFill>
-        </p:spPr>
-        <p:style>
-          <a:lnRef idx="2">
-            <a:schemeClr val="accent1">
-              <a:shade val="50000"/>
-            </a:schemeClr>
-          </a:lnRef>
-          <a:fillRef idx="1">
-            <a:schemeClr val="accent1"/>
-          </a:fillRef>
-          <a:effectRef idx="0">
-            <a:schemeClr val="accent1"/>
-          </a:effectRef>
-          <a:fontRef idx="minor">
-            <a:schemeClr val="lt1"/>
-          </a:fontRef>
-        </p:style>
-        <p:txBody>
-          <a:bodyPr rtlCol="0" anchor="ctr"/>
-          <a:lstStyle/>
-          <a:p>
-            <a:pPr algn="ctr"/>
-            <a:endParaRPr lang="ko-KR" altLang="en-US"/>
-          </a:p>
-        </p:txBody>
-      </p:sp>
-      <p:sp>
-        <p:nvSpPr>
           <p:cNvPr id="10" name="TextBox 9"/>
           <p:cNvSpPr txBox="1"/>
           <p:nvPr/>
@@ -4571,6 +4439,735 @@
           </a:fontRef>
         </p:style>
       </p:cxnSp>
+      <p:grpSp>
+        <p:nvGrpSpPr>
+          <p:cNvPr id="12" name="그룹 11"/>
+          <p:cNvGrpSpPr/>
+          <p:nvPr/>
+        </p:nvGrpSpPr>
+        <p:grpSpPr>
+          <a:xfrm rot="10800000">
+            <a:off x="3527026" y="3867786"/>
+            <a:ext cx="1067640" cy="1620000"/>
+            <a:chOff x="8471615" y="1908902"/>
+            <a:chExt cx="1067640" cy="1620000"/>
+          </a:xfrm>
+        </p:grpSpPr>
+        <p:sp>
+          <p:nvSpPr>
+            <p:cNvPr id="13" name="직사각형 12"/>
+            <p:cNvSpPr/>
+            <p:nvPr/>
+          </p:nvSpPr>
+          <p:spPr>
+            <a:xfrm>
+              <a:off x="8999255" y="2448587"/>
+              <a:ext cx="540000" cy="540000"/>
+            </a:xfrm>
+            <a:prstGeom prst="rect">
+              <a:avLst/>
+            </a:prstGeom>
+            <a:solidFill>
+              <a:srgbClr val="7030A0"/>
+            </a:solidFill>
+          </p:spPr>
+          <p:style>
+            <a:lnRef idx="2">
+              <a:schemeClr val="accent1">
+                <a:shade val="50000"/>
+              </a:schemeClr>
+            </a:lnRef>
+            <a:fillRef idx="1">
+              <a:schemeClr val="accent1"/>
+            </a:fillRef>
+            <a:effectRef idx="0">
+              <a:schemeClr val="accent1"/>
+            </a:effectRef>
+            <a:fontRef idx="minor">
+              <a:schemeClr val="lt1"/>
+            </a:fontRef>
+          </p:style>
+          <p:txBody>
+            <a:bodyPr rtlCol="0" anchor="ctr"/>
+            <a:lstStyle/>
+            <a:p>
+              <a:pPr algn="ctr"/>
+              <a:endParaRPr lang="ko-KR" altLang="en-US"/>
+            </a:p>
+          </p:txBody>
+        </p:sp>
+        <p:sp>
+          <p:nvSpPr>
+            <p:cNvPr id="14" name="직사각형 13"/>
+            <p:cNvSpPr/>
+            <p:nvPr/>
+          </p:nvSpPr>
+          <p:spPr>
+            <a:xfrm>
+              <a:off x="8471615" y="1908902"/>
+              <a:ext cx="540000" cy="540000"/>
+            </a:xfrm>
+            <a:prstGeom prst="rect">
+              <a:avLst/>
+            </a:prstGeom>
+            <a:solidFill>
+              <a:srgbClr val="7030A0"/>
+            </a:solidFill>
+          </p:spPr>
+          <p:style>
+            <a:lnRef idx="2">
+              <a:schemeClr val="accent1">
+                <a:shade val="50000"/>
+              </a:schemeClr>
+            </a:lnRef>
+            <a:fillRef idx="1">
+              <a:schemeClr val="accent1"/>
+            </a:fillRef>
+            <a:effectRef idx="0">
+              <a:schemeClr val="accent1"/>
+            </a:effectRef>
+            <a:fontRef idx="minor">
+              <a:schemeClr val="lt1"/>
+            </a:fontRef>
+          </p:style>
+          <p:txBody>
+            <a:bodyPr rtlCol="0" anchor="ctr"/>
+            <a:lstStyle/>
+            <a:p>
+              <a:pPr algn="ctr"/>
+              <a:endParaRPr lang="ko-KR" altLang="en-US"/>
+            </a:p>
+          </p:txBody>
+        </p:sp>
+        <p:sp>
+          <p:nvSpPr>
+            <p:cNvPr id="15" name="직사각형 14"/>
+            <p:cNvSpPr/>
+            <p:nvPr/>
+          </p:nvSpPr>
+          <p:spPr>
+            <a:xfrm>
+              <a:off x="8471615" y="2448902"/>
+              <a:ext cx="540000" cy="540000"/>
+            </a:xfrm>
+            <a:prstGeom prst="rect">
+              <a:avLst/>
+            </a:prstGeom>
+            <a:solidFill>
+              <a:srgbClr val="7030A0"/>
+            </a:solidFill>
+          </p:spPr>
+          <p:style>
+            <a:lnRef idx="2">
+              <a:schemeClr val="accent1">
+                <a:shade val="50000"/>
+              </a:schemeClr>
+            </a:lnRef>
+            <a:fillRef idx="1">
+              <a:schemeClr val="accent1"/>
+            </a:fillRef>
+            <a:effectRef idx="0">
+              <a:schemeClr val="accent1"/>
+            </a:effectRef>
+            <a:fontRef idx="minor">
+              <a:schemeClr val="lt1"/>
+            </a:fontRef>
+          </p:style>
+          <p:txBody>
+            <a:bodyPr rtlCol="0" anchor="ctr"/>
+            <a:lstStyle/>
+            <a:p>
+              <a:pPr algn="ctr"/>
+              <a:endParaRPr lang="ko-KR" altLang="en-US"/>
+            </a:p>
+          </p:txBody>
+        </p:sp>
+        <p:sp>
+          <p:nvSpPr>
+            <p:cNvPr id="16" name="직사각형 15"/>
+            <p:cNvSpPr/>
+            <p:nvPr/>
+          </p:nvSpPr>
+          <p:spPr>
+            <a:xfrm>
+              <a:off x="8471615" y="2988902"/>
+              <a:ext cx="540000" cy="540000"/>
+            </a:xfrm>
+            <a:prstGeom prst="rect">
+              <a:avLst/>
+            </a:prstGeom>
+            <a:solidFill>
+              <a:srgbClr val="7030A0"/>
+            </a:solidFill>
+          </p:spPr>
+          <p:style>
+            <a:lnRef idx="2">
+              <a:schemeClr val="accent1">
+                <a:shade val="50000"/>
+              </a:schemeClr>
+            </a:lnRef>
+            <a:fillRef idx="1">
+              <a:schemeClr val="accent1"/>
+            </a:fillRef>
+            <a:effectRef idx="0">
+              <a:schemeClr val="accent1"/>
+            </a:effectRef>
+            <a:fontRef idx="minor">
+              <a:schemeClr val="lt1"/>
+            </a:fontRef>
+          </p:style>
+          <p:txBody>
+            <a:bodyPr rtlCol="0" anchor="ctr"/>
+            <a:lstStyle/>
+            <a:p>
+              <a:pPr algn="ctr"/>
+              <a:endParaRPr lang="ko-KR" altLang="en-US"/>
+            </a:p>
+          </p:txBody>
+        </p:sp>
+        <p:sp>
+          <p:nvSpPr>
+            <p:cNvPr id="17" name="직사각형 16"/>
+            <p:cNvSpPr/>
+            <p:nvPr/>
+          </p:nvSpPr>
+          <p:spPr>
+            <a:xfrm>
+              <a:off x="8471615" y="2420917"/>
+              <a:ext cx="540000" cy="45719"/>
+            </a:xfrm>
+            <a:prstGeom prst="rect">
+              <a:avLst/>
+            </a:prstGeom>
+            <a:solidFill>
+              <a:srgbClr val="7030A0"/>
+            </a:solidFill>
+            <a:ln>
+              <a:noFill/>
+            </a:ln>
+          </p:spPr>
+          <p:style>
+            <a:lnRef idx="2">
+              <a:schemeClr val="accent1">
+                <a:shade val="50000"/>
+              </a:schemeClr>
+            </a:lnRef>
+            <a:fillRef idx="1">
+              <a:schemeClr val="accent1"/>
+            </a:fillRef>
+            <a:effectRef idx="0">
+              <a:schemeClr val="accent1"/>
+            </a:effectRef>
+            <a:fontRef idx="minor">
+              <a:schemeClr val="lt1"/>
+            </a:fontRef>
+          </p:style>
+          <p:txBody>
+            <a:bodyPr rtlCol="0" anchor="ctr"/>
+            <a:lstStyle/>
+            <a:p>
+              <a:pPr algn="ctr"/>
+              <a:endParaRPr lang="ko-KR" altLang="en-US"/>
+            </a:p>
+          </p:txBody>
+        </p:sp>
+        <p:sp>
+          <p:nvSpPr>
+            <p:cNvPr id="18" name="직사각형 17"/>
+            <p:cNvSpPr/>
+            <p:nvPr/>
+          </p:nvSpPr>
+          <p:spPr>
+            <a:xfrm>
+              <a:off x="8471615" y="2983219"/>
+              <a:ext cx="540000" cy="45719"/>
+            </a:xfrm>
+            <a:prstGeom prst="rect">
+              <a:avLst/>
+            </a:prstGeom>
+            <a:solidFill>
+              <a:srgbClr val="7030A0"/>
+            </a:solidFill>
+            <a:ln>
+              <a:noFill/>
+            </a:ln>
+          </p:spPr>
+          <p:style>
+            <a:lnRef idx="2">
+              <a:schemeClr val="accent1">
+                <a:shade val="50000"/>
+              </a:schemeClr>
+            </a:lnRef>
+            <a:fillRef idx="1">
+              <a:schemeClr val="accent1"/>
+            </a:fillRef>
+            <a:effectRef idx="0">
+              <a:schemeClr val="accent1"/>
+            </a:effectRef>
+            <a:fontRef idx="minor">
+              <a:schemeClr val="lt1"/>
+            </a:fontRef>
+          </p:style>
+          <p:txBody>
+            <a:bodyPr rtlCol="0" anchor="ctr"/>
+            <a:lstStyle/>
+            <a:p>
+              <a:pPr algn="ctr"/>
+              <a:endParaRPr lang="ko-KR" altLang="en-US"/>
+            </a:p>
+          </p:txBody>
+        </p:sp>
+        <p:sp>
+          <p:nvSpPr>
+            <p:cNvPr id="19" name="직사각형 18"/>
+            <p:cNvSpPr/>
+            <p:nvPr/>
+          </p:nvSpPr>
+          <p:spPr>
+            <a:xfrm rot="5400000">
+              <a:off x="8754950" y="2697045"/>
+              <a:ext cx="540000" cy="45719"/>
+            </a:xfrm>
+            <a:prstGeom prst="rect">
+              <a:avLst/>
+            </a:prstGeom>
+            <a:solidFill>
+              <a:srgbClr val="7030A0"/>
+            </a:solidFill>
+            <a:ln>
+              <a:noFill/>
+            </a:ln>
+          </p:spPr>
+          <p:style>
+            <a:lnRef idx="2">
+              <a:schemeClr val="accent1">
+                <a:shade val="50000"/>
+              </a:schemeClr>
+            </a:lnRef>
+            <a:fillRef idx="1">
+              <a:schemeClr val="accent1"/>
+            </a:fillRef>
+            <a:effectRef idx="0">
+              <a:schemeClr val="accent1"/>
+            </a:effectRef>
+            <a:fontRef idx="minor">
+              <a:schemeClr val="lt1"/>
+            </a:fontRef>
+          </p:style>
+          <p:txBody>
+            <a:bodyPr rtlCol="0" anchor="ctr"/>
+            <a:lstStyle/>
+            <a:p>
+              <a:pPr algn="ctr"/>
+              <a:endParaRPr lang="ko-KR" altLang="en-US" dirty="0"/>
+            </a:p>
+          </p:txBody>
+        </p:sp>
+      </p:grpSp>
+      <p:sp>
+        <p:nvSpPr>
+          <p:cNvPr id="20" name="직사각형 19"/>
+          <p:cNvSpPr/>
+          <p:nvPr/>
+        </p:nvSpPr>
+        <p:spPr>
+          <a:xfrm>
+            <a:off x="5556000" y="3356361"/>
+            <a:ext cx="540000" cy="2160000"/>
+          </a:xfrm>
+          <a:prstGeom prst="rect">
+            <a:avLst/>
+          </a:prstGeom>
+          <a:solidFill>
+            <a:schemeClr val="bg2">
+              <a:lumMod val="25000"/>
+            </a:schemeClr>
+          </a:solidFill>
+        </p:spPr>
+        <p:style>
+          <a:lnRef idx="2">
+            <a:schemeClr val="accent1">
+              <a:shade val="50000"/>
+            </a:schemeClr>
+          </a:lnRef>
+          <a:fillRef idx="1">
+            <a:schemeClr val="accent1"/>
+          </a:fillRef>
+          <a:effectRef idx="0">
+            <a:schemeClr val="accent1"/>
+          </a:effectRef>
+          <a:fontRef idx="minor">
+            <a:schemeClr val="lt1"/>
+          </a:fontRef>
+        </p:style>
+        <p:txBody>
+          <a:bodyPr rtlCol="0" anchor="ctr"/>
+          <a:lstStyle/>
+          <a:p>
+            <a:pPr algn="ctr"/>
+            <a:endParaRPr lang="ko-KR" altLang="en-US"/>
+          </a:p>
+        </p:txBody>
+      </p:sp>
+      <p:grpSp>
+        <p:nvGrpSpPr>
+          <p:cNvPr id="21" name="그룹 20"/>
+          <p:cNvGrpSpPr/>
+          <p:nvPr/>
+        </p:nvGrpSpPr>
+        <p:grpSpPr>
+          <a:xfrm rot="5400000">
+            <a:off x="9168480" y="4136126"/>
+            <a:ext cx="1620000" cy="1081314"/>
+            <a:chOff x="2801615" y="4977563"/>
+            <a:chExt cx="1620000" cy="1081314"/>
+          </a:xfrm>
+        </p:grpSpPr>
+        <p:sp>
+          <p:nvSpPr>
+            <p:cNvPr id="22" name="직사각형 21"/>
+            <p:cNvSpPr/>
+            <p:nvPr/>
+          </p:nvSpPr>
+          <p:spPr>
+            <a:xfrm>
+              <a:off x="3341615" y="4977563"/>
+              <a:ext cx="540000" cy="540000"/>
+            </a:xfrm>
+            <a:prstGeom prst="rect">
+              <a:avLst/>
+            </a:prstGeom>
+            <a:solidFill>
+              <a:srgbClr val="00B050"/>
+            </a:solidFill>
+          </p:spPr>
+          <p:style>
+            <a:lnRef idx="2">
+              <a:schemeClr val="accent1">
+                <a:shade val="50000"/>
+              </a:schemeClr>
+            </a:lnRef>
+            <a:fillRef idx="1">
+              <a:schemeClr val="accent1"/>
+            </a:fillRef>
+            <a:effectRef idx="0">
+              <a:schemeClr val="accent1"/>
+            </a:effectRef>
+            <a:fontRef idx="minor">
+              <a:schemeClr val="lt1"/>
+            </a:fontRef>
+          </p:style>
+          <p:txBody>
+            <a:bodyPr rtlCol="0" anchor="ctr"/>
+            <a:lstStyle/>
+            <a:p>
+              <a:pPr algn="ctr"/>
+              <a:endParaRPr lang="ko-KR" altLang="en-US"/>
+            </a:p>
+          </p:txBody>
+        </p:sp>
+        <p:sp>
+          <p:nvSpPr>
+            <p:cNvPr id="23" name="직사각형 22"/>
+            <p:cNvSpPr/>
+            <p:nvPr/>
+          </p:nvSpPr>
+          <p:spPr>
+            <a:xfrm>
+              <a:off x="3341615" y="5518877"/>
+              <a:ext cx="540000" cy="540000"/>
+            </a:xfrm>
+            <a:prstGeom prst="rect">
+              <a:avLst/>
+            </a:prstGeom>
+            <a:solidFill>
+              <a:srgbClr val="00B050"/>
+            </a:solidFill>
+          </p:spPr>
+          <p:style>
+            <a:lnRef idx="2">
+              <a:schemeClr val="accent1">
+                <a:shade val="50000"/>
+              </a:schemeClr>
+            </a:lnRef>
+            <a:fillRef idx="1">
+              <a:schemeClr val="accent1"/>
+            </a:fillRef>
+            <a:effectRef idx="0">
+              <a:schemeClr val="accent1"/>
+            </a:effectRef>
+            <a:fontRef idx="minor">
+              <a:schemeClr val="lt1"/>
+            </a:fontRef>
+          </p:style>
+          <p:txBody>
+            <a:bodyPr rtlCol="0" anchor="ctr"/>
+            <a:lstStyle/>
+            <a:p>
+              <a:pPr algn="ctr"/>
+              <a:endParaRPr lang="ko-KR" altLang="en-US"/>
+            </a:p>
+          </p:txBody>
+        </p:sp>
+        <p:sp>
+          <p:nvSpPr>
+            <p:cNvPr id="24" name="직사각형 23"/>
+            <p:cNvSpPr/>
+            <p:nvPr/>
+          </p:nvSpPr>
+          <p:spPr>
+            <a:xfrm>
+              <a:off x="3881615" y="5518877"/>
+              <a:ext cx="540000" cy="540000"/>
+            </a:xfrm>
+            <a:prstGeom prst="rect">
+              <a:avLst/>
+            </a:prstGeom>
+            <a:solidFill>
+              <a:srgbClr val="00B050"/>
+            </a:solidFill>
+          </p:spPr>
+          <p:style>
+            <a:lnRef idx="2">
+              <a:schemeClr val="accent1">
+                <a:shade val="50000"/>
+              </a:schemeClr>
+            </a:lnRef>
+            <a:fillRef idx="1">
+              <a:schemeClr val="accent1"/>
+            </a:fillRef>
+            <a:effectRef idx="0">
+              <a:schemeClr val="accent1"/>
+            </a:effectRef>
+            <a:fontRef idx="minor">
+              <a:schemeClr val="lt1"/>
+            </a:fontRef>
+          </p:style>
+          <p:txBody>
+            <a:bodyPr rtlCol="0" anchor="ctr"/>
+            <a:lstStyle/>
+            <a:p>
+              <a:pPr algn="ctr"/>
+              <a:endParaRPr lang="ko-KR" altLang="en-US"/>
+            </a:p>
+          </p:txBody>
+        </p:sp>
+        <p:sp>
+          <p:nvSpPr>
+            <p:cNvPr id="25" name="직사각형 24"/>
+            <p:cNvSpPr/>
+            <p:nvPr/>
+          </p:nvSpPr>
+          <p:spPr>
+            <a:xfrm>
+              <a:off x="2801615" y="4977563"/>
+              <a:ext cx="540000" cy="540000"/>
+            </a:xfrm>
+            <a:prstGeom prst="rect">
+              <a:avLst/>
+            </a:prstGeom>
+            <a:solidFill>
+              <a:srgbClr val="00B050"/>
+            </a:solidFill>
+          </p:spPr>
+          <p:style>
+            <a:lnRef idx="2">
+              <a:schemeClr val="accent1">
+                <a:shade val="50000"/>
+              </a:schemeClr>
+            </a:lnRef>
+            <a:fillRef idx="1">
+              <a:schemeClr val="accent1"/>
+            </a:fillRef>
+            <a:effectRef idx="0">
+              <a:schemeClr val="accent1"/>
+            </a:effectRef>
+            <a:fontRef idx="minor">
+              <a:schemeClr val="lt1"/>
+            </a:fontRef>
+          </p:style>
+          <p:txBody>
+            <a:bodyPr rtlCol="0" anchor="ctr"/>
+            <a:lstStyle/>
+            <a:p>
+              <a:pPr algn="ctr"/>
+              <a:endParaRPr lang="ko-KR" altLang="en-US"/>
+            </a:p>
+          </p:txBody>
+        </p:sp>
+        <p:sp>
+          <p:nvSpPr>
+            <p:cNvPr id="26" name="직사각형 25"/>
+            <p:cNvSpPr/>
+            <p:nvPr/>
+          </p:nvSpPr>
+          <p:spPr>
+            <a:xfrm>
+              <a:off x="3325060" y="4987088"/>
+              <a:ext cx="57150" cy="542925"/>
+            </a:xfrm>
+            <a:prstGeom prst="rect">
+              <a:avLst/>
+            </a:prstGeom>
+            <a:solidFill>
+              <a:srgbClr val="00B050"/>
+            </a:solidFill>
+            <a:ln>
+              <a:noFill/>
+            </a:ln>
+          </p:spPr>
+          <p:style>
+            <a:lnRef idx="2">
+              <a:schemeClr val="accent1">
+                <a:shade val="50000"/>
+              </a:schemeClr>
+            </a:lnRef>
+            <a:fillRef idx="1">
+              <a:schemeClr val="accent1"/>
+            </a:fillRef>
+            <a:effectRef idx="0">
+              <a:schemeClr val="accent1"/>
+            </a:effectRef>
+            <a:fontRef idx="minor">
+              <a:schemeClr val="lt1"/>
+            </a:fontRef>
+          </p:style>
+          <p:txBody>
+            <a:bodyPr rtlCol="0" anchor="ctr"/>
+            <a:lstStyle/>
+            <a:p>
+              <a:pPr algn="ctr"/>
+              <a:endParaRPr lang="ko-KR" altLang="en-US"/>
+            </a:p>
+          </p:txBody>
+        </p:sp>
+        <p:sp>
+          <p:nvSpPr>
+            <p:cNvPr id="27" name="직사각형 26"/>
+            <p:cNvSpPr/>
+            <p:nvPr/>
+          </p:nvSpPr>
+          <p:spPr>
+            <a:xfrm>
+              <a:off x="3853040" y="5515952"/>
+              <a:ext cx="57150" cy="542925"/>
+            </a:xfrm>
+            <a:prstGeom prst="rect">
+              <a:avLst/>
+            </a:prstGeom>
+            <a:solidFill>
+              <a:srgbClr val="00B050"/>
+            </a:solidFill>
+            <a:ln>
+              <a:noFill/>
+            </a:ln>
+          </p:spPr>
+          <p:style>
+            <a:lnRef idx="2">
+              <a:schemeClr val="accent1">
+                <a:shade val="50000"/>
+              </a:schemeClr>
+            </a:lnRef>
+            <a:fillRef idx="1">
+              <a:schemeClr val="accent1"/>
+            </a:fillRef>
+            <a:effectRef idx="0">
+              <a:schemeClr val="accent1"/>
+            </a:effectRef>
+            <a:fontRef idx="minor">
+              <a:schemeClr val="lt1"/>
+            </a:fontRef>
+          </p:style>
+          <p:txBody>
+            <a:bodyPr rtlCol="0" anchor="ctr"/>
+            <a:lstStyle/>
+            <a:p>
+              <a:pPr algn="ctr"/>
+              <a:endParaRPr lang="ko-KR" altLang="en-US"/>
+            </a:p>
+          </p:txBody>
+        </p:sp>
+        <p:sp>
+          <p:nvSpPr>
+            <p:cNvPr id="28" name="직사각형 27"/>
+            <p:cNvSpPr/>
+            <p:nvPr/>
+          </p:nvSpPr>
+          <p:spPr>
+            <a:xfrm>
+              <a:off x="3378025" y="5493092"/>
+              <a:ext cx="482850" cy="45719"/>
+            </a:xfrm>
+            <a:prstGeom prst="rect">
+              <a:avLst/>
+            </a:prstGeom>
+            <a:solidFill>
+              <a:srgbClr val="00B050"/>
+            </a:solidFill>
+            <a:ln>
+              <a:noFill/>
+            </a:ln>
+          </p:spPr>
+          <p:style>
+            <a:lnRef idx="2">
+              <a:schemeClr val="accent1">
+                <a:shade val="50000"/>
+              </a:schemeClr>
+            </a:lnRef>
+            <a:fillRef idx="1">
+              <a:schemeClr val="accent1"/>
+            </a:fillRef>
+            <a:effectRef idx="0">
+              <a:schemeClr val="accent1"/>
+            </a:effectRef>
+            <a:fontRef idx="minor">
+              <a:schemeClr val="lt1"/>
+            </a:fontRef>
+          </p:style>
+          <p:txBody>
+            <a:bodyPr rtlCol="0" anchor="ctr"/>
+            <a:lstStyle/>
+            <a:p>
+              <a:pPr algn="ctr"/>
+              <a:endParaRPr lang="ko-KR" altLang="en-US"/>
+            </a:p>
+          </p:txBody>
+        </p:sp>
+      </p:grpSp>
+      <p:sp>
+        <p:nvSpPr>
+          <p:cNvPr id="2" name="TextBox 1"/>
+          <p:cNvSpPr txBox="1"/>
+          <p:nvPr/>
+        </p:nvSpPr>
+        <p:spPr>
+          <a:xfrm>
+            <a:off x="4393222" y="2062972"/>
+            <a:ext cx="3039615" cy="369332"/>
+          </a:xfrm>
+          <a:prstGeom prst="rect">
+            <a:avLst/>
+          </a:prstGeom>
+          <a:noFill/>
+        </p:spPr>
+        <p:txBody>
+          <a:bodyPr wrap="none" rtlCol="0">
+            <a:spAutoFit/>
+          </a:bodyPr>
+          <a:lstStyle/>
+          <a:p>
+            <a:r>
+              <a:rPr lang="ko-KR" altLang="en-US" dirty="0" err="1" smtClean="0"/>
+              <a:t>테트리스</a:t>
+            </a:r>
+            <a:r>
+              <a:rPr lang="ko-KR" altLang="en-US" dirty="0" smtClean="0"/>
+              <a:t> 방식의 건물 배치</a:t>
+            </a:r>
+            <a:endParaRPr lang="ko-KR" altLang="en-US" dirty="0"/>
+          </a:p>
+        </p:txBody>
+      </p:sp>
     </p:spTree>
     <p:extLst>
       <p:ext uri="{BB962C8B-B14F-4D97-AF65-F5344CB8AC3E}">
@@ -4610,13 +5207,2199 @@
       </p:grpSpPr>
       <p:sp>
         <p:nvSpPr>
+          <p:cNvPr id="15" name="직사각형 14"/>
+          <p:cNvSpPr/>
+          <p:nvPr/>
+        </p:nvSpPr>
+        <p:spPr>
+          <a:xfrm>
+            <a:off x="679715" y="1066501"/>
+            <a:ext cx="5400000" cy="5400000"/>
+          </a:xfrm>
+          <a:prstGeom prst="rect">
+            <a:avLst/>
+          </a:prstGeom>
+          <a:noFill/>
+          <a:ln w="25400" cmpd="sng">
+            <a:solidFill>
+              <a:schemeClr val="tx1"/>
+            </a:solidFill>
+          </a:ln>
+        </p:spPr>
+        <p:style>
+          <a:lnRef idx="2">
+            <a:schemeClr val="accent1">
+              <a:shade val="50000"/>
+            </a:schemeClr>
+          </a:lnRef>
+          <a:fillRef idx="1">
+            <a:schemeClr val="accent1"/>
+          </a:fillRef>
+          <a:effectRef idx="0">
+            <a:schemeClr val="accent1"/>
+          </a:effectRef>
+          <a:fontRef idx="minor">
+            <a:schemeClr val="lt1"/>
+          </a:fontRef>
+        </p:style>
+        <p:txBody>
+          <a:bodyPr rtlCol="0" anchor="ctr"/>
+          <a:lstStyle/>
+          <a:p>
+            <a:pPr marL="285750" indent="-285750" algn="ctr">
+              <a:buFont typeface="Arial" panose="020B0604020202020204" pitchFamily="34" charset="0"/>
+              <a:buChar char="•"/>
+            </a:pPr>
+            <a:endParaRPr lang="ko-KR" altLang="en-US"/>
+          </a:p>
+        </p:txBody>
+      </p:sp>
+      <p:sp>
+        <p:nvSpPr>
+          <p:cNvPr id="21" name="직사각형 20"/>
+          <p:cNvSpPr/>
+          <p:nvPr/>
+        </p:nvSpPr>
+        <p:spPr>
+          <a:xfrm>
+            <a:off x="688395" y="4347626"/>
+            <a:ext cx="1080000" cy="1080000"/>
+          </a:xfrm>
+          <a:prstGeom prst="rect">
+            <a:avLst/>
+          </a:prstGeom>
+        </p:spPr>
+        <p:style>
+          <a:lnRef idx="2">
+            <a:schemeClr val="accent1">
+              <a:shade val="50000"/>
+            </a:schemeClr>
+          </a:lnRef>
+          <a:fillRef idx="1">
+            <a:schemeClr val="accent1"/>
+          </a:fillRef>
+          <a:effectRef idx="0">
+            <a:schemeClr val="accent1"/>
+          </a:effectRef>
+          <a:fontRef idx="minor">
+            <a:schemeClr val="lt1"/>
+          </a:fontRef>
+        </p:style>
+        <p:txBody>
+          <a:bodyPr rtlCol="0" anchor="ctr"/>
+          <a:lstStyle/>
+          <a:p>
+            <a:pPr algn="ctr"/>
+            <a:endParaRPr lang="ko-KR" altLang="en-US" dirty="0"/>
+          </a:p>
+        </p:txBody>
+      </p:sp>
+      <p:sp>
+        <p:nvSpPr>
+          <p:cNvPr id="23" name="직사각형 22"/>
+          <p:cNvSpPr/>
+          <p:nvPr/>
+        </p:nvSpPr>
+        <p:spPr>
+          <a:xfrm>
+            <a:off x="1758084" y="3800052"/>
+            <a:ext cx="540000" cy="2160000"/>
+          </a:xfrm>
+          <a:prstGeom prst="rect">
+            <a:avLst/>
+          </a:prstGeom>
+          <a:solidFill>
+            <a:schemeClr val="bg2">
+              <a:lumMod val="25000"/>
+            </a:schemeClr>
+          </a:solidFill>
+        </p:spPr>
+        <p:style>
+          <a:lnRef idx="2">
+            <a:schemeClr val="accent1">
+              <a:shade val="50000"/>
+            </a:schemeClr>
+          </a:lnRef>
+          <a:fillRef idx="1">
+            <a:schemeClr val="accent1"/>
+          </a:fillRef>
+          <a:effectRef idx="0">
+            <a:schemeClr val="accent1"/>
+          </a:effectRef>
+          <a:fontRef idx="minor">
+            <a:schemeClr val="lt1"/>
+          </a:fontRef>
+        </p:style>
+        <p:txBody>
+          <a:bodyPr rtlCol="0" anchor="ctr"/>
+          <a:lstStyle/>
+          <a:p>
+            <a:pPr algn="ctr"/>
+            <a:endParaRPr lang="ko-KR" altLang="en-US"/>
+          </a:p>
+        </p:txBody>
+      </p:sp>
+      <p:sp>
+        <p:nvSpPr>
+          <p:cNvPr id="24" name="L 도형 23"/>
+          <p:cNvSpPr/>
+          <p:nvPr/>
+        </p:nvSpPr>
+        <p:spPr>
+          <a:xfrm>
+            <a:off x="2298870" y="3800052"/>
+            <a:ext cx="1080000" cy="1620000"/>
+          </a:xfrm>
+          <a:prstGeom prst="corner">
+            <a:avLst>
+              <a:gd name="adj1" fmla="val 50000"/>
+              <a:gd name="adj2" fmla="val 49242"/>
+            </a:avLst>
+          </a:prstGeom>
+          <a:solidFill>
+            <a:srgbClr val="FFFF00"/>
+          </a:solidFill>
+        </p:spPr>
+        <p:style>
+          <a:lnRef idx="2">
+            <a:schemeClr val="accent1">
+              <a:shade val="50000"/>
+            </a:schemeClr>
+          </a:lnRef>
+          <a:fillRef idx="1">
+            <a:schemeClr val="accent1"/>
+          </a:fillRef>
+          <a:effectRef idx="0">
+            <a:schemeClr val="accent1"/>
+          </a:effectRef>
+          <a:fontRef idx="minor">
+            <a:schemeClr val="lt1"/>
+          </a:fontRef>
+        </p:style>
+        <p:txBody>
+          <a:bodyPr rtlCol="0" anchor="ctr"/>
+          <a:lstStyle/>
+          <a:p>
+            <a:pPr algn="ctr"/>
+            <a:endParaRPr lang="ko-KR" altLang="en-US"/>
+          </a:p>
+        </p:txBody>
+      </p:sp>
+      <p:sp>
+        <p:nvSpPr>
+          <p:cNvPr id="26" name="L 도형 25"/>
+          <p:cNvSpPr/>
+          <p:nvPr/>
+        </p:nvSpPr>
+        <p:spPr>
+          <a:xfrm>
+            <a:off x="688395" y="2720052"/>
+            <a:ext cx="1080000" cy="1620000"/>
+          </a:xfrm>
+          <a:prstGeom prst="corner">
+            <a:avLst>
+              <a:gd name="adj1" fmla="val 50000"/>
+              <a:gd name="adj2" fmla="val 49242"/>
+            </a:avLst>
+          </a:prstGeom>
+          <a:solidFill>
+            <a:srgbClr val="FFFF00"/>
+          </a:solidFill>
+        </p:spPr>
+        <p:style>
+          <a:lnRef idx="2">
+            <a:schemeClr val="accent1">
+              <a:shade val="50000"/>
+            </a:schemeClr>
+          </a:lnRef>
+          <a:fillRef idx="1">
+            <a:schemeClr val="accent1"/>
+          </a:fillRef>
+          <a:effectRef idx="0">
+            <a:schemeClr val="accent1"/>
+          </a:effectRef>
+          <a:fontRef idx="minor">
+            <a:schemeClr val="lt1"/>
+          </a:fontRef>
+        </p:style>
+        <p:txBody>
+          <a:bodyPr rtlCol="0" anchor="ctr"/>
+          <a:lstStyle/>
+          <a:p>
+            <a:pPr algn="ctr"/>
+            <a:endParaRPr lang="ko-KR" altLang="en-US"/>
+          </a:p>
+        </p:txBody>
+      </p:sp>
+      <p:sp>
+        <p:nvSpPr>
+          <p:cNvPr id="27" name="L 도형 26"/>
+          <p:cNvSpPr/>
+          <p:nvPr/>
+        </p:nvSpPr>
+        <p:spPr>
+          <a:xfrm rot="16200000">
+            <a:off x="4711856" y="4077626"/>
+            <a:ext cx="1080000" cy="1620000"/>
+          </a:xfrm>
+          <a:prstGeom prst="corner">
+            <a:avLst>
+              <a:gd name="adj1" fmla="val 50000"/>
+              <a:gd name="adj2" fmla="val 49242"/>
+            </a:avLst>
+          </a:prstGeom>
+          <a:solidFill>
+            <a:srgbClr val="FFFF00"/>
+          </a:solidFill>
+        </p:spPr>
+        <p:style>
+          <a:lnRef idx="2">
+            <a:schemeClr val="accent1">
+              <a:shade val="50000"/>
+            </a:schemeClr>
+          </a:lnRef>
+          <a:fillRef idx="1">
+            <a:schemeClr val="accent1"/>
+          </a:fillRef>
+          <a:effectRef idx="0">
+            <a:schemeClr val="accent1"/>
+          </a:effectRef>
+          <a:fontRef idx="minor">
+            <a:schemeClr val="lt1"/>
+          </a:fontRef>
+        </p:style>
+        <p:txBody>
+          <a:bodyPr rtlCol="0" anchor="ctr"/>
+          <a:lstStyle/>
+          <a:p>
+            <a:pPr algn="ctr"/>
+            <a:endParaRPr lang="ko-KR" altLang="en-US"/>
+          </a:p>
+        </p:txBody>
+      </p:sp>
+      <p:grpSp>
+        <p:nvGrpSpPr>
+          <p:cNvPr id="46" name="그룹 45"/>
+          <p:cNvGrpSpPr/>
+          <p:nvPr/>
+        </p:nvGrpSpPr>
+        <p:grpSpPr>
+          <a:xfrm>
+            <a:off x="5000334" y="3279986"/>
+            <a:ext cx="1067640" cy="1620000"/>
+            <a:chOff x="8471615" y="1908902"/>
+            <a:chExt cx="1067640" cy="1620000"/>
+          </a:xfrm>
+        </p:grpSpPr>
+        <p:sp>
+          <p:nvSpPr>
+            <p:cNvPr id="41" name="직사각형 40"/>
+            <p:cNvSpPr/>
+            <p:nvPr/>
+          </p:nvSpPr>
+          <p:spPr>
+            <a:xfrm>
+              <a:off x="8999255" y="2448587"/>
+              <a:ext cx="540000" cy="540000"/>
+            </a:xfrm>
+            <a:prstGeom prst="rect">
+              <a:avLst/>
+            </a:prstGeom>
+            <a:solidFill>
+              <a:srgbClr val="7030A0"/>
+            </a:solidFill>
+          </p:spPr>
+          <p:style>
+            <a:lnRef idx="2">
+              <a:schemeClr val="accent1">
+                <a:shade val="50000"/>
+              </a:schemeClr>
+            </a:lnRef>
+            <a:fillRef idx="1">
+              <a:schemeClr val="accent1"/>
+            </a:fillRef>
+            <a:effectRef idx="0">
+              <a:schemeClr val="accent1"/>
+            </a:effectRef>
+            <a:fontRef idx="minor">
+              <a:schemeClr val="lt1"/>
+            </a:fontRef>
+          </p:style>
+          <p:txBody>
+            <a:bodyPr rtlCol="0" anchor="ctr"/>
+            <a:lstStyle/>
+            <a:p>
+              <a:pPr algn="ctr"/>
+              <a:endParaRPr lang="ko-KR" altLang="en-US"/>
+            </a:p>
+          </p:txBody>
+        </p:sp>
+        <p:sp>
+          <p:nvSpPr>
+            <p:cNvPr id="37" name="직사각형 36"/>
+            <p:cNvSpPr/>
+            <p:nvPr/>
+          </p:nvSpPr>
+          <p:spPr>
+            <a:xfrm>
+              <a:off x="8471615" y="1908902"/>
+              <a:ext cx="540000" cy="540000"/>
+            </a:xfrm>
+            <a:prstGeom prst="rect">
+              <a:avLst/>
+            </a:prstGeom>
+            <a:solidFill>
+              <a:srgbClr val="7030A0"/>
+            </a:solidFill>
+          </p:spPr>
+          <p:style>
+            <a:lnRef idx="2">
+              <a:schemeClr val="accent1">
+                <a:shade val="50000"/>
+              </a:schemeClr>
+            </a:lnRef>
+            <a:fillRef idx="1">
+              <a:schemeClr val="accent1"/>
+            </a:fillRef>
+            <a:effectRef idx="0">
+              <a:schemeClr val="accent1"/>
+            </a:effectRef>
+            <a:fontRef idx="minor">
+              <a:schemeClr val="lt1"/>
+            </a:fontRef>
+          </p:style>
+          <p:txBody>
+            <a:bodyPr rtlCol="0" anchor="ctr"/>
+            <a:lstStyle/>
+            <a:p>
+              <a:pPr algn="ctr"/>
+              <a:endParaRPr lang="ko-KR" altLang="en-US"/>
+            </a:p>
+          </p:txBody>
+        </p:sp>
+        <p:sp>
+          <p:nvSpPr>
+            <p:cNvPr id="39" name="직사각형 38"/>
+            <p:cNvSpPr/>
+            <p:nvPr/>
+          </p:nvSpPr>
+          <p:spPr>
+            <a:xfrm>
+              <a:off x="8471615" y="2448902"/>
+              <a:ext cx="540000" cy="540000"/>
+            </a:xfrm>
+            <a:prstGeom prst="rect">
+              <a:avLst/>
+            </a:prstGeom>
+            <a:solidFill>
+              <a:srgbClr val="7030A0"/>
+            </a:solidFill>
+          </p:spPr>
+          <p:style>
+            <a:lnRef idx="2">
+              <a:schemeClr val="accent1">
+                <a:shade val="50000"/>
+              </a:schemeClr>
+            </a:lnRef>
+            <a:fillRef idx="1">
+              <a:schemeClr val="accent1"/>
+            </a:fillRef>
+            <a:effectRef idx="0">
+              <a:schemeClr val="accent1"/>
+            </a:effectRef>
+            <a:fontRef idx="minor">
+              <a:schemeClr val="lt1"/>
+            </a:fontRef>
+          </p:style>
+          <p:txBody>
+            <a:bodyPr rtlCol="0" anchor="ctr"/>
+            <a:lstStyle/>
+            <a:p>
+              <a:pPr algn="ctr"/>
+              <a:endParaRPr lang="ko-KR" altLang="en-US"/>
+            </a:p>
+          </p:txBody>
+        </p:sp>
+        <p:sp>
+          <p:nvSpPr>
+            <p:cNvPr id="40" name="직사각형 39"/>
+            <p:cNvSpPr/>
+            <p:nvPr/>
+          </p:nvSpPr>
+          <p:spPr>
+            <a:xfrm>
+              <a:off x="8471615" y="2988902"/>
+              <a:ext cx="540000" cy="540000"/>
+            </a:xfrm>
+            <a:prstGeom prst="rect">
+              <a:avLst/>
+            </a:prstGeom>
+            <a:solidFill>
+              <a:srgbClr val="7030A0"/>
+            </a:solidFill>
+          </p:spPr>
+          <p:style>
+            <a:lnRef idx="2">
+              <a:schemeClr val="accent1">
+                <a:shade val="50000"/>
+              </a:schemeClr>
+            </a:lnRef>
+            <a:fillRef idx="1">
+              <a:schemeClr val="accent1"/>
+            </a:fillRef>
+            <a:effectRef idx="0">
+              <a:schemeClr val="accent1"/>
+            </a:effectRef>
+            <a:fontRef idx="minor">
+              <a:schemeClr val="lt1"/>
+            </a:fontRef>
+          </p:style>
+          <p:txBody>
+            <a:bodyPr rtlCol="0" anchor="ctr"/>
+            <a:lstStyle/>
+            <a:p>
+              <a:pPr algn="ctr"/>
+              <a:endParaRPr lang="ko-KR" altLang="en-US"/>
+            </a:p>
+          </p:txBody>
+        </p:sp>
+        <p:sp>
+          <p:nvSpPr>
+            <p:cNvPr id="42" name="직사각형 41"/>
+            <p:cNvSpPr/>
+            <p:nvPr/>
+          </p:nvSpPr>
+          <p:spPr>
+            <a:xfrm>
+              <a:off x="8471615" y="2420917"/>
+              <a:ext cx="540000" cy="45719"/>
+            </a:xfrm>
+            <a:prstGeom prst="rect">
+              <a:avLst/>
+            </a:prstGeom>
+            <a:solidFill>
+              <a:srgbClr val="7030A0"/>
+            </a:solidFill>
+            <a:ln>
+              <a:noFill/>
+            </a:ln>
+          </p:spPr>
+          <p:style>
+            <a:lnRef idx="2">
+              <a:schemeClr val="accent1">
+                <a:shade val="50000"/>
+              </a:schemeClr>
+            </a:lnRef>
+            <a:fillRef idx="1">
+              <a:schemeClr val="accent1"/>
+            </a:fillRef>
+            <a:effectRef idx="0">
+              <a:schemeClr val="accent1"/>
+            </a:effectRef>
+            <a:fontRef idx="minor">
+              <a:schemeClr val="lt1"/>
+            </a:fontRef>
+          </p:style>
+          <p:txBody>
+            <a:bodyPr rtlCol="0" anchor="ctr"/>
+            <a:lstStyle/>
+            <a:p>
+              <a:pPr algn="ctr"/>
+              <a:endParaRPr lang="ko-KR" altLang="en-US"/>
+            </a:p>
+          </p:txBody>
+        </p:sp>
+        <p:sp>
+          <p:nvSpPr>
+            <p:cNvPr id="43" name="직사각형 42"/>
+            <p:cNvSpPr/>
+            <p:nvPr/>
+          </p:nvSpPr>
+          <p:spPr>
+            <a:xfrm>
+              <a:off x="8471615" y="2983219"/>
+              <a:ext cx="540000" cy="45719"/>
+            </a:xfrm>
+            <a:prstGeom prst="rect">
+              <a:avLst/>
+            </a:prstGeom>
+            <a:solidFill>
+              <a:srgbClr val="7030A0"/>
+            </a:solidFill>
+            <a:ln>
+              <a:noFill/>
+            </a:ln>
+          </p:spPr>
+          <p:style>
+            <a:lnRef idx="2">
+              <a:schemeClr val="accent1">
+                <a:shade val="50000"/>
+              </a:schemeClr>
+            </a:lnRef>
+            <a:fillRef idx="1">
+              <a:schemeClr val="accent1"/>
+            </a:fillRef>
+            <a:effectRef idx="0">
+              <a:schemeClr val="accent1"/>
+            </a:effectRef>
+            <a:fontRef idx="minor">
+              <a:schemeClr val="lt1"/>
+            </a:fontRef>
+          </p:style>
+          <p:txBody>
+            <a:bodyPr rtlCol="0" anchor="ctr"/>
+            <a:lstStyle/>
+            <a:p>
+              <a:pPr algn="ctr"/>
+              <a:endParaRPr lang="ko-KR" altLang="en-US"/>
+            </a:p>
+          </p:txBody>
+        </p:sp>
+        <p:sp>
+          <p:nvSpPr>
+            <p:cNvPr id="44" name="직사각형 43"/>
+            <p:cNvSpPr/>
+            <p:nvPr/>
+          </p:nvSpPr>
+          <p:spPr>
+            <a:xfrm rot="5400000">
+              <a:off x="8754949" y="2706570"/>
+              <a:ext cx="540000" cy="45719"/>
+            </a:xfrm>
+            <a:prstGeom prst="rect">
+              <a:avLst/>
+            </a:prstGeom>
+            <a:solidFill>
+              <a:srgbClr val="7030A0"/>
+            </a:solidFill>
+            <a:ln>
+              <a:noFill/>
+            </a:ln>
+          </p:spPr>
+          <p:style>
+            <a:lnRef idx="2">
+              <a:schemeClr val="accent1">
+                <a:shade val="50000"/>
+              </a:schemeClr>
+            </a:lnRef>
+            <a:fillRef idx="1">
+              <a:schemeClr val="accent1"/>
+            </a:fillRef>
+            <a:effectRef idx="0">
+              <a:schemeClr val="accent1"/>
+            </a:effectRef>
+            <a:fontRef idx="minor">
+              <a:schemeClr val="lt1"/>
+            </a:fontRef>
+          </p:style>
+          <p:txBody>
+            <a:bodyPr rtlCol="0" anchor="ctr"/>
+            <a:lstStyle/>
+            <a:p>
+              <a:pPr algn="ctr"/>
+              <a:endParaRPr lang="ko-KR" altLang="en-US" dirty="0"/>
+            </a:p>
+          </p:txBody>
+        </p:sp>
+      </p:grpSp>
+      <p:sp>
+        <p:nvSpPr>
+          <p:cNvPr id="47" name="직사각형 46"/>
+          <p:cNvSpPr/>
+          <p:nvPr/>
+        </p:nvSpPr>
+        <p:spPr>
+          <a:xfrm>
+            <a:off x="3918713" y="3819986"/>
+            <a:ext cx="1080000" cy="1080000"/>
+          </a:xfrm>
+          <a:prstGeom prst="rect">
+            <a:avLst/>
+          </a:prstGeom>
+        </p:spPr>
+        <p:style>
+          <a:lnRef idx="2">
+            <a:schemeClr val="accent1">
+              <a:shade val="50000"/>
+            </a:schemeClr>
+          </a:lnRef>
+          <a:fillRef idx="1">
+            <a:schemeClr val="accent1"/>
+          </a:fillRef>
+          <a:effectRef idx="0">
+            <a:schemeClr val="accent1"/>
+          </a:effectRef>
+          <a:fontRef idx="minor">
+            <a:schemeClr val="lt1"/>
+          </a:fontRef>
+        </p:style>
+        <p:txBody>
+          <a:bodyPr rtlCol="0" anchor="ctr"/>
+          <a:lstStyle/>
+          <a:p>
+            <a:pPr algn="ctr"/>
+            <a:endParaRPr lang="ko-KR" altLang="en-US" dirty="0"/>
+          </a:p>
+        </p:txBody>
+      </p:sp>
+      <p:sp>
+        <p:nvSpPr>
+          <p:cNvPr id="48" name="직사각형 47"/>
+          <p:cNvSpPr/>
+          <p:nvPr/>
+        </p:nvSpPr>
+        <p:spPr>
+          <a:xfrm>
+            <a:off x="1922390" y="504825"/>
+            <a:ext cx="2914650" cy="561676"/>
+          </a:xfrm>
+          <a:prstGeom prst="rect">
+            <a:avLst/>
+          </a:prstGeom>
+          <a:noFill/>
+          <a:ln>
+            <a:solidFill>
+              <a:schemeClr val="tx1"/>
+            </a:solidFill>
+          </a:ln>
+        </p:spPr>
+        <p:style>
+          <a:lnRef idx="2">
+            <a:schemeClr val="accent1">
+              <a:shade val="50000"/>
+            </a:schemeClr>
+          </a:lnRef>
+          <a:fillRef idx="1">
+            <a:schemeClr val="accent1"/>
+          </a:fillRef>
+          <a:effectRef idx="0">
+            <a:schemeClr val="accent1"/>
+          </a:effectRef>
+          <a:fontRef idx="minor">
+            <a:schemeClr val="lt1"/>
+          </a:fontRef>
+        </p:style>
+        <p:txBody>
+          <a:bodyPr rtlCol="0" anchor="ctr"/>
+          <a:lstStyle/>
+          <a:p>
+            <a:pPr algn="ctr"/>
+            <a:r>
+              <a:rPr lang="en-US" altLang="ko-KR" dirty="0" smtClean="0">
+                <a:solidFill>
+                  <a:schemeClr val="tx1"/>
+                </a:solidFill>
+              </a:rPr>
+              <a:t>Player </a:t>
+            </a:r>
+            <a:r>
+              <a:rPr lang="ko-KR" altLang="en-US" dirty="0" smtClean="0">
+                <a:solidFill>
+                  <a:schemeClr val="tx1"/>
+                </a:solidFill>
+              </a:rPr>
+              <a:t>거점</a:t>
+            </a:r>
+            <a:endParaRPr lang="ko-KR" altLang="en-US" dirty="0">
+              <a:solidFill>
+                <a:schemeClr val="tx1"/>
+              </a:solidFill>
+            </a:endParaRPr>
+          </a:p>
+        </p:txBody>
+      </p:sp>
+      <p:sp>
+        <p:nvSpPr>
+          <p:cNvPr id="54" name="TextBox 53"/>
+          <p:cNvSpPr txBox="1"/>
+          <p:nvPr/>
+        </p:nvSpPr>
+        <p:spPr>
+          <a:xfrm>
+            <a:off x="7953968" y="4100513"/>
+            <a:ext cx="3276600" cy="646331"/>
+          </a:xfrm>
+          <a:prstGeom prst="rect">
+            <a:avLst/>
+          </a:prstGeom>
+          <a:noFill/>
+          <a:ln>
+            <a:solidFill>
+              <a:srgbClr val="FF0000"/>
+            </a:solidFill>
+          </a:ln>
+        </p:spPr>
+        <p:txBody>
+          <a:bodyPr wrap="square" rtlCol="0">
+            <a:spAutoFit/>
+          </a:bodyPr>
+          <a:lstStyle/>
+          <a:p>
+            <a:r>
+              <a:rPr lang="ko-KR" altLang="en-US" dirty="0" smtClean="0"/>
+              <a:t>한 줄 완성 시 고정 자원 획득 </a:t>
+            </a:r>
+            <a:r>
+              <a:rPr lang="en-US" altLang="ko-KR" dirty="0" smtClean="0"/>
+              <a:t>(ex : + 10 </a:t>
+            </a:r>
+            <a:r>
+              <a:rPr lang="ko-KR" altLang="en-US" dirty="0" smtClean="0"/>
+              <a:t>자원</a:t>
+            </a:r>
+            <a:r>
+              <a:rPr lang="en-US" altLang="ko-KR" dirty="0" smtClean="0"/>
+              <a:t>)</a:t>
+            </a:r>
+            <a:endParaRPr lang="ko-KR" altLang="en-US" dirty="0"/>
+          </a:p>
+        </p:txBody>
+      </p:sp>
+      <p:grpSp>
+        <p:nvGrpSpPr>
+          <p:cNvPr id="55" name="그룹 54"/>
+          <p:cNvGrpSpPr/>
+          <p:nvPr/>
+        </p:nvGrpSpPr>
+        <p:grpSpPr>
+          <a:xfrm rot="10800000">
+            <a:off x="2300465" y="2721007"/>
+            <a:ext cx="1076971" cy="1620000"/>
+            <a:chOff x="8462284" y="1908902"/>
+            <a:chExt cx="1076971" cy="1620000"/>
+          </a:xfrm>
+        </p:grpSpPr>
+        <p:sp>
+          <p:nvSpPr>
+            <p:cNvPr id="56" name="직사각형 55"/>
+            <p:cNvSpPr/>
+            <p:nvPr/>
+          </p:nvSpPr>
+          <p:spPr>
+            <a:xfrm>
+              <a:off x="8999255" y="2448587"/>
+              <a:ext cx="540000" cy="540000"/>
+            </a:xfrm>
+            <a:prstGeom prst="rect">
+              <a:avLst/>
+            </a:prstGeom>
+            <a:solidFill>
+              <a:srgbClr val="7030A0"/>
+            </a:solidFill>
+          </p:spPr>
+          <p:style>
+            <a:lnRef idx="2">
+              <a:schemeClr val="accent1">
+                <a:shade val="50000"/>
+              </a:schemeClr>
+            </a:lnRef>
+            <a:fillRef idx="1">
+              <a:schemeClr val="accent1"/>
+            </a:fillRef>
+            <a:effectRef idx="0">
+              <a:schemeClr val="accent1"/>
+            </a:effectRef>
+            <a:fontRef idx="minor">
+              <a:schemeClr val="lt1"/>
+            </a:fontRef>
+          </p:style>
+          <p:txBody>
+            <a:bodyPr rtlCol="0" anchor="ctr"/>
+            <a:lstStyle/>
+            <a:p>
+              <a:pPr algn="ctr"/>
+              <a:endParaRPr lang="ko-KR" altLang="en-US"/>
+            </a:p>
+          </p:txBody>
+        </p:sp>
+        <p:sp>
+          <p:nvSpPr>
+            <p:cNvPr id="57" name="직사각형 56"/>
+            <p:cNvSpPr/>
+            <p:nvPr/>
+          </p:nvSpPr>
+          <p:spPr>
+            <a:xfrm>
+              <a:off x="8471615" y="1908902"/>
+              <a:ext cx="540000" cy="540000"/>
+            </a:xfrm>
+            <a:prstGeom prst="rect">
+              <a:avLst/>
+            </a:prstGeom>
+            <a:solidFill>
+              <a:srgbClr val="7030A0"/>
+            </a:solidFill>
+          </p:spPr>
+          <p:style>
+            <a:lnRef idx="2">
+              <a:schemeClr val="accent1">
+                <a:shade val="50000"/>
+              </a:schemeClr>
+            </a:lnRef>
+            <a:fillRef idx="1">
+              <a:schemeClr val="accent1"/>
+            </a:fillRef>
+            <a:effectRef idx="0">
+              <a:schemeClr val="accent1"/>
+            </a:effectRef>
+            <a:fontRef idx="minor">
+              <a:schemeClr val="lt1"/>
+            </a:fontRef>
+          </p:style>
+          <p:txBody>
+            <a:bodyPr rtlCol="0" anchor="ctr"/>
+            <a:lstStyle/>
+            <a:p>
+              <a:pPr algn="ctr"/>
+              <a:endParaRPr lang="ko-KR" altLang="en-US"/>
+            </a:p>
+          </p:txBody>
+        </p:sp>
+        <p:sp>
+          <p:nvSpPr>
+            <p:cNvPr id="58" name="직사각형 57"/>
+            <p:cNvSpPr/>
+            <p:nvPr/>
+          </p:nvSpPr>
+          <p:spPr>
+            <a:xfrm>
+              <a:off x="8471615" y="2448902"/>
+              <a:ext cx="540000" cy="540000"/>
+            </a:xfrm>
+            <a:prstGeom prst="rect">
+              <a:avLst/>
+            </a:prstGeom>
+            <a:solidFill>
+              <a:srgbClr val="7030A0"/>
+            </a:solidFill>
+          </p:spPr>
+          <p:style>
+            <a:lnRef idx="2">
+              <a:schemeClr val="accent1">
+                <a:shade val="50000"/>
+              </a:schemeClr>
+            </a:lnRef>
+            <a:fillRef idx="1">
+              <a:schemeClr val="accent1"/>
+            </a:fillRef>
+            <a:effectRef idx="0">
+              <a:schemeClr val="accent1"/>
+            </a:effectRef>
+            <a:fontRef idx="minor">
+              <a:schemeClr val="lt1"/>
+            </a:fontRef>
+          </p:style>
+          <p:txBody>
+            <a:bodyPr rtlCol="0" anchor="ctr"/>
+            <a:lstStyle/>
+            <a:p>
+              <a:pPr algn="ctr"/>
+              <a:endParaRPr lang="ko-KR" altLang="en-US"/>
+            </a:p>
+          </p:txBody>
+        </p:sp>
+        <p:sp>
+          <p:nvSpPr>
+            <p:cNvPr id="59" name="직사각형 58"/>
+            <p:cNvSpPr/>
+            <p:nvPr/>
+          </p:nvSpPr>
+          <p:spPr>
+            <a:xfrm>
+              <a:off x="8471615" y="2988902"/>
+              <a:ext cx="540000" cy="540000"/>
+            </a:xfrm>
+            <a:prstGeom prst="rect">
+              <a:avLst/>
+            </a:prstGeom>
+            <a:solidFill>
+              <a:srgbClr val="7030A0"/>
+            </a:solidFill>
+          </p:spPr>
+          <p:style>
+            <a:lnRef idx="2">
+              <a:schemeClr val="accent1">
+                <a:shade val="50000"/>
+              </a:schemeClr>
+            </a:lnRef>
+            <a:fillRef idx="1">
+              <a:schemeClr val="accent1"/>
+            </a:fillRef>
+            <a:effectRef idx="0">
+              <a:schemeClr val="accent1"/>
+            </a:effectRef>
+            <a:fontRef idx="minor">
+              <a:schemeClr val="lt1"/>
+            </a:fontRef>
+          </p:style>
+          <p:txBody>
+            <a:bodyPr rtlCol="0" anchor="ctr"/>
+            <a:lstStyle/>
+            <a:p>
+              <a:pPr algn="ctr"/>
+              <a:endParaRPr lang="ko-KR" altLang="en-US"/>
+            </a:p>
+          </p:txBody>
+        </p:sp>
+        <p:sp>
+          <p:nvSpPr>
+            <p:cNvPr id="60" name="직사각형 59"/>
+            <p:cNvSpPr/>
+            <p:nvPr/>
+          </p:nvSpPr>
+          <p:spPr>
+            <a:xfrm>
+              <a:off x="8471615" y="2420917"/>
+              <a:ext cx="540000" cy="45719"/>
+            </a:xfrm>
+            <a:prstGeom prst="rect">
+              <a:avLst/>
+            </a:prstGeom>
+            <a:solidFill>
+              <a:srgbClr val="7030A0"/>
+            </a:solidFill>
+            <a:ln>
+              <a:noFill/>
+            </a:ln>
+          </p:spPr>
+          <p:style>
+            <a:lnRef idx="2">
+              <a:schemeClr val="accent1">
+                <a:shade val="50000"/>
+              </a:schemeClr>
+            </a:lnRef>
+            <a:fillRef idx="1">
+              <a:schemeClr val="accent1"/>
+            </a:fillRef>
+            <a:effectRef idx="0">
+              <a:schemeClr val="accent1"/>
+            </a:effectRef>
+            <a:fontRef idx="minor">
+              <a:schemeClr val="lt1"/>
+            </a:fontRef>
+          </p:style>
+          <p:txBody>
+            <a:bodyPr rtlCol="0" anchor="ctr"/>
+            <a:lstStyle/>
+            <a:p>
+              <a:pPr algn="ctr"/>
+              <a:endParaRPr lang="ko-KR" altLang="en-US"/>
+            </a:p>
+          </p:txBody>
+        </p:sp>
+        <p:sp>
+          <p:nvSpPr>
+            <p:cNvPr id="61" name="직사각형 60"/>
+            <p:cNvSpPr/>
+            <p:nvPr/>
+          </p:nvSpPr>
+          <p:spPr>
+            <a:xfrm>
+              <a:off x="8462284" y="2943678"/>
+              <a:ext cx="524521" cy="49583"/>
+            </a:xfrm>
+            <a:prstGeom prst="rect">
+              <a:avLst/>
+            </a:prstGeom>
+            <a:solidFill>
+              <a:srgbClr val="7030A0"/>
+            </a:solidFill>
+            <a:ln>
+              <a:noFill/>
+            </a:ln>
+          </p:spPr>
+          <p:style>
+            <a:lnRef idx="2">
+              <a:schemeClr val="accent1">
+                <a:shade val="50000"/>
+              </a:schemeClr>
+            </a:lnRef>
+            <a:fillRef idx="1">
+              <a:schemeClr val="accent1"/>
+            </a:fillRef>
+            <a:effectRef idx="0">
+              <a:schemeClr val="accent1"/>
+            </a:effectRef>
+            <a:fontRef idx="minor">
+              <a:schemeClr val="lt1"/>
+            </a:fontRef>
+          </p:style>
+          <p:txBody>
+            <a:bodyPr rtlCol="0" anchor="ctr"/>
+            <a:lstStyle/>
+            <a:p>
+              <a:pPr algn="ctr"/>
+              <a:endParaRPr lang="ko-KR" altLang="en-US"/>
+            </a:p>
+          </p:txBody>
+        </p:sp>
+        <p:sp>
+          <p:nvSpPr>
+            <p:cNvPr id="62" name="직사각형 61"/>
+            <p:cNvSpPr/>
+            <p:nvPr/>
+          </p:nvSpPr>
+          <p:spPr>
+            <a:xfrm rot="5400000">
+              <a:off x="8758324" y="2693671"/>
+              <a:ext cx="533251" cy="45719"/>
+            </a:xfrm>
+            <a:prstGeom prst="rect">
+              <a:avLst/>
+            </a:prstGeom>
+            <a:solidFill>
+              <a:srgbClr val="7030A0"/>
+            </a:solidFill>
+            <a:ln>
+              <a:noFill/>
+            </a:ln>
+          </p:spPr>
+          <p:style>
+            <a:lnRef idx="2">
+              <a:schemeClr val="accent1">
+                <a:shade val="50000"/>
+              </a:schemeClr>
+            </a:lnRef>
+            <a:fillRef idx="1">
+              <a:schemeClr val="accent1"/>
+            </a:fillRef>
+            <a:effectRef idx="0">
+              <a:schemeClr val="accent1"/>
+            </a:effectRef>
+            <a:fontRef idx="minor">
+              <a:schemeClr val="lt1"/>
+            </a:fontRef>
+          </p:style>
+          <p:txBody>
+            <a:bodyPr rtlCol="0" anchor="ctr"/>
+            <a:lstStyle/>
+            <a:p>
+              <a:pPr algn="ctr"/>
+              <a:endParaRPr lang="ko-KR" altLang="en-US" dirty="0"/>
+            </a:p>
+          </p:txBody>
+        </p:sp>
+      </p:grpSp>
+      <p:sp>
+        <p:nvSpPr>
+          <p:cNvPr id="93" name="TextBox 92"/>
+          <p:cNvSpPr txBox="1"/>
+          <p:nvPr/>
+        </p:nvSpPr>
+        <p:spPr>
+          <a:xfrm>
+            <a:off x="7953968" y="5892188"/>
+            <a:ext cx="2911604" cy="646331"/>
+          </a:xfrm>
+          <a:prstGeom prst="rect">
+            <a:avLst/>
+          </a:prstGeom>
+          <a:noFill/>
+          <a:ln>
+            <a:solidFill>
+              <a:srgbClr val="FF0000"/>
+            </a:solidFill>
+          </a:ln>
+        </p:spPr>
+        <p:txBody>
+          <a:bodyPr wrap="square" rtlCol="0">
+            <a:spAutoFit/>
+          </a:bodyPr>
+          <a:lstStyle/>
+          <a:p>
+            <a:r>
+              <a:rPr lang="ko-KR" altLang="en-US" smtClean="0"/>
+              <a:t>빈 공간이 생긴 줄은 자원 보너스를 받지 못함</a:t>
+            </a:r>
+            <a:endParaRPr lang="ko-KR" altLang="en-US" dirty="0"/>
+          </a:p>
+        </p:txBody>
+      </p:sp>
+      <p:cxnSp>
+        <p:nvCxnSpPr>
+          <p:cNvPr id="117" name="직선 화살표 연결선 116"/>
+          <p:cNvCxnSpPr/>
+          <p:nvPr/>
+        </p:nvCxnSpPr>
+        <p:spPr>
+          <a:xfrm>
+            <a:off x="6506522" y="4384317"/>
+            <a:ext cx="1020639" cy="10499"/>
+          </a:xfrm>
+          <a:prstGeom prst="straightConnector1">
+            <a:avLst/>
+          </a:prstGeom>
+          <a:ln>
+            <a:solidFill>
+              <a:srgbClr val="FF0000"/>
+            </a:solidFill>
+            <a:tailEnd type="triangle"/>
+          </a:ln>
+        </p:spPr>
+        <p:style>
+          <a:lnRef idx="1">
+            <a:schemeClr val="accent1"/>
+          </a:lnRef>
+          <a:fillRef idx="0">
+            <a:schemeClr val="accent1"/>
+          </a:fillRef>
+          <a:effectRef idx="0">
+            <a:schemeClr val="accent1"/>
+          </a:effectRef>
+          <a:fontRef idx="minor">
+            <a:schemeClr val="tx1"/>
+          </a:fontRef>
+        </p:style>
+      </p:cxnSp>
+      <p:sp>
+        <p:nvSpPr>
+          <p:cNvPr id="118" name="직사각형 117"/>
+          <p:cNvSpPr/>
+          <p:nvPr/>
+        </p:nvSpPr>
+        <p:spPr>
+          <a:xfrm>
+            <a:off x="1213903" y="2712001"/>
+            <a:ext cx="1080000" cy="1080000"/>
+          </a:xfrm>
+          <a:prstGeom prst="rect">
+            <a:avLst/>
+          </a:prstGeom>
+        </p:spPr>
+        <p:style>
+          <a:lnRef idx="2">
+            <a:schemeClr val="accent1">
+              <a:shade val="50000"/>
+            </a:schemeClr>
+          </a:lnRef>
+          <a:fillRef idx="1">
+            <a:schemeClr val="accent1"/>
+          </a:fillRef>
+          <a:effectRef idx="0">
+            <a:schemeClr val="accent1"/>
+          </a:effectRef>
+          <a:fontRef idx="minor">
+            <a:schemeClr val="lt1"/>
+          </a:fontRef>
+        </p:style>
+        <p:txBody>
+          <a:bodyPr rtlCol="0" anchor="ctr"/>
+          <a:lstStyle/>
+          <a:p>
+            <a:pPr algn="ctr"/>
+            <a:endParaRPr lang="ko-KR" altLang="en-US" dirty="0"/>
+          </a:p>
+        </p:txBody>
+      </p:sp>
+      <p:grpSp>
+        <p:nvGrpSpPr>
+          <p:cNvPr id="120" name="그룹 119"/>
+          <p:cNvGrpSpPr/>
+          <p:nvPr/>
+        </p:nvGrpSpPr>
+        <p:grpSpPr>
+          <a:xfrm rot="5400000">
+            <a:off x="3105167" y="3020773"/>
+            <a:ext cx="1620000" cy="1081314"/>
+            <a:chOff x="2801615" y="4977563"/>
+            <a:chExt cx="1620000" cy="1081314"/>
+          </a:xfrm>
+        </p:grpSpPr>
+        <p:sp>
+          <p:nvSpPr>
+            <p:cNvPr id="121" name="직사각형 120"/>
+            <p:cNvSpPr/>
+            <p:nvPr/>
+          </p:nvSpPr>
+          <p:spPr>
+            <a:xfrm>
+              <a:off x="3341615" y="4977563"/>
+              <a:ext cx="540000" cy="540000"/>
+            </a:xfrm>
+            <a:prstGeom prst="rect">
+              <a:avLst/>
+            </a:prstGeom>
+            <a:solidFill>
+              <a:srgbClr val="00B050"/>
+            </a:solidFill>
+          </p:spPr>
+          <p:style>
+            <a:lnRef idx="2">
+              <a:schemeClr val="accent1">
+                <a:shade val="50000"/>
+              </a:schemeClr>
+            </a:lnRef>
+            <a:fillRef idx="1">
+              <a:schemeClr val="accent1"/>
+            </a:fillRef>
+            <a:effectRef idx="0">
+              <a:schemeClr val="accent1"/>
+            </a:effectRef>
+            <a:fontRef idx="minor">
+              <a:schemeClr val="lt1"/>
+            </a:fontRef>
+          </p:style>
+          <p:txBody>
+            <a:bodyPr rtlCol="0" anchor="ctr"/>
+            <a:lstStyle/>
+            <a:p>
+              <a:pPr algn="ctr"/>
+              <a:endParaRPr lang="ko-KR" altLang="en-US"/>
+            </a:p>
+          </p:txBody>
+        </p:sp>
+        <p:sp>
+          <p:nvSpPr>
+            <p:cNvPr id="122" name="직사각형 121"/>
+            <p:cNvSpPr/>
+            <p:nvPr/>
+          </p:nvSpPr>
+          <p:spPr>
+            <a:xfrm>
+              <a:off x="3341615" y="5518877"/>
+              <a:ext cx="540000" cy="540000"/>
+            </a:xfrm>
+            <a:prstGeom prst="rect">
+              <a:avLst/>
+            </a:prstGeom>
+            <a:solidFill>
+              <a:srgbClr val="00B050"/>
+            </a:solidFill>
+          </p:spPr>
+          <p:style>
+            <a:lnRef idx="2">
+              <a:schemeClr val="accent1">
+                <a:shade val="50000"/>
+              </a:schemeClr>
+            </a:lnRef>
+            <a:fillRef idx="1">
+              <a:schemeClr val="accent1"/>
+            </a:fillRef>
+            <a:effectRef idx="0">
+              <a:schemeClr val="accent1"/>
+            </a:effectRef>
+            <a:fontRef idx="minor">
+              <a:schemeClr val="lt1"/>
+            </a:fontRef>
+          </p:style>
+          <p:txBody>
+            <a:bodyPr rtlCol="0" anchor="ctr"/>
+            <a:lstStyle/>
+            <a:p>
+              <a:pPr algn="ctr"/>
+              <a:endParaRPr lang="ko-KR" altLang="en-US"/>
+            </a:p>
+          </p:txBody>
+        </p:sp>
+        <p:sp>
+          <p:nvSpPr>
+            <p:cNvPr id="123" name="직사각형 122"/>
+            <p:cNvSpPr/>
+            <p:nvPr/>
+          </p:nvSpPr>
+          <p:spPr>
+            <a:xfrm>
+              <a:off x="3881615" y="5518877"/>
+              <a:ext cx="540000" cy="540000"/>
+            </a:xfrm>
+            <a:prstGeom prst="rect">
+              <a:avLst/>
+            </a:prstGeom>
+            <a:solidFill>
+              <a:srgbClr val="00B050"/>
+            </a:solidFill>
+          </p:spPr>
+          <p:style>
+            <a:lnRef idx="2">
+              <a:schemeClr val="accent1">
+                <a:shade val="50000"/>
+              </a:schemeClr>
+            </a:lnRef>
+            <a:fillRef idx="1">
+              <a:schemeClr val="accent1"/>
+            </a:fillRef>
+            <a:effectRef idx="0">
+              <a:schemeClr val="accent1"/>
+            </a:effectRef>
+            <a:fontRef idx="minor">
+              <a:schemeClr val="lt1"/>
+            </a:fontRef>
+          </p:style>
+          <p:txBody>
+            <a:bodyPr rtlCol="0" anchor="ctr"/>
+            <a:lstStyle/>
+            <a:p>
+              <a:pPr algn="ctr"/>
+              <a:endParaRPr lang="ko-KR" altLang="en-US"/>
+            </a:p>
+          </p:txBody>
+        </p:sp>
+        <p:sp>
+          <p:nvSpPr>
+            <p:cNvPr id="124" name="직사각형 123"/>
+            <p:cNvSpPr/>
+            <p:nvPr/>
+          </p:nvSpPr>
+          <p:spPr>
+            <a:xfrm>
+              <a:off x="2801615" y="4977563"/>
+              <a:ext cx="540000" cy="540000"/>
+            </a:xfrm>
+            <a:prstGeom prst="rect">
+              <a:avLst/>
+            </a:prstGeom>
+            <a:solidFill>
+              <a:srgbClr val="00B050"/>
+            </a:solidFill>
+          </p:spPr>
+          <p:style>
+            <a:lnRef idx="2">
+              <a:schemeClr val="accent1">
+                <a:shade val="50000"/>
+              </a:schemeClr>
+            </a:lnRef>
+            <a:fillRef idx="1">
+              <a:schemeClr val="accent1"/>
+            </a:fillRef>
+            <a:effectRef idx="0">
+              <a:schemeClr val="accent1"/>
+            </a:effectRef>
+            <a:fontRef idx="minor">
+              <a:schemeClr val="lt1"/>
+            </a:fontRef>
+          </p:style>
+          <p:txBody>
+            <a:bodyPr rtlCol="0" anchor="ctr"/>
+            <a:lstStyle/>
+            <a:p>
+              <a:pPr algn="ctr"/>
+              <a:endParaRPr lang="ko-KR" altLang="en-US"/>
+            </a:p>
+          </p:txBody>
+        </p:sp>
+        <p:sp>
+          <p:nvSpPr>
+            <p:cNvPr id="125" name="직사각형 124"/>
+            <p:cNvSpPr/>
+            <p:nvPr/>
+          </p:nvSpPr>
+          <p:spPr>
+            <a:xfrm>
+              <a:off x="3325060" y="4987088"/>
+              <a:ext cx="57150" cy="542925"/>
+            </a:xfrm>
+            <a:prstGeom prst="rect">
+              <a:avLst/>
+            </a:prstGeom>
+            <a:solidFill>
+              <a:srgbClr val="00B050"/>
+            </a:solidFill>
+            <a:ln>
+              <a:noFill/>
+            </a:ln>
+          </p:spPr>
+          <p:style>
+            <a:lnRef idx="2">
+              <a:schemeClr val="accent1">
+                <a:shade val="50000"/>
+              </a:schemeClr>
+            </a:lnRef>
+            <a:fillRef idx="1">
+              <a:schemeClr val="accent1"/>
+            </a:fillRef>
+            <a:effectRef idx="0">
+              <a:schemeClr val="accent1"/>
+            </a:effectRef>
+            <a:fontRef idx="minor">
+              <a:schemeClr val="lt1"/>
+            </a:fontRef>
+          </p:style>
+          <p:txBody>
+            <a:bodyPr rtlCol="0" anchor="ctr"/>
+            <a:lstStyle/>
+            <a:p>
+              <a:pPr algn="ctr"/>
+              <a:endParaRPr lang="ko-KR" altLang="en-US"/>
+            </a:p>
+          </p:txBody>
+        </p:sp>
+        <p:sp>
+          <p:nvSpPr>
+            <p:cNvPr id="126" name="직사각형 125"/>
+            <p:cNvSpPr/>
+            <p:nvPr/>
+          </p:nvSpPr>
+          <p:spPr>
+            <a:xfrm>
+              <a:off x="3853040" y="5515952"/>
+              <a:ext cx="57150" cy="542925"/>
+            </a:xfrm>
+            <a:prstGeom prst="rect">
+              <a:avLst/>
+            </a:prstGeom>
+            <a:solidFill>
+              <a:srgbClr val="00B050"/>
+            </a:solidFill>
+            <a:ln>
+              <a:noFill/>
+            </a:ln>
+          </p:spPr>
+          <p:style>
+            <a:lnRef idx="2">
+              <a:schemeClr val="accent1">
+                <a:shade val="50000"/>
+              </a:schemeClr>
+            </a:lnRef>
+            <a:fillRef idx="1">
+              <a:schemeClr val="accent1"/>
+            </a:fillRef>
+            <a:effectRef idx="0">
+              <a:schemeClr val="accent1"/>
+            </a:effectRef>
+            <a:fontRef idx="minor">
+              <a:schemeClr val="lt1"/>
+            </a:fontRef>
+          </p:style>
+          <p:txBody>
+            <a:bodyPr rtlCol="0" anchor="ctr"/>
+            <a:lstStyle/>
+            <a:p>
+              <a:pPr algn="ctr"/>
+              <a:endParaRPr lang="ko-KR" altLang="en-US"/>
+            </a:p>
+          </p:txBody>
+        </p:sp>
+        <p:sp>
+          <p:nvSpPr>
+            <p:cNvPr id="127" name="직사각형 126"/>
+            <p:cNvSpPr/>
+            <p:nvPr/>
+          </p:nvSpPr>
+          <p:spPr>
+            <a:xfrm>
+              <a:off x="3378025" y="5493092"/>
+              <a:ext cx="482850" cy="45719"/>
+            </a:xfrm>
+            <a:prstGeom prst="rect">
+              <a:avLst/>
+            </a:prstGeom>
+            <a:solidFill>
+              <a:srgbClr val="00B050"/>
+            </a:solidFill>
+            <a:ln>
+              <a:noFill/>
+            </a:ln>
+          </p:spPr>
+          <p:style>
+            <a:lnRef idx="2">
+              <a:schemeClr val="accent1">
+                <a:shade val="50000"/>
+              </a:schemeClr>
+            </a:lnRef>
+            <a:fillRef idx="1">
+              <a:schemeClr val="accent1"/>
+            </a:fillRef>
+            <a:effectRef idx="0">
+              <a:schemeClr val="accent1"/>
+            </a:effectRef>
+            <a:fontRef idx="minor">
+              <a:schemeClr val="lt1"/>
+            </a:fontRef>
+          </p:style>
+          <p:txBody>
+            <a:bodyPr rtlCol="0" anchor="ctr"/>
+            <a:lstStyle/>
+            <a:p>
+              <a:pPr algn="ctr"/>
+              <a:endParaRPr lang="ko-KR" altLang="en-US"/>
+            </a:p>
+          </p:txBody>
+        </p:sp>
+      </p:grpSp>
+      <p:sp>
+        <p:nvSpPr>
+          <p:cNvPr id="128" name="L 도형 127"/>
+          <p:cNvSpPr/>
+          <p:nvPr/>
+        </p:nvSpPr>
+        <p:spPr>
+          <a:xfrm rot="10800000">
+            <a:off x="2840271" y="4337046"/>
+            <a:ext cx="1080000" cy="1620000"/>
+          </a:xfrm>
+          <a:prstGeom prst="corner">
+            <a:avLst>
+              <a:gd name="adj1" fmla="val 50000"/>
+              <a:gd name="adj2" fmla="val 49242"/>
+            </a:avLst>
+          </a:prstGeom>
+          <a:solidFill>
+            <a:srgbClr val="FFFF00"/>
+          </a:solidFill>
+        </p:spPr>
+        <p:style>
+          <a:lnRef idx="2">
+            <a:schemeClr val="accent1">
+              <a:shade val="50000"/>
+            </a:schemeClr>
+          </a:lnRef>
+          <a:fillRef idx="1">
+            <a:schemeClr val="accent1"/>
+          </a:fillRef>
+          <a:effectRef idx="0">
+            <a:schemeClr val="accent1"/>
+          </a:effectRef>
+          <a:fontRef idx="minor">
+            <a:schemeClr val="lt1"/>
+          </a:fontRef>
+        </p:style>
+        <p:txBody>
+          <a:bodyPr rtlCol="0" anchor="ctr"/>
+          <a:lstStyle/>
+          <a:p>
+            <a:pPr algn="ctr"/>
+            <a:endParaRPr lang="ko-KR" altLang="en-US"/>
+          </a:p>
+        </p:txBody>
+      </p:sp>
+      <p:grpSp>
+        <p:nvGrpSpPr>
+          <p:cNvPr id="138" name="그룹 137"/>
+          <p:cNvGrpSpPr/>
+          <p:nvPr/>
+        </p:nvGrpSpPr>
+        <p:grpSpPr>
+          <a:xfrm>
+            <a:off x="3922853" y="4879839"/>
+            <a:ext cx="1067640" cy="1589465"/>
+            <a:chOff x="8471615" y="1908902"/>
+            <a:chExt cx="1067640" cy="1587165"/>
+          </a:xfrm>
+        </p:grpSpPr>
+        <p:sp>
+          <p:nvSpPr>
+            <p:cNvPr id="139" name="직사각형 138"/>
+            <p:cNvSpPr/>
+            <p:nvPr/>
+          </p:nvSpPr>
+          <p:spPr>
+            <a:xfrm>
+              <a:off x="8999255" y="2448587"/>
+              <a:ext cx="540000" cy="540000"/>
+            </a:xfrm>
+            <a:prstGeom prst="rect">
+              <a:avLst/>
+            </a:prstGeom>
+            <a:solidFill>
+              <a:srgbClr val="7030A0"/>
+            </a:solidFill>
+          </p:spPr>
+          <p:style>
+            <a:lnRef idx="2">
+              <a:schemeClr val="accent1">
+                <a:shade val="50000"/>
+              </a:schemeClr>
+            </a:lnRef>
+            <a:fillRef idx="1">
+              <a:schemeClr val="accent1"/>
+            </a:fillRef>
+            <a:effectRef idx="0">
+              <a:schemeClr val="accent1"/>
+            </a:effectRef>
+            <a:fontRef idx="minor">
+              <a:schemeClr val="lt1"/>
+            </a:fontRef>
+          </p:style>
+          <p:txBody>
+            <a:bodyPr rtlCol="0" anchor="ctr"/>
+            <a:lstStyle/>
+            <a:p>
+              <a:pPr algn="ctr"/>
+              <a:endParaRPr lang="ko-KR" altLang="en-US"/>
+            </a:p>
+          </p:txBody>
+        </p:sp>
+        <p:sp>
+          <p:nvSpPr>
+            <p:cNvPr id="140" name="직사각형 139"/>
+            <p:cNvSpPr/>
+            <p:nvPr/>
+          </p:nvSpPr>
+          <p:spPr>
+            <a:xfrm>
+              <a:off x="8471615" y="1908902"/>
+              <a:ext cx="540000" cy="540000"/>
+            </a:xfrm>
+            <a:prstGeom prst="rect">
+              <a:avLst/>
+            </a:prstGeom>
+            <a:solidFill>
+              <a:srgbClr val="7030A0"/>
+            </a:solidFill>
+          </p:spPr>
+          <p:style>
+            <a:lnRef idx="2">
+              <a:schemeClr val="accent1">
+                <a:shade val="50000"/>
+              </a:schemeClr>
+            </a:lnRef>
+            <a:fillRef idx="1">
+              <a:schemeClr val="accent1"/>
+            </a:fillRef>
+            <a:effectRef idx="0">
+              <a:schemeClr val="accent1"/>
+            </a:effectRef>
+            <a:fontRef idx="minor">
+              <a:schemeClr val="lt1"/>
+            </a:fontRef>
+          </p:style>
+          <p:txBody>
+            <a:bodyPr rtlCol="0" anchor="ctr"/>
+            <a:lstStyle/>
+            <a:p>
+              <a:pPr algn="ctr"/>
+              <a:endParaRPr lang="ko-KR" altLang="en-US"/>
+            </a:p>
+          </p:txBody>
+        </p:sp>
+        <p:sp>
+          <p:nvSpPr>
+            <p:cNvPr id="141" name="직사각형 140"/>
+            <p:cNvSpPr/>
+            <p:nvPr/>
+          </p:nvSpPr>
+          <p:spPr>
+            <a:xfrm>
+              <a:off x="8471615" y="2448902"/>
+              <a:ext cx="540000" cy="540000"/>
+            </a:xfrm>
+            <a:prstGeom prst="rect">
+              <a:avLst/>
+            </a:prstGeom>
+            <a:solidFill>
+              <a:srgbClr val="7030A0"/>
+            </a:solidFill>
+          </p:spPr>
+          <p:style>
+            <a:lnRef idx="2">
+              <a:schemeClr val="accent1">
+                <a:shade val="50000"/>
+              </a:schemeClr>
+            </a:lnRef>
+            <a:fillRef idx="1">
+              <a:schemeClr val="accent1"/>
+            </a:fillRef>
+            <a:effectRef idx="0">
+              <a:schemeClr val="accent1"/>
+            </a:effectRef>
+            <a:fontRef idx="minor">
+              <a:schemeClr val="lt1"/>
+            </a:fontRef>
+          </p:style>
+          <p:txBody>
+            <a:bodyPr rtlCol="0" anchor="ctr"/>
+            <a:lstStyle/>
+            <a:p>
+              <a:pPr algn="ctr"/>
+              <a:endParaRPr lang="ko-KR" altLang="en-US"/>
+            </a:p>
+          </p:txBody>
+        </p:sp>
+        <p:sp>
+          <p:nvSpPr>
+            <p:cNvPr id="142" name="직사각형 141"/>
+            <p:cNvSpPr/>
+            <p:nvPr/>
+          </p:nvSpPr>
+          <p:spPr>
+            <a:xfrm>
+              <a:off x="8471615" y="2988902"/>
+              <a:ext cx="540000" cy="507165"/>
+            </a:xfrm>
+            <a:prstGeom prst="rect">
+              <a:avLst/>
+            </a:prstGeom>
+            <a:solidFill>
+              <a:srgbClr val="7030A0"/>
+            </a:solidFill>
+          </p:spPr>
+          <p:style>
+            <a:lnRef idx="2">
+              <a:schemeClr val="accent1">
+                <a:shade val="50000"/>
+              </a:schemeClr>
+            </a:lnRef>
+            <a:fillRef idx="1">
+              <a:schemeClr val="accent1"/>
+            </a:fillRef>
+            <a:effectRef idx="0">
+              <a:schemeClr val="accent1"/>
+            </a:effectRef>
+            <a:fontRef idx="minor">
+              <a:schemeClr val="lt1"/>
+            </a:fontRef>
+          </p:style>
+          <p:txBody>
+            <a:bodyPr rtlCol="0" anchor="ctr"/>
+            <a:lstStyle/>
+            <a:p>
+              <a:pPr algn="ctr"/>
+              <a:endParaRPr lang="ko-KR" altLang="en-US"/>
+            </a:p>
+          </p:txBody>
+        </p:sp>
+        <p:sp>
+          <p:nvSpPr>
+            <p:cNvPr id="143" name="직사각형 142"/>
+            <p:cNvSpPr/>
+            <p:nvPr/>
+          </p:nvSpPr>
+          <p:spPr>
+            <a:xfrm>
+              <a:off x="8471615" y="2420917"/>
+              <a:ext cx="540000" cy="45719"/>
+            </a:xfrm>
+            <a:prstGeom prst="rect">
+              <a:avLst/>
+            </a:prstGeom>
+            <a:solidFill>
+              <a:srgbClr val="7030A0"/>
+            </a:solidFill>
+            <a:ln>
+              <a:noFill/>
+            </a:ln>
+          </p:spPr>
+          <p:style>
+            <a:lnRef idx="2">
+              <a:schemeClr val="accent1">
+                <a:shade val="50000"/>
+              </a:schemeClr>
+            </a:lnRef>
+            <a:fillRef idx="1">
+              <a:schemeClr val="accent1"/>
+            </a:fillRef>
+            <a:effectRef idx="0">
+              <a:schemeClr val="accent1"/>
+            </a:effectRef>
+            <a:fontRef idx="minor">
+              <a:schemeClr val="lt1"/>
+            </a:fontRef>
+          </p:style>
+          <p:txBody>
+            <a:bodyPr rtlCol="0" anchor="ctr"/>
+            <a:lstStyle/>
+            <a:p>
+              <a:pPr algn="ctr"/>
+              <a:endParaRPr lang="ko-KR" altLang="en-US"/>
+            </a:p>
+          </p:txBody>
+        </p:sp>
+        <p:sp>
+          <p:nvSpPr>
+            <p:cNvPr id="144" name="직사각형 143"/>
+            <p:cNvSpPr/>
+            <p:nvPr/>
+          </p:nvSpPr>
+          <p:spPr>
+            <a:xfrm>
+              <a:off x="8471615" y="2983219"/>
+              <a:ext cx="540000" cy="45719"/>
+            </a:xfrm>
+            <a:prstGeom prst="rect">
+              <a:avLst/>
+            </a:prstGeom>
+            <a:solidFill>
+              <a:srgbClr val="7030A0"/>
+            </a:solidFill>
+            <a:ln>
+              <a:noFill/>
+            </a:ln>
+          </p:spPr>
+          <p:style>
+            <a:lnRef idx="2">
+              <a:schemeClr val="accent1">
+                <a:shade val="50000"/>
+              </a:schemeClr>
+            </a:lnRef>
+            <a:fillRef idx="1">
+              <a:schemeClr val="accent1"/>
+            </a:fillRef>
+            <a:effectRef idx="0">
+              <a:schemeClr val="accent1"/>
+            </a:effectRef>
+            <a:fontRef idx="minor">
+              <a:schemeClr val="lt1"/>
+            </a:fontRef>
+          </p:style>
+          <p:txBody>
+            <a:bodyPr rtlCol="0" anchor="ctr"/>
+            <a:lstStyle/>
+            <a:p>
+              <a:pPr algn="ctr"/>
+              <a:endParaRPr lang="ko-KR" altLang="en-US"/>
+            </a:p>
+          </p:txBody>
+        </p:sp>
+        <p:sp>
+          <p:nvSpPr>
+            <p:cNvPr id="145" name="직사각형 144"/>
+            <p:cNvSpPr/>
+            <p:nvPr/>
+          </p:nvSpPr>
+          <p:spPr>
+            <a:xfrm rot="5400000">
+              <a:off x="8754949" y="2706570"/>
+              <a:ext cx="540000" cy="45719"/>
+            </a:xfrm>
+            <a:prstGeom prst="rect">
+              <a:avLst/>
+            </a:prstGeom>
+            <a:solidFill>
+              <a:srgbClr val="7030A0"/>
+            </a:solidFill>
+            <a:ln>
+              <a:noFill/>
+            </a:ln>
+          </p:spPr>
+          <p:style>
+            <a:lnRef idx="2">
+              <a:schemeClr val="accent1">
+                <a:shade val="50000"/>
+              </a:schemeClr>
+            </a:lnRef>
+            <a:fillRef idx="1">
+              <a:schemeClr val="accent1"/>
+            </a:fillRef>
+            <a:effectRef idx="0">
+              <a:schemeClr val="accent1"/>
+            </a:effectRef>
+            <a:fontRef idx="minor">
+              <a:schemeClr val="lt1"/>
+            </a:fontRef>
+          </p:style>
+          <p:txBody>
+            <a:bodyPr rtlCol="0" anchor="ctr"/>
+            <a:lstStyle/>
+            <a:p>
+              <a:pPr algn="ctr"/>
+              <a:endParaRPr lang="ko-KR" altLang="en-US" dirty="0"/>
+            </a:p>
+          </p:txBody>
+        </p:sp>
+      </p:grpSp>
+      <p:sp>
+        <p:nvSpPr>
+          <p:cNvPr id="147" name="직사각형 146"/>
+          <p:cNvSpPr/>
+          <p:nvPr/>
+        </p:nvSpPr>
+        <p:spPr>
+          <a:xfrm>
+            <a:off x="4977538" y="5417098"/>
+            <a:ext cx="1080000" cy="1033047"/>
+          </a:xfrm>
+          <a:prstGeom prst="rect">
+            <a:avLst/>
+          </a:prstGeom>
+        </p:spPr>
+        <p:style>
+          <a:lnRef idx="2">
+            <a:schemeClr val="accent1">
+              <a:shade val="50000"/>
+            </a:schemeClr>
+          </a:lnRef>
+          <a:fillRef idx="1">
+            <a:schemeClr val="accent1"/>
+          </a:fillRef>
+          <a:effectRef idx="0">
+            <a:schemeClr val="accent1"/>
+          </a:effectRef>
+          <a:fontRef idx="minor">
+            <a:schemeClr val="lt1"/>
+          </a:fontRef>
+        </p:style>
+        <p:txBody>
+          <a:bodyPr rtlCol="0" anchor="ctr"/>
+          <a:lstStyle/>
+          <a:p>
+            <a:pPr algn="ctr"/>
+            <a:endParaRPr lang="ko-KR" altLang="en-US" dirty="0"/>
+          </a:p>
+        </p:txBody>
+      </p:sp>
+      <p:sp>
+        <p:nvSpPr>
+          <p:cNvPr id="49" name="직사각형 48"/>
+          <p:cNvSpPr/>
+          <p:nvPr/>
+        </p:nvSpPr>
+        <p:spPr>
+          <a:xfrm>
+            <a:off x="679715" y="3803031"/>
+            <a:ext cx="5399686" cy="1081314"/>
+          </a:xfrm>
+          <a:prstGeom prst="rect">
+            <a:avLst/>
+          </a:prstGeom>
+          <a:noFill/>
+          <a:ln w="25400">
+            <a:solidFill>
+              <a:srgbClr val="FF0000"/>
+            </a:solidFill>
+          </a:ln>
+        </p:spPr>
+        <p:style>
+          <a:lnRef idx="2">
+            <a:schemeClr val="accent1">
+              <a:shade val="50000"/>
+            </a:schemeClr>
+          </a:lnRef>
+          <a:fillRef idx="1">
+            <a:schemeClr val="accent1"/>
+          </a:fillRef>
+          <a:effectRef idx="0">
+            <a:schemeClr val="accent1"/>
+          </a:effectRef>
+          <a:fontRef idx="minor">
+            <a:schemeClr val="lt1"/>
+          </a:fontRef>
+        </p:style>
+        <p:txBody>
+          <a:bodyPr rtlCol="0" anchor="ctr"/>
+          <a:lstStyle/>
+          <a:p>
+            <a:pPr algn="ctr"/>
+            <a:endParaRPr lang="ko-KR" altLang="en-US"/>
+          </a:p>
+        </p:txBody>
+      </p:sp>
+      <p:sp>
+        <p:nvSpPr>
+          <p:cNvPr id="63" name="직사각형 62"/>
+          <p:cNvSpPr/>
+          <p:nvPr/>
+        </p:nvSpPr>
+        <p:spPr>
+          <a:xfrm>
+            <a:off x="4474513" y="5964296"/>
+            <a:ext cx="489682" cy="510025"/>
+          </a:xfrm>
+          <a:prstGeom prst="rect">
+            <a:avLst/>
+          </a:prstGeom>
+          <a:noFill/>
+          <a:ln w="25400">
+            <a:solidFill>
+              <a:srgbClr val="FF0000"/>
+            </a:solidFill>
+          </a:ln>
+        </p:spPr>
+        <p:style>
+          <a:lnRef idx="2">
+            <a:schemeClr val="accent1">
+              <a:shade val="50000"/>
+            </a:schemeClr>
+          </a:lnRef>
+          <a:fillRef idx="1">
+            <a:schemeClr val="accent1"/>
+          </a:fillRef>
+          <a:effectRef idx="0">
+            <a:schemeClr val="accent1"/>
+          </a:effectRef>
+          <a:fontRef idx="minor">
+            <a:schemeClr val="lt1"/>
+          </a:fontRef>
+        </p:style>
+        <p:txBody>
+          <a:bodyPr rtlCol="0" anchor="ctr"/>
+          <a:lstStyle/>
+          <a:p>
+            <a:pPr algn="ctr"/>
+            <a:endParaRPr lang="ko-KR" altLang="en-US"/>
+          </a:p>
+        </p:txBody>
+      </p:sp>
+      <p:cxnSp>
+        <p:nvCxnSpPr>
+          <p:cNvPr id="51" name="직선 화살표 연결선 50"/>
+          <p:cNvCxnSpPr/>
+          <p:nvPr/>
+        </p:nvCxnSpPr>
+        <p:spPr>
+          <a:xfrm>
+            <a:off x="5011635" y="6215354"/>
+            <a:ext cx="2667926" cy="0"/>
+          </a:xfrm>
+          <a:prstGeom prst="straightConnector1">
+            <a:avLst/>
+          </a:prstGeom>
+          <a:ln>
+            <a:solidFill>
+              <a:srgbClr val="FF0000"/>
+            </a:solidFill>
+            <a:tailEnd type="triangle"/>
+          </a:ln>
+        </p:spPr>
+        <p:style>
+          <a:lnRef idx="1">
+            <a:schemeClr val="accent1"/>
+          </a:lnRef>
+          <a:fillRef idx="0">
+            <a:schemeClr val="accent1"/>
+          </a:fillRef>
+          <a:effectRef idx="0">
+            <a:schemeClr val="accent1"/>
+          </a:effectRef>
+          <a:fontRef idx="minor">
+            <a:schemeClr val="tx1"/>
+          </a:fontRef>
+        </p:style>
+      </p:cxnSp>
+      <p:sp>
+        <p:nvSpPr>
+          <p:cNvPr id="149" name="TextBox 148"/>
+          <p:cNvSpPr txBox="1"/>
+          <p:nvPr/>
+        </p:nvSpPr>
+        <p:spPr>
+          <a:xfrm>
+            <a:off x="6582634" y="1067401"/>
+            <a:ext cx="5199791" cy="1477328"/>
+          </a:xfrm>
+          <a:prstGeom prst="rect">
+            <a:avLst/>
+          </a:prstGeom>
+          <a:noFill/>
+          <a:ln>
+            <a:solidFill>
+              <a:srgbClr val="0070C0"/>
+            </a:solidFill>
+          </a:ln>
+        </p:spPr>
+        <p:txBody>
+          <a:bodyPr wrap="square" rtlCol="0">
+            <a:spAutoFit/>
+          </a:bodyPr>
+          <a:lstStyle/>
+          <a:p>
+            <a:pPr>
+              <a:lnSpc>
+                <a:spcPct val="200000"/>
+              </a:lnSpc>
+            </a:pPr>
+            <a:r>
+              <a:rPr lang="ko-KR" altLang="en-US" dirty="0" smtClean="0"/>
+              <a:t>플레이 중 주의 점 </a:t>
+            </a:r>
+            <a:r>
+              <a:rPr lang="en-US" altLang="ko-KR" dirty="0" smtClean="0"/>
+              <a:t>:</a:t>
+            </a:r>
+          </a:p>
+          <a:p>
+            <a:pPr>
+              <a:lnSpc>
+                <a:spcPct val="150000"/>
+              </a:lnSpc>
+            </a:pPr>
+            <a:r>
+              <a:rPr lang="ko-KR" altLang="en-US" sz="1200" dirty="0" smtClean="0"/>
+              <a:t>각 블록이 가진 고유 유닛</a:t>
+            </a:r>
+            <a:r>
+              <a:rPr lang="en-US" altLang="ko-KR" sz="1200" dirty="0" smtClean="0"/>
+              <a:t>, </a:t>
+            </a:r>
+            <a:r>
+              <a:rPr lang="ko-KR" altLang="en-US" sz="1200" dirty="0" smtClean="0"/>
+              <a:t>기능과</a:t>
+            </a:r>
+            <a:endParaRPr lang="en-US" altLang="ko-KR" sz="1200" dirty="0" smtClean="0"/>
+          </a:p>
+          <a:p>
+            <a:pPr>
+              <a:lnSpc>
+                <a:spcPct val="150000"/>
+              </a:lnSpc>
+            </a:pPr>
+            <a:r>
+              <a:rPr lang="ko-KR" altLang="en-US" sz="1200" dirty="0" smtClean="0"/>
+              <a:t>유닛의 상성</a:t>
+            </a:r>
+            <a:r>
+              <a:rPr lang="en-US" altLang="ko-KR" sz="1200" dirty="0" smtClean="0"/>
+              <a:t>, </a:t>
+            </a:r>
+            <a:r>
+              <a:rPr lang="ko-KR" altLang="en-US" sz="1200" dirty="0" smtClean="0"/>
+              <a:t>조합을 고려하여</a:t>
+            </a:r>
+            <a:r>
+              <a:rPr lang="en-US" altLang="ko-KR" sz="1200" dirty="0"/>
+              <a:t> </a:t>
+            </a:r>
+            <a:r>
+              <a:rPr lang="ko-KR" altLang="en-US" sz="1200" dirty="0" smtClean="0"/>
+              <a:t>건물을 배치하되</a:t>
+            </a:r>
+            <a:endParaRPr lang="en-US" altLang="ko-KR" sz="1200" dirty="0" smtClean="0"/>
+          </a:p>
+          <a:p>
+            <a:pPr>
+              <a:lnSpc>
+                <a:spcPct val="150000"/>
+              </a:lnSpc>
+            </a:pPr>
+            <a:r>
+              <a:rPr lang="ko-KR" altLang="en-US" sz="1200" dirty="0" smtClean="0"/>
+              <a:t>배치를 잘 못하게 되면 생산 가능한 유닛 및 자원에서 손해를 보게 된다</a:t>
+            </a:r>
+            <a:r>
+              <a:rPr lang="en-US" altLang="ko-KR" sz="1200" dirty="0" smtClean="0"/>
+              <a:t>.</a:t>
+            </a:r>
+          </a:p>
+        </p:txBody>
+      </p:sp>
+    </p:spTree>
+    <p:extLst>
+      <p:ext uri="{BB962C8B-B14F-4D97-AF65-F5344CB8AC3E}">
+        <p14:creationId xmlns:p14="http://schemas.microsoft.com/office/powerpoint/2010/main" val="1307964070"/>
+      </p:ext>
+    </p:extLst>
+  </p:cSld>
+  <p:clrMapOvr>
+    <a:masterClrMapping/>
+  </p:clrMapOvr>
+</p:sld>
+</file>
+
+<file path=ppt/slides/slide8.xml><?xml version="1.0" encoding="utf-8"?>
+<p:sld xmlns:a="http://schemas.openxmlformats.org/drawingml/2006/main" xmlns:r="http://schemas.openxmlformats.org/officeDocument/2006/relationships" xmlns:p="http://schemas.openxmlformats.org/presentationml/2006/main">
+  <p:cSld>
+    <p:spTree>
+      <p:nvGrpSpPr>
+        <p:cNvPr id="1" name=""/>
+        <p:cNvGrpSpPr/>
+        <p:nvPr/>
+      </p:nvGrpSpPr>
+      <p:grpSpPr>
+        <a:xfrm>
+          <a:off x="0" y="0"/>
+          <a:ext cx="0" cy="0"/>
+          <a:chOff x="0" y="0"/>
+          <a:chExt cx="0" cy="0"/>
+        </a:xfrm>
+      </p:grpSpPr>
+      <p:sp>
+        <p:nvSpPr>
           <p:cNvPr id="4" name="직사각형 3"/>
           <p:cNvSpPr/>
           <p:nvPr/>
         </p:nvSpPr>
         <p:spPr>
           <a:xfrm>
-            <a:off x="0" y="1666875"/>
+            <a:off x="8313" y="1676206"/>
             <a:ext cx="12191999" cy="3524250"/>
           </a:xfrm>
           <a:prstGeom prst="rect">
@@ -4756,8 +7539,8 @@
         </p:nvSpPr>
         <p:spPr>
           <a:xfrm>
-            <a:off x="3466272" y="2790825"/>
-            <a:ext cx="1447800" cy="1276350"/>
+            <a:off x="3597794" y="2799483"/>
+            <a:ext cx="917258" cy="891713"/>
           </a:xfrm>
           <a:prstGeom prst="ellipse">
             <a:avLst/>
@@ -4785,10 +7568,10 @@
           <a:p>
             <a:pPr algn="ctr"/>
             <a:r>
-              <a:rPr lang="ko-KR" altLang="en-US" dirty="0" smtClean="0"/>
+              <a:rPr lang="ko-KR" altLang="en-US" sz="1200" dirty="0" smtClean="0"/>
               <a:t>방어탑</a:t>
             </a:r>
-            <a:endParaRPr lang="ko-KR" altLang="en-US" dirty="0"/>
+            <a:endParaRPr lang="ko-KR" altLang="en-US" sz="1200" dirty="0"/>
           </a:p>
         </p:txBody>
       </p:sp>
@@ -4800,8 +7583,8 @@
         </p:nvSpPr>
         <p:spPr>
           <a:xfrm>
-            <a:off x="1356065" y="2790825"/>
-            <a:ext cx="1447800" cy="1276350"/>
+            <a:off x="866969" y="2799483"/>
+            <a:ext cx="917258" cy="891713"/>
           </a:xfrm>
           <a:prstGeom prst="ellipse">
             <a:avLst/>
@@ -4829,23 +7612,23 @@
           <a:p>
             <a:pPr algn="ctr"/>
             <a:r>
-              <a:rPr lang="ko-KR" altLang="en-US" dirty="0" smtClean="0"/>
+              <a:rPr lang="ko-KR" altLang="en-US" sz="1200" dirty="0" smtClean="0"/>
               <a:t>넥서스</a:t>
             </a:r>
-            <a:endParaRPr lang="ko-KR" altLang="en-US" dirty="0"/>
-          </a:p>
-        </p:txBody>
-      </p:sp>
-      <p:sp>
-        <p:nvSpPr>
-          <p:cNvPr id="10" name="타원 9"/>
+            <a:endParaRPr lang="ko-KR" altLang="en-US" sz="1200" dirty="0"/>
+          </a:p>
+        </p:txBody>
+      </p:sp>
+      <p:sp>
+        <p:nvSpPr>
+          <p:cNvPr id="11" name="타원 10"/>
           <p:cNvSpPr/>
           <p:nvPr/>
         </p:nvSpPr>
         <p:spPr>
           <a:xfrm>
-            <a:off x="7305254" y="2748975"/>
-            <a:ext cx="1447800" cy="1276350"/>
+            <a:off x="10310108" y="2799484"/>
+            <a:ext cx="917258" cy="891713"/>
           </a:xfrm>
           <a:prstGeom prst="ellipse">
             <a:avLst/>
@@ -4879,23 +7662,303 @@
           <a:p>
             <a:pPr algn="ctr"/>
             <a:r>
-              <a:rPr lang="ko-KR" altLang="en-US" dirty="0" smtClean="0"/>
-              <a:t>방어탑</a:t>
-            </a:r>
-            <a:endParaRPr lang="ko-KR" altLang="en-US" dirty="0"/>
-          </a:p>
-        </p:txBody>
-      </p:sp>
-      <p:sp>
-        <p:nvSpPr>
-          <p:cNvPr id="11" name="타원 10"/>
+              <a:rPr lang="ko-KR" altLang="en-US" sz="1200" dirty="0" smtClean="0"/>
+              <a:t>넥서스</a:t>
+            </a:r>
+            <a:endParaRPr lang="ko-KR" altLang="en-US" sz="1200" dirty="0"/>
+          </a:p>
+        </p:txBody>
+      </p:sp>
+      <p:sp>
+        <p:nvSpPr>
+          <p:cNvPr id="21" name="직사각형 20"/>
           <p:cNvSpPr/>
           <p:nvPr/>
         </p:nvSpPr>
         <p:spPr>
           <a:xfrm>
-            <a:off x="9415462" y="2790825"/>
-            <a:ext cx="1447800" cy="1276350"/>
+            <a:off x="676796" y="5191124"/>
+            <a:ext cx="3079171" cy="1666875"/>
+          </a:xfrm>
+          <a:prstGeom prst="rect">
+            <a:avLst/>
+          </a:prstGeom>
+        </p:spPr>
+        <p:style>
+          <a:lnRef idx="2">
+            <a:schemeClr val="accent1">
+              <a:shade val="50000"/>
+            </a:schemeClr>
+          </a:lnRef>
+          <a:fillRef idx="1">
+            <a:schemeClr val="accent1"/>
+          </a:fillRef>
+          <a:effectRef idx="0">
+            <a:schemeClr val="accent1"/>
+          </a:effectRef>
+          <a:fontRef idx="minor">
+            <a:schemeClr val="lt1"/>
+          </a:fontRef>
+        </p:style>
+        <p:txBody>
+          <a:bodyPr rtlCol="0" anchor="ctr"/>
+          <a:lstStyle/>
+          <a:p>
+            <a:pPr algn="ctr"/>
+            <a:r>
+              <a:rPr lang="ko-KR" altLang="en-US" dirty="0" smtClean="0"/>
+              <a:t>유닛 건물</a:t>
+            </a:r>
+            <a:endParaRPr lang="ko-KR" altLang="en-US" dirty="0"/>
+          </a:p>
+        </p:txBody>
+      </p:sp>
+      <p:sp>
+        <p:nvSpPr>
+          <p:cNvPr id="22" name="직사각형 21"/>
+          <p:cNvSpPr/>
+          <p:nvPr/>
+        </p:nvSpPr>
+        <p:spPr>
+          <a:xfrm>
+            <a:off x="8436033" y="0"/>
+            <a:ext cx="3079691" cy="1666875"/>
+          </a:xfrm>
+          <a:prstGeom prst="rect">
+            <a:avLst/>
+          </a:prstGeom>
+          <a:solidFill>
+            <a:schemeClr val="accent2">
+              <a:lumMod val="60000"/>
+              <a:lumOff val="40000"/>
+            </a:schemeClr>
+          </a:solidFill>
+        </p:spPr>
+        <p:style>
+          <a:lnRef idx="2">
+            <a:schemeClr val="accent1">
+              <a:shade val="50000"/>
+            </a:schemeClr>
+          </a:lnRef>
+          <a:fillRef idx="1">
+            <a:schemeClr val="accent1"/>
+          </a:fillRef>
+          <a:effectRef idx="0">
+            <a:schemeClr val="accent1"/>
+          </a:effectRef>
+          <a:fontRef idx="minor">
+            <a:schemeClr val="lt1"/>
+          </a:fontRef>
+        </p:style>
+        <p:txBody>
+          <a:bodyPr rtlCol="0" anchor="ctr"/>
+          <a:lstStyle/>
+          <a:p>
+            <a:pPr algn="ctr"/>
+            <a:r>
+              <a:rPr lang="ko-KR" altLang="en-US" dirty="0" smtClean="0"/>
+              <a:t>유닛 건물</a:t>
+            </a:r>
+            <a:endParaRPr lang="ko-KR" altLang="en-US" dirty="0"/>
+          </a:p>
+        </p:txBody>
+      </p:sp>
+      <p:sp>
+        <p:nvSpPr>
+          <p:cNvPr id="3" name="TextBox 2"/>
+          <p:cNvSpPr txBox="1"/>
+          <p:nvPr/>
+        </p:nvSpPr>
+        <p:spPr>
+          <a:xfrm>
+            <a:off x="5543150" y="3113004"/>
+            <a:ext cx="1066368" cy="369332"/>
+          </a:xfrm>
+          <a:prstGeom prst="rect">
+            <a:avLst/>
+          </a:prstGeom>
+          <a:noFill/>
+        </p:spPr>
+        <p:txBody>
+          <a:bodyPr wrap="square" rtlCol="0" anchor="ctr">
+            <a:spAutoFit/>
+          </a:bodyPr>
+          <a:lstStyle/>
+          <a:p>
+            <a:pPr algn="ctr"/>
+            <a:r>
+              <a:rPr lang="ko-KR" altLang="en-US" dirty="0" smtClean="0"/>
+              <a:t>유닛 </a:t>
+            </a:r>
+            <a:r>
+              <a:rPr lang="en-US" altLang="ko-KR" dirty="0" smtClean="0"/>
+              <a:t>AI</a:t>
+            </a:r>
+            <a:endParaRPr lang="ko-KR" altLang="en-US" dirty="0"/>
+          </a:p>
+        </p:txBody>
+      </p:sp>
+      <p:sp>
+        <p:nvSpPr>
+          <p:cNvPr id="18" name="TextBox 17"/>
+          <p:cNvSpPr txBox="1"/>
+          <p:nvPr/>
+        </p:nvSpPr>
+        <p:spPr>
+          <a:xfrm>
+            <a:off x="3755967" y="119271"/>
+            <a:ext cx="4680066" cy="707886"/>
+          </a:xfrm>
+          <a:prstGeom prst="rect">
+            <a:avLst/>
+          </a:prstGeom>
+          <a:noFill/>
+        </p:spPr>
+        <p:txBody>
+          <a:bodyPr wrap="square" rtlCol="0">
+            <a:spAutoFit/>
+          </a:bodyPr>
+          <a:lstStyle/>
+          <a:p>
+            <a:pPr algn="ctr"/>
+            <a:r>
+              <a:rPr lang="ko-KR" altLang="en-US" sz="4000" b="1" dirty="0" smtClean="0"/>
+              <a:t>시스템 기획 </a:t>
+            </a:r>
+            <a:r>
+              <a:rPr lang="en-US" altLang="ko-KR" sz="4000" b="1" dirty="0" smtClean="0"/>
+              <a:t>- </a:t>
+            </a:r>
+            <a:r>
+              <a:rPr lang="ko-KR" altLang="en-US" sz="4000" b="1" dirty="0" smtClean="0"/>
+              <a:t>유닛</a:t>
+            </a:r>
+            <a:endParaRPr lang="ko-KR" altLang="en-US" sz="4000" b="1" dirty="0"/>
+          </a:p>
+        </p:txBody>
+      </p:sp>
+      <p:cxnSp>
+        <p:nvCxnSpPr>
+          <p:cNvPr id="19" name="직선 연결선 18"/>
+          <p:cNvCxnSpPr/>
+          <p:nvPr/>
+        </p:nvCxnSpPr>
+        <p:spPr>
+          <a:xfrm>
+            <a:off x="4829695" y="755847"/>
+            <a:ext cx="2532610" cy="0"/>
+          </a:xfrm>
+          <a:prstGeom prst="line">
+            <a:avLst/>
+          </a:prstGeom>
+          <a:ln w="38100">
+            <a:solidFill>
+              <a:schemeClr val="tx1"/>
+            </a:solidFill>
+          </a:ln>
+        </p:spPr>
+        <p:style>
+          <a:lnRef idx="1">
+            <a:schemeClr val="accent1"/>
+          </a:lnRef>
+          <a:fillRef idx="0">
+            <a:schemeClr val="accent1"/>
+          </a:fillRef>
+          <a:effectRef idx="0">
+            <a:schemeClr val="accent1"/>
+          </a:effectRef>
+          <a:fontRef idx="minor">
+            <a:schemeClr val="tx1"/>
+          </a:fontRef>
+        </p:style>
+      </p:cxnSp>
+      <p:sp>
+        <p:nvSpPr>
+          <p:cNvPr id="2" name="직사각형 1"/>
+          <p:cNvSpPr/>
+          <p:nvPr/>
+        </p:nvSpPr>
+        <p:spPr>
+          <a:xfrm>
+            <a:off x="1964602" y="2330849"/>
+            <a:ext cx="1452816" cy="2026837"/>
+          </a:xfrm>
+          <a:prstGeom prst="rect">
+            <a:avLst/>
+          </a:prstGeom>
+          <a:noFill/>
+        </p:spPr>
+        <p:style>
+          <a:lnRef idx="2">
+            <a:schemeClr val="accent1">
+              <a:shade val="50000"/>
+            </a:schemeClr>
+          </a:lnRef>
+          <a:fillRef idx="1">
+            <a:schemeClr val="accent1"/>
+          </a:fillRef>
+          <a:effectRef idx="0">
+            <a:schemeClr val="accent1"/>
+          </a:effectRef>
+          <a:fontRef idx="minor">
+            <a:schemeClr val="lt1"/>
+          </a:fontRef>
+        </p:style>
+        <p:txBody>
+          <a:bodyPr rtlCol="0" anchor="ctr"/>
+          <a:lstStyle/>
+          <a:p>
+            <a:pPr algn="ctr"/>
+            <a:r>
+              <a:rPr lang="ko-KR" altLang="en-US" dirty="0" smtClean="0">
+                <a:solidFill>
+                  <a:srgbClr val="0070C0"/>
+                </a:solidFill>
+              </a:rPr>
+              <a:t>블루 팀 </a:t>
+            </a:r>
+            <a:endParaRPr lang="en-US" altLang="ko-KR" dirty="0" smtClean="0">
+              <a:solidFill>
+                <a:srgbClr val="0070C0"/>
+              </a:solidFill>
+            </a:endParaRPr>
+          </a:p>
+          <a:p>
+            <a:pPr algn="ctr"/>
+            <a:r>
+              <a:rPr lang="ko-KR" altLang="en-US" dirty="0" smtClean="0">
+                <a:solidFill>
+                  <a:srgbClr val="0070C0"/>
+                </a:solidFill>
+              </a:rPr>
+              <a:t>유닛 </a:t>
+            </a:r>
+            <a:r>
+              <a:rPr lang="ko-KR" altLang="en-US" dirty="0" err="1" smtClean="0">
+                <a:solidFill>
+                  <a:srgbClr val="0070C0"/>
+                </a:solidFill>
+              </a:rPr>
+              <a:t>스폰</a:t>
+            </a:r>
+            <a:endParaRPr lang="en-US" altLang="ko-KR" dirty="0" smtClean="0">
+              <a:solidFill>
+                <a:srgbClr val="0070C0"/>
+              </a:solidFill>
+            </a:endParaRPr>
+          </a:p>
+        </p:txBody>
+      </p:sp>
+      <p:sp>
+        <p:nvSpPr>
+          <p:cNvPr id="10" name="타원 9"/>
+          <p:cNvSpPr/>
+          <p:nvPr/>
+        </p:nvSpPr>
+        <p:spPr>
+          <a:xfrm>
+            <a:off x="7737516" y="2769607"/>
+            <a:ext cx="917258" cy="891713"/>
           </a:xfrm>
           <a:prstGeom prst="ellipse">
             <a:avLst/>
@@ -4929,27 +7992,36 @@
           <a:p>
             <a:pPr algn="ctr"/>
             <a:r>
-              <a:rPr lang="ko-KR" altLang="en-US" dirty="0" smtClean="0"/>
-              <a:t>넥서스</a:t>
-            </a:r>
-            <a:endParaRPr lang="ko-KR" altLang="en-US" dirty="0"/>
-          </a:p>
-        </p:txBody>
-      </p:sp>
-      <p:sp>
-        <p:nvSpPr>
-          <p:cNvPr id="21" name="직사각형 20"/>
+              <a:rPr lang="ko-KR" altLang="en-US" sz="1200" dirty="0" smtClean="0"/>
+              <a:t>방어탑</a:t>
+            </a:r>
+            <a:endParaRPr lang="ko-KR" altLang="en-US" sz="1200" dirty="0"/>
+          </a:p>
+        </p:txBody>
+      </p:sp>
+      <p:sp>
+        <p:nvSpPr>
+          <p:cNvPr id="15" name="직사각형 14"/>
           <p:cNvSpPr/>
           <p:nvPr/>
         </p:nvSpPr>
         <p:spPr>
           <a:xfrm>
-            <a:off x="676796" y="5191124"/>
-            <a:ext cx="3079171" cy="1666875"/>
+            <a:off x="8735250" y="2330850"/>
+            <a:ext cx="1452816" cy="2026836"/>
           </a:xfrm>
           <a:prstGeom prst="rect">
             <a:avLst/>
           </a:prstGeom>
+          <a:noFill/>
+          <a:ln>
+            <a:solidFill>
+              <a:schemeClr val="accent2">
+                <a:lumMod val="60000"/>
+                <a:lumOff val="40000"/>
+              </a:schemeClr>
+            </a:solidFill>
+          </a:ln>
         </p:spPr>
         <p:style>
           <a:lnRef idx="2">
@@ -4973,33 +8045,75 @@
           <a:p>
             <a:pPr algn="ctr"/>
             <a:r>
-              <a:rPr lang="ko-KR" altLang="en-US" dirty="0" smtClean="0"/>
-              <a:t>유닛 건물</a:t>
-            </a:r>
-            <a:endParaRPr lang="ko-KR" altLang="en-US" dirty="0"/>
-          </a:p>
-        </p:txBody>
-      </p:sp>
-      <p:sp>
-        <p:nvSpPr>
-          <p:cNvPr id="22" name="직사각형 21"/>
+              <a:rPr lang="ko-KR" altLang="en-US" dirty="0" smtClean="0">
+                <a:solidFill>
+                  <a:schemeClr val="accent2">
+                    <a:lumMod val="75000"/>
+                  </a:schemeClr>
+                </a:solidFill>
+              </a:rPr>
+              <a:t>레드 팀 </a:t>
+            </a:r>
+            <a:endParaRPr lang="en-US" altLang="ko-KR" dirty="0" smtClean="0">
+              <a:solidFill>
+                <a:schemeClr val="accent2">
+                  <a:lumMod val="75000"/>
+                </a:schemeClr>
+              </a:solidFill>
+            </a:endParaRPr>
+          </a:p>
+          <a:p>
+            <a:pPr algn="ctr"/>
+            <a:r>
+              <a:rPr lang="ko-KR" altLang="en-US" dirty="0" smtClean="0">
+                <a:solidFill>
+                  <a:schemeClr val="accent2">
+                    <a:lumMod val="75000"/>
+                  </a:schemeClr>
+                </a:solidFill>
+              </a:rPr>
+              <a:t>유닛 </a:t>
+            </a:r>
+            <a:r>
+              <a:rPr lang="ko-KR" altLang="en-US" dirty="0" err="1" smtClean="0">
+                <a:solidFill>
+                  <a:schemeClr val="accent2">
+                    <a:lumMod val="75000"/>
+                  </a:schemeClr>
+                </a:solidFill>
+              </a:rPr>
+              <a:t>스폰</a:t>
+            </a:r>
+            <a:endParaRPr lang="en-US" altLang="ko-KR" dirty="0" smtClean="0">
+              <a:solidFill>
+                <a:schemeClr val="accent2">
+                  <a:lumMod val="75000"/>
+                </a:schemeClr>
+              </a:solidFill>
+            </a:endParaRPr>
+          </a:p>
+        </p:txBody>
+      </p:sp>
+      <p:sp>
+        <p:nvSpPr>
+          <p:cNvPr id="31" name="직사각형 30"/>
           <p:cNvSpPr/>
           <p:nvPr/>
         </p:nvSpPr>
         <p:spPr>
           <a:xfrm>
-            <a:off x="8436033" y="0"/>
-            <a:ext cx="3079691" cy="1666875"/>
+            <a:off x="2499463" y="1726211"/>
+            <a:ext cx="7209698" cy="567363"/>
           </a:xfrm>
           <a:prstGeom prst="rect">
             <a:avLst/>
           </a:prstGeom>
-          <a:solidFill>
-            <a:schemeClr val="accent2">
-              <a:lumMod val="60000"/>
-              <a:lumOff val="40000"/>
-            </a:schemeClr>
-          </a:solidFill>
+          <a:noFill/>
+          <a:ln>
+            <a:solidFill>
+              <a:schemeClr val="tx1"/>
+            </a:solidFill>
+          </a:ln>
         </p:spPr>
         <p:style>
           <a:lnRef idx="2">
@@ -5023,122 +8137,244 @@
           <a:p>
             <a:pPr algn="ctr"/>
             <a:r>
-              <a:rPr lang="ko-KR" altLang="en-US" dirty="0" smtClean="0"/>
-              <a:t>유닛 건물</a:t>
-            </a:r>
-            <a:endParaRPr lang="ko-KR" altLang="en-US" dirty="0"/>
-          </a:p>
-        </p:txBody>
-      </p:sp>
-      <p:sp>
-        <p:nvSpPr>
-          <p:cNvPr id="3" name="TextBox 2"/>
-          <p:cNvSpPr txBox="1"/>
+              <a:rPr lang="ko-KR" altLang="en-US" sz="1400" dirty="0" smtClean="0">
+                <a:solidFill>
+                  <a:schemeClr val="tx1"/>
+                </a:solidFill>
+              </a:rPr>
+              <a:t>유닛 </a:t>
+            </a:r>
+            <a:r>
+              <a:rPr lang="ko-KR" altLang="en-US" sz="1400" dirty="0" err="1" smtClean="0">
+                <a:solidFill>
+                  <a:schemeClr val="tx1"/>
+                </a:solidFill>
+              </a:rPr>
+              <a:t>스폰</a:t>
+            </a:r>
+            <a:r>
+              <a:rPr lang="ko-KR" altLang="en-US" sz="1400" dirty="0" smtClean="0">
+                <a:solidFill>
+                  <a:schemeClr val="tx1"/>
+                </a:solidFill>
+              </a:rPr>
+              <a:t> </a:t>
+            </a:r>
+            <a:r>
+              <a:rPr lang="en-US" altLang="ko-KR" sz="1400" dirty="0" smtClean="0">
+                <a:solidFill>
+                  <a:schemeClr val="tx1"/>
+                </a:solidFill>
+              </a:rPr>
+              <a:t>, </a:t>
+            </a:r>
+            <a:r>
+              <a:rPr lang="ko-KR" altLang="en-US" sz="1400" dirty="0" smtClean="0">
+                <a:solidFill>
+                  <a:schemeClr val="tx1"/>
+                </a:solidFill>
+              </a:rPr>
+              <a:t>이동 </a:t>
+            </a:r>
+            <a:r>
+              <a:rPr lang="en-US" altLang="ko-KR" sz="1400" dirty="0" smtClean="0">
+                <a:solidFill>
+                  <a:schemeClr val="tx1"/>
+                </a:solidFill>
+              </a:rPr>
+              <a:t>-&gt; </a:t>
+            </a:r>
+            <a:r>
+              <a:rPr lang="ko-KR" altLang="en-US" sz="1400" dirty="0" smtClean="0">
+                <a:solidFill>
+                  <a:schemeClr val="tx1"/>
+                </a:solidFill>
+              </a:rPr>
+              <a:t>적 유닛 발견 시 전투 </a:t>
+            </a:r>
+            <a:r>
+              <a:rPr lang="en-US" altLang="ko-KR" sz="1400" dirty="0" smtClean="0">
+                <a:solidFill>
+                  <a:schemeClr val="tx1"/>
+                </a:solidFill>
+              </a:rPr>
+              <a:t>-&gt; </a:t>
+            </a:r>
+            <a:r>
+              <a:rPr lang="ko-KR" altLang="en-US" sz="1400" dirty="0" smtClean="0">
+                <a:solidFill>
+                  <a:schemeClr val="tx1"/>
+                </a:solidFill>
+              </a:rPr>
+              <a:t>적 방어탑 파괴 </a:t>
+            </a:r>
+            <a:r>
+              <a:rPr lang="en-US" altLang="ko-KR" sz="1400" dirty="0" smtClean="0">
+                <a:solidFill>
+                  <a:schemeClr val="tx1"/>
+                </a:solidFill>
+              </a:rPr>
+              <a:t>-&gt; </a:t>
+            </a:r>
+            <a:r>
+              <a:rPr lang="ko-KR" altLang="en-US" sz="1400" dirty="0" smtClean="0">
+                <a:solidFill>
+                  <a:schemeClr val="tx1"/>
+                </a:solidFill>
+              </a:rPr>
+              <a:t>적 넥서스 파괴 </a:t>
+            </a:r>
+            <a:r>
+              <a:rPr lang="en-US" altLang="ko-KR" sz="1400" dirty="0" smtClean="0">
+                <a:solidFill>
+                  <a:schemeClr val="tx1"/>
+                </a:solidFill>
+              </a:rPr>
+              <a:t>-&gt; </a:t>
+            </a:r>
+            <a:r>
+              <a:rPr lang="ko-KR" altLang="en-US" sz="1400" dirty="0" smtClean="0">
+                <a:solidFill>
+                  <a:schemeClr val="tx1"/>
+                </a:solidFill>
+              </a:rPr>
+              <a:t>승리</a:t>
+            </a:r>
+            <a:endParaRPr lang="ko-KR" altLang="en-US" sz="1400" dirty="0">
+              <a:solidFill>
+                <a:schemeClr val="tx1"/>
+              </a:solidFill>
+            </a:endParaRPr>
+          </a:p>
+        </p:txBody>
+      </p:sp>
+      <p:sp>
+        <p:nvSpPr>
+          <p:cNvPr id="32" name="직사각형 31"/>
+          <p:cNvSpPr/>
           <p:nvPr/>
         </p:nvSpPr>
         <p:spPr>
           <a:xfrm>
-            <a:off x="5576479" y="3202484"/>
-            <a:ext cx="1066368" cy="369332"/>
+            <a:off x="5543150" y="5346440"/>
+            <a:ext cx="6232083" cy="1082352"/>
           </a:xfrm>
           <a:prstGeom prst="rect">
             <a:avLst/>
           </a:prstGeom>
           <a:noFill/>
         </p:spPr>
-        <p:txBody>
-          <a:bodyPr wrap="square" rtlCol="0" anchor="ctr">
-            <a:spAutoFit/>
-          </a:bodyPr>
-          <a:lstStyle/>
-          <a:p>
-            <a:pPr algn="ctr"/>
-            <a:r>
-              <a:rPr lang="ko-KR" altLang="en-US" dirty="0" smtClean="0"/>
-              <a:t>유닛 </a:t>
-            </a:r>
-            <a:r>
-              <a:rPr lang="en-US" altLang="ko-KR" dirty="0" smtClean="0"/>
-              <a:t>AI</a:t>
-            </a:r>
-            <a:endParaRPr lang="ko-KR" altLang="en-US" dirty="0"/>
-          </a:p>
-        </p:txBody>
-      </p:sp>
-      <p:sp>
-        <p:nvSpPr>
-          <p:cNvPr id="18" name="TextBox 17"/>
-          <p:cNvSpPr txBox="1"/>
-          <p:nvPr/>
-        </p:nvSpPr>
-        <p:spPr>
-          <a:xfrm>
-            <a:off x="3755967" y="119271"/>
-            <a:ext cx="4680066" cy="707886"/>
-          </a:xfrm>
-          <a:prstGeom prst="rect">
-            <a:avLst/>
-          </a:prstGeom>
-          <a:noFill/>
-        </p:spPr>
-        <p:txBody>
-          <a:bodyPr wrap="square" rtlCol="0">
-            <a:spAutoFit/>
-          </a:bodyPr>
-          <a:lstStyle/>
-          <a:p>
-            <a:pPr algn="ctr"/>
-            <a:r>
-              <a:rPr lang="ko-KR" altLang="en-US" sz="4000" b="1" dirty="0" smtClean="0"/>
-              <a:t>시스템 기획 </a:t>
-            </a:r>
-            <a:r>
-              <a:rPr lang="en-US" altLang="ko-KR" sz="4000" b="1" dirty="0" smtClean="0"/>
-              <a:t>- </a:t>
-            </a:r>
-            <a:r>
-              <a:rPr lang="ko-KR" altLang="en-US" sz="4000" b="1" dirty="0" smtClean="0"/>
-              <a:t>유닛</a:t>
-            </a:r>
-            <a:endParaRPr lang="ko-KR" altLang="en-US" sz="4000" b="1" dirty="0"/>
-          </a:p>
-        </p:txBody>
-      </p:sp>
-      <p:cxnSp>
-        <p:nvCxnSpPr>
-          <p:cNvPr id="19" name="직선 연결선 18"/>
-          <p:cNvCxnSpPr/>
-          <p:nvPr/>
-        </p:nvCxnSpPr>
-        <p:spPr>
-          <a:xfrm>
-            <a:off x="4829695" y="755847"/>
-            <a:ext cx="2532610" cy="0"/>
-          </a:xfrm>
-          <a:prstGeom prst="line">
-            <a:avLst/>
-          </a:prstGeom>
-          <a:ln w="38100">
-            <a:solidFill>
-              <a:schemeClr val="tx1"/>
-            </a:solidFill>
-          </a:ln>
-        </p:spPr>
         <p:style>
-          <a:lnRef idx="1">
-            <a:schemeClr val="accent1"/>
+          <a:lnRef idx="2">
+            <a:schemeClr val="accent1">
+              <a:shade val="50000"/>
+            </a:schemeClr>
           </a:lnRef>
-          <a:fillRef idx="0">
+          <a:fillRef idx="1">
             <a:schemeClr val="accent1"/>
           </a:fillRef>
           <a:effectRef idx="0">
             <a:schemeClr val="accent1"/>
           </a:effectRef>
           <a:fontRef idx="minor">
-            <a:schemeClr val="tx1"/>
+            <a:schemeClr val="lt1"/>
           </a:fontRef>
         </p:style>
-      </p:cxnSp>
+        <p:txBody>
+          <a:bodyPr rtlCol="0" anchor="ctr"/>
+          <a:lstStyle/>
+          <a:p>
+            <a:pPr>
+              <a:lnSpc>
+                <a:spcPct val="150000"/>
+              </a:lnSpc>
+            </a:pPr>
+            <a:r>
+              <a:rPr lang="ko-KR" altLang="en-US" sz="1600" dirty="0" smtClean="0">
+                <a:solidFill>
+                  <a:schemeClr val="tx1"/>
+                </a:solidFill>
+              </a:rPr>
+              <a:t>유닛 컨트롤 </a:t>
+            </a:r>
+            <a:r>
+              <a:rPr lang="en-US" altLang="ko-KR" sz="1600" dirty="0" smtClean="0">
+                <a:solidFill>
+                  <a:schemeClr val="tx1"/>
+                </a:solidFill>
+              </a:rPr>
+              <a:t>:</a:t>
+            </a:r>
+          </a:p>
+          <a:p>
+            <a:pPr>
+              <a:lnSpc>
+                <a:spcPct val="150000"/>
+              </a:lnSpc>
+            </a:pPr>
+            <a:r>
+              <a:rPr lang="ko-KR" altLang="en-US" sz="1400" dirty="0" smtClean="0">
+                <a:solidFill>
+                  <a:schemeClr val="tx1"/>
+                </a:solidFill>
+              </a:rPr>
+              <a:t>배틀 필드로 소환되기 전 대기시간 동안 유닛의 배치를 바꿀 수 있다</a:t>
+            </a:r>
+            <a:r>
+              <a:rPr lang="en-US" altLang="ko-KR" sz="1400" dirty="0" smtClean="0">
+                <a:solidFill>
+                  <a:schemeClr val="tx1"/>
+                </a:solidFill>
+              </a:rPr>
+              <a:t>.</a:t>
+            </a:r>
+          </a:p>
+          <a:p>
+            <a:pPr>
+              <a:lnSpc>
+                <a:spcPct val="150000"/>
+              </a:lnSpc>
+            </a:pPr>
+            <a:r>
+              <a:rPr lang="ko-KR" altLang="en-US" sz="1400" dirty="0" smtClean="0">
+                <a:solidFill>
+                  <a:schemeClr val="tx1"/>
+                </a:solidFill>
+              </a:rPr>
+              <a:t>소환 된 이후는 </a:t>
+            </a:r>
+            <a:r>
+              <a:rPr lang="en-US" altLang="ko-KR" sz="1400" dirty="0" smtClean="0">
+                <a:solidFill>
+                  <a:schemeClr val="tx1"/>
+                </a:solidFill>
+              </a:rPr>
+              <a:t>AI</a:t>
+            </a:r>
+            <a:r>
+              <a:rPr lang="ko-KR" altLang="en-US" sz="1400" dirty="0" smtClean="0">
+                <a:solidFill>
+                  <a:schemeClr val="tx1"/>
+                </a:solidFill>
+              </a:rPr>
+              <a:t>모드로 유닛을 조종 할 수 없다</a:t>
+            </a:r>
+            <a:r>
+              <a:rPr lang="en-US" altLang="ko-KR" sz="1400" dirty="0" smtClean="0">
+                <a:solidFill>
+                  <a:schemeClr val="tx1"/>
+                </a:solidFill>
+              </a:rPr>
+              <a:t>. </a:t>
+            </a:r>
+            <a:endParaRPr lang="ko-KR" altLang="en-US" sz="1400" dirty="0">
+              <a:solidFill>
+                <a:schemeClr val="tx1"/>
+              </a:solidFill>
+            </a:endParaRPr>
+          </a:p>
+        </p:txBody>
+      </p:sp>
     </p:spTree>
     <p:extLst>
       <p:ext uri="{BB962C8B-B14F-4D97-AF65-F5344CB8AC3E}">
@@ -5159,7 +8395,7 @@
 </p:sld>
 </file>
 
-<file path=ppt/slides/slide8.xml><?xml version="1.0" encoding="utf-8"?>
+<file path=ppt/slides/slide9.xml><?xml version="1.0" encoding="utf-8"?>
 <p:sld xmlns:a="http://schemas.openxmlformats.org/drawingml/2006/main" xmlns:r="http://schemas.openxmlformats.org/officeDocument/2006/relationships" xmlns:p="http://schemas.openxmlformats.org/presentationml/2006/main">
   <p:cSld>
     <p:spTree>
@@ -5204,6 +8440,200 @@
               <a:t>컨텐츠 기획</a:t>
             </a:r>
             <a:endParaRPr lang="en-US" altLang="ko-KR" sz="4000" b="1" dirty="0" smtClean="0"/>
+          </a:p>
+        </p:txBody>
+      </p:sp>
+      <p:sp>
+        <p:nvSpPr>
+          <p:cNvPr id="2" name="TextBox 1"/>
+          <p:cNvSpPr txBox="1"/>
+          <p:nvPr/>
+        </p:nvSpPr>
+        <p:spPr>
+          <a:xfrm>
+            <a:off x="839755" y="1287624"/>
+            <a:ext cx="4236098" cy="2862322"/>
+          </a:xfrm>
+          <a:prstGeom prst="rect">
+            <a:avLst/>
+          </a:prstGeom>
+          <a:noFill/>
+        </p:spPr>
+        <p:txBody>
+          <a:bodyPr wrap="square" rtlCol="0">
+            <a:spAutoFit/>
+          </a:bodyPr>
+          <a:lstStyle/>
+          <a:p>
+            <a:r>
+              <a:rPr lang="ko-KR" altLang="en-US" dirty="0" smtClean="0"/>
+              <a:t>유닛 </a:t>
+            </a:r>
+            <a:r>
+              <a:rPr lang="en-US" altLang="ko-KR" dirty="0" smtClean="0"/>
+              <a:t>:</a:t>
+            </a:r>
+          </a:p>
+          <a:p>
+            <a:r>
+              <a:rPr lang="ko-KR" altLang="en-US" dirty="0" smtClean="0"/>
+              <a:t>지상</a:t>
+            </a:r>
+            <a:r>
+              <a:rPr lang="en-US" altLang="ko-KR" dirty="0" smtClean="0"/>
+              <a:t>3</a:t>
+            </a:r>
+          </a:p>
+          <a:p>
+            <a:r>
+              <a:rPr lang="ko-KR" altLang="en-US" dirty="0" smtClean="0"/>
+              <a:t>근접</a:t>
+            </a:r>
+            <a:endParaRPr lang="en-US" altLang="ko-KR" dirty="0" smtClean="0"/>
+          </a:p>
+          <a:p>
+            <a:r>
+              <a:rPr lang="ko-KR" altLang="en-US" dirty="0" smtClean="0"/>
+              <a:t>원거리</a:t>
+            </a:r>
+            <a:endParaRPr lang="en-US" altLang="ko-KR" dirty="0" smtClean="0"/>
+          </a:p>
+          <a:p>
+            <a:r>
+              <a:rPr lang="ko-KR" altLang="en-US" dirty="0" smtClean="0"/>
+              <a:t>대공</a:t>
+            </a:r>
+            <a:endParaRPr lang="en-US" altLang="ko-KR" dirty="0"/>
+          </a:p>
+          <a:p>
+            <a:endParaRPr lang="en-US" altLang="ko-KR" dirty="0" smtClean="0"/>
+          </a:p>
+          <a:p>
+            <a:r>
+              <a:rPr lang="ko-KR" altLang="en-US" dirty="0" smtClean="0"/>
+              <a:t>공중</a:t>
+            </a:r>
+            <a:r>
+              <a:rPr lang="en-US" altLang="ko-KR" dirty="0" smtClean="0"/>
+              <a:t>3</a:t>
+            </a:r>
+          </a:p>
+          <a:p>
+            <a:r>
+              <a:rPr lang="en-US" altLang="ko-KR" dirty="0" smtClean="0"/>
+              <a:t>Only</a:t>
+            </a:r>
+            <a:r>
+              <a:rPr lang="ko-KR" altLang="en-US" dirty="0" smtClean="0"/>
+              <a:t>지상</a:t>
+            </a:r>
+            <a:endParaRPr lang="en-US" altLang="ko-KR" dirty="0" smtClean="0"/>
+          </a:p>
+          <a:p>
+            <a:r>
+              <a:rPr lang="en-US" altLang="ko-KR" dirty="0" smtClean="0"/>
+              <a:t>Only</a:t>
+            </a:r>
+            <a:r>
+              <a:rPr lang="ko-KR" altLang="en-US" dirty="0" smtClean="0"/>
+              <a:t>공중</a:t>
+            </a:r>
+            <a:endParaRPr lang="en-US" altLang="ko-KR" dirty="0" smtClean="0"/>
+          </a:p>
+          <a:p>
+            <a:r>
+              <a:rPr lang="ko-KR" altLang="en-US" dirty="0" smtClean="0"/>
+              <a:t>퓨전</a:t>
+            </a:r>
+            <a:endParaRPr lang="ko-KR" altLang="en-US" dirty="0"/>
+          </a:p>
+        </p:txBody>
+      </p:sp>
+      <p:sp>
+        <p:nvSpPr>
+          <p:cNvPr id="4" name="TextBox 3"/>
+          <p:cNvSpPr txBox="1"/>
+          <p:nvPr/>
+        </p:nvSpPr>
+        <p:spPr>
+          <a:xfrm>
+            <a:off x="6945085" y="1287624"/>
+            <a:ext cx="4236098" cy="369332"/>
+          </a:xfrm>
+          <a:prstGeom prst="rect">
+            <a:avLst/>
+          </a:prstGeom>
+          <a:noFill/>
+        </p:spPr>
+        <p:txBody>
+          <a:bodyPr wrap="square" rtlCol="0">
+            <a:spAutoFit/>
+          </a:bodyPr>
+          <a:lstStyle/>
+          <a:p>
+            <a:r>
+              <a:rPr lang="ko-KR" altLang="en-US" dirty="0" smtClean="0"/>
+              <a:t>건물 </a:t>
+            </a:r>
+            <a:r>
+              <a:rPr lang="en-US" altLang="ko-KR" dirty="0" smtClean="0"/>
+              <a:t>: </a:t>
+            </a:r>
+            <a:endParaRPr lang="ko-KR" altLang="en-US" dirty="0"/>
+          </a:p>
+        </p:txBody>
+      </p:sp>
+      <p:sp>
+        <p:nvSpPr>
+          <p:cNvPr id="3" name="TextBox 2"/>
+          <p:cNvSpPr txBox="1"/>
+          <p:nvPr/>
+        </p:nvSpPr>
+        <p:spPr>
+          <a:xfrm>
+            <a:off x="839755" y="4610413"/>
+            <a:ext cx="2519266" cy="923330"/>
+          </a:xfrm>
+          <a:prstGeom prst="rect">
+            <a:avLst/>
+          </a:prstGeom>
+          <a:noFill/>
+        </p:spPr>
+        <p:txBody>
+          <a:bodyPr wrap="square" rtlCol="0">
+            <a:spAutoFit/>
+          </a:bodyPr>
+          <a:lstStyle/>
+          <a:p>
+            <a:r>
+              <a:rPr lang="ko-KR" altLang="en-US" dirty="0" smtClean="0"/>
+              <a:t>강화의 종류 </a:t>
+            </a:r>
+            <a:r>
+              <a:rPr lang="en-US" altLang="ko-KR" dirty="0" smtClean="0"/>
+              <a:t>: </a:t>
+            </a:r>
+          </a:p>
+          <a:p>
+            <a:r>
+              <a:rPr lang="ko-KR" altLang="en-US" dirty="0" smtClean="0"/>
+              <a:t>공방 강화</a:t>
+            </a:r>
+            <a:r>
+              <a:rPr lang="en-US" altLang="ko-KR" dirty="0" smtClean="0"/>
+              <a:t> </a:t>
+            </a:r>
+          </a:p>
+          <a:p>
+            <a:r>
+              <a:rPr lang="ko-KR" altLang="en-US" dirty="0" smtClean="0"/>
+              <a:t>유닛 생산량 강화</a:t>
+            </a:r>
+            <a:r>
+              <a:rPr lang="en-US" altLang="ko-KR" dirty="0" smtClean="0"/>
+              <a:t> </a:t>
+            </a:r>
+            <a:endParaRPr lang="ko-KR" altLang="en-US" dirty="0"/>
           </a:p>
         </p:txBody>
       </p:sp>

--- a/GeoStrike프레젠테이션1.pptx
+++ b/GeoStrike프레젠테이션1.pptx
@@ -161,10 +161,9 @@
           </a:lstStyle>
           <a:p>
             <a:r>
-              <a:rPr lang="ko-KR" altLang="en-US" smtClean="0"/>
+              <a:rPr lang="ko-KR" altLang="en-US"/>
               <a:t>마스터 제목 스타일 편집</a:t>
             </a:r>
-            <a:endParaRPr lang="ko-KR" altLang="en-US"/>
           </a:p>
         </p:txBody>
       </p:sp>
@@ -226,10 +225,9 @@
           </a:lstStyle>
           <a:p>
             <a:r>
-              <a:rPr lang="ko-KR" altLang="en-US" smtClean="0"/>
+              <a:rPr lang="ko-KR" altLang="en-US"/>
               <a:t>클릭하여 마스터 부제목 스타일 편집</a:t>
             </a:r>
-            <a:endParaRPr lang="ko-KR" altLang="en-US"/>
           </a:p>
         </p:txBody>
       </p:sp>
@@ -344,10 +342,9 @@
           <a:lstStyle/>
           <a:p>
             <a:r>
-              <a:rPr lang="ko-KR" altLang="en-US" smtClean="0"/>
+              <a:rPr lang="ko-KR" altLang="en-US"/>
               <a:t>마스터 제목 스타일 편집</a:t>
             </a:r>
-            <a:endParaRPr lang="ko-KR" altLang="en-US"/>
           </a:p>
         </p:txBody>
       </p:sp>
@@ -368,38 +365,37 @@
           <a:p>
             <a:pPr lvl="0"/>
             <a:r>
-              <a:rPr lang="ko-KR" altLang="en-US" smtClean="0"/>
+              <a:rPr lang="ko-KR" altLang="en-US"/>
               <a:t>마스터 텍스트 스타일 편집</a:t>
             </a:r>
           </a:p>
           <a:p>
             <a:pPr lvl="1"/>
             <a:r>
-              <a:rPr lang="ko-KR" altLang="en-US" smtClean="0"/>
+              <a:rPr lang="ko-KR" altLang="en-US"/>
               <a:t>둘째 수준</a:t>
             </a:r>
           </a:p>
           <a:p>
             <a:pPr lvl="2"/>
             <a:r>
-              <a:rPr lang="ko-KR" altLang="en-US" smtClean="0"/>
+              <a:rPr lang="ko-KR" altLang="en-US"/>
               <a:t>셋째 수준</a:t>
             </a:r>
           </a:p>
           <a:p>
             <a:pPr lvl="3"/>
             <a:r>
-              <a:rPr lang="ko-KR" altLang="en-US" smtClean="0"/>
+              <a:rPr lang="ko-KR" altLang="en-US"/>
               <a:t>넷째 수준</a:t>
             </a:r>
           </a:p>
           <a:p>
             <a:pPr lvl="4"/>
             <a:r>
-              <a:rPr lang="ko-KR" altLang="en-US" smtClean="0"/>
+              <a:rPr lang="ko-KR" altLang="en-US"/>
               <a:t>다섯째 수준</a:t>
             </a:r>
-            <a:endParaRPr lang="ko-KR" altLang="en-US"/>
           </a:p>
         </p:txBody>
       </p:sp>
@@ -519,10 +515,9 @@
           <a:lstStyle/>
           <a:p>
             <a:r>
-              <a:rPr lang="ko-KR" altLang="en-US" smtClean="0"/>
+              <a:rPr lang="ko-KR" altLang="en-US"/>
               <a:t>마스터 제목 스타일 편집</a:t>
             </a:r>
-            <a:endParaRPr lang="ko-KR" altLang="en-US"/>
           </a:p>
         </p:txBody>
       </p:sp>
@@ -548,38 +543,37 @@
           <a:p>
             <a:pPr lvl="0"/>
             <a:r>
-              <a:rPr lang="ko-KR" altLang="en-US" smtClean="0"/>
+              <a:rPr lang="ko-KR" altLang="en-US"/>
               <a:t>마스터 텍스트 스타일 편집</a:t>
             </a:r>
           </a:p>
           <a:p>
             <a:pPr lvl="1"/>
             <a:r>
-              <a:rPr lang="ko-KR" altLang="en-US" smtClean="0"/>
+              <a:rPr lang="ko-KR" altLang="en-US"/>
               <a:t>둘째 수준</a:t>
             </a:r>
           </a:p>
           <a:p>
             <a:pPr lvl="2"/>
             <a:r>
-              <a:rPr lang="ko-KR" altLang="en-US" smtClean="0"/>
+              <a:rPr lang="ko-KR" altLang="en-US"/>
               <a:t>셋째 수준</a:t>
             </a:r>
           </a:p>
           <a:p>
             <a:pPr lvl="3"/>
             <a:r>
-              <a:rPr lang="ko-KR" altLang="en-US" smtClean="0"/>
+              <a:rPr lang="ko-KR" altLang="en-US"/>
               <a:t>넷째 수준</a:t>
             </a:r>
           </a:p>
           <a:p>
             <a:pPr lvl="4"/>
             <a:r>
-              <a:rPr lang="ko-KR" altLang="en-US" smtClean="0"/>
+              <a:rPr lang="ko-KR" altLang="en-US"/>
               <a:t>다섯째 수준</a:t>
             </a:r>
-            <a:endParaRPr lang="ko-KR" altLang="en-US"/>
           </a:p>
         </p:txBody>
       </p:sp>
@@ -694,10 +688,9 @@
           <a:lstStyle/>
           <a:p>
             <a:r>
-              <a:rPr lang="ko-KR" altLang="en-US" smtClean="0"/>
+              <a:rPr lang="ko-KR" altLang="en-US"/>
               <a:t>마스터 제목 스타일 편집</a:t>
             </a:r>
-            <a:endParaRPr lang="ko-KR" altLang="en-US"/>
           </a:p>
         </p:txBody>
       </p:sp>
@@ -718,38 +711,37 @@
           <a:p>
             <a:pPr lvl="0"/>
             <a:r>
-              <a:rPr lang="ko-KR" altLang="en-US" smtClean="0"/>
+              <a:rPr lang="ko-KR" altLang="en-US"/>
               <a:t>마스터 텍스트 스타일 편집</a:t>
             </a:r>
           </a:p>
           <a:p>
             <a:pPr lvl="1"/>
             <a:r>
-              <a:rPr lang="ko-KR" altLang="en-US" smtClean="0"/>
+              <a:rPr lang="ko-KR" altLang="en-US"/>
               <a:t>둘째 수준</a:t>
             </a:r>
           </a:p>
           <a:p>
             <a:pPr lvl="2"/>
             <a:r>
-              <a:rPr lang="ko-KR" altLang="en-US" smtClean="0"/>
+              <a:rPr lang="ko-KR" altLang="en-US"/>
               <a:t>셋째 수준</a:t>
             </a:r>
           </a:p>
           <a:p>
             <a:pPr lvl="3"/>
             <a:r>
-              <a:rPr lang="ko-KR" altLang="en-US" smtClean="0"/>
+              <a:rPr lang="ko-KR" altLang="en-US"/>
               <a:t>넷째 수준</a:t>
             </a:r>
           </a:p>
           <a:p>
             <a:pPr lvl="4"/>
             <a:r>
-              <a:rPr lang="ko-KR" altLang="en-US" smtClean="0"/>
+              <a:rPr lang="ko-KR" altLang="en-US"/>
               <a:t>다섯째 수준</a:t>
             </a:r>
-            <a:endParaRPr lang="ko-KR" altLang="en-US"/>
           </a:p>
         </p:txBody>
       </p:sp>
@@ -873,10 +865,9 @@
           </a:lstStyle>
           <a:p>
             <a:r>
-              <a:rPr lang="ko-KR" altLang="en-US" smtClean="0"/>
+              <a:rPr lang="ko-KR" altLang="en-US"/>
               <a:t>마스터 제목 스타일 편집</a:t>
             </a:r>
-            <a:endParaRPr lang="ko-KR" altLang="en-US"/>
           </a:p>
         </p:txBody>
       </p:sp>
@@ -993,7 +984,7 @@
           <a:p>
             <a:pPr lvl="0"/>
             <a:r>
-              <a:rPr lang="ko-KR" altLang="en-US" smtClean="0"/>
+              <a:rPr lang="ko-KR" altLang="en-US"/>
               <a:t>마스터 텍스트 스타일 편집</a:t>
             </a:r>
           </a:p>
@@ -1110,10 +1101,9 @@
           <a:lstStyle/>
           <a:p>
             <a:r>
-              <a:rPr lang="ko-KR" altLang="en-US" smtClean="0"/>
+              <a:rPr lang="ko-KR" altLang="en-US"/>
               <a:t>마스터 제목 스타일 편집</a:t>
             </a:r>
-            <a:endParaRPr lang="ko-KR" altLang="en-US"/>
           </a:p>
         </p:txBody>
       </p:sp>
@@ -1139,38 +1129,37 @@
           <a:p>
             <a:pPr lvl="0"/>
             <a:r>
-              <a:rPr lang="ko-KR" altLang="en-US" smtClean="0"/>
+              <a:rPr lang="ko-KR" altLang="en-US"/>
               <a:t>마스터 텍스트 스타일 편집</a:t>
             </a:r>
           </a:p>
           <a:p>
             <a:pPr lvl="1"/>
             <a:r>
-              <a:rPr lang="ko-KR" altLang="en-US" smtClean="0"/>
+              <a:rPr lang="ko-KR" altLang="en-US"/>
               <a:t>둘째 수준</a:t>
             </a:r>
           </a:p>
           <a:p>
             <a:pPr lvl="2"/>
             <a:r>
-              <a:rPr lang="ko-KR" altLang="en-US" smtClean="0"/>
+              <a:rPr lang="ko-KR" altLang="en-US"/>
               <a:t>셋째 수준</a:t>
             </a:r>
           </a:p>
           <a:p>
             <a:pPr lvl="3"/>
             <a:r>
-              <a:rPr lang="ko-KR" altLang="en-US" smtClean="0"/>
+              <a:rPr lang="ko-KR" altLang="en-US"/>
               <a:t>넷째 수준</a:t>
             </a:r>
           </a:p>
           <a:p>
             <a:pPr lvl="4"/>
             <a:r>
-              <a:rPr lang="ko-KR" altLang="en-US" smtClean="0"/>
+              <a:rPr lang="ko-KR" altLang="en-US"/>
               <a:t>다섯째 수준</a:t>
             </a:r>
-            <a:endParaRPr lang="ko-KR" altLang="en-US"/>
           </a:p>
         </p:txBody>
       </p:sp>
@@ -1196,38 +1185,37 @@
           <a:p>
             <a:pPr lvl="0"/>
             <a:r>
-              <a:rPr lang="ko-KR" altLang="en-US" smtClean="0"/>
+              <a:rPr lang="ko-KR" altLang="en-US"/>
               <a:t>마스터 텍스트 스타일 편집</a:t>
             </a:r>
           </a:p>
           <a:p>
             <a:pPr lvl="1"/>
             <a:r>
-              <a:rPr lang="ko-KR" altLang="en-US" smtClean="0"/>
+              <a:rPr lang="ko-KR" altLang="en-US"/>
               <a:t>둘째 수준</a:t>
             </a:r>
           </a:p>
           <a:p>
             <a:pPr lvl="2"/>
             <a:r>
-              <a:rPr lang="ko-KR" altLang="en-US" smtClean="0"/>
+              <a:rPr lang="ko-KR" altLang="en-US"/>
               <a:t>셋째 수준</a:t>
             </a:r>
           </a:p>
           <a:p>
             <a:pPr lvl="3"/>
             <a:r>
-              <a:rPr lang="ko-KR" altLang="en-US" smtClean="0"/>
+              <a:rPr lang="ko-KR" altLang="en-US"/>
               <a:t>넷째 수준</a:t>
             </a:r>
           </a:p>
           <a:p>
             <a:pPr lvl="4"/>
             <a:r>
-              <a:rPr lang="ko-KR" altLang="en-US" smtClean="0"/>
+              <a:rPr lang="ko-KR" altLang="en-US"/>
               <a:t>다섯째 수준</a:t>
             </a:r>
-            <a:endParaRPr lang="ko-KR" altLang="en-US"/>
           </a:p>
         </p:txBody>
       </p:sp>
@@ -1347,10 +1335,9 @@
           <a:lstStyle/>
           <a:p>
             <a:r>
-              <a:rPr lang="ko-KR" altLang="en-US" smtClean="0"/>
+              <a:rPr lang="ko-KR" altLang="en-US"/>
               <a:t>마스터 제목 스타일 편집</a:t>
             </a:r>
-            <a:endParaRPr lang="ko-KR" altLang="en-US"/>
           </a:p>
         </p:txBody>
       </p:sp>
@@ -1413,7 +1400,7 @@
           <a:p>
             <a:pPr lvl="0"/>
             <a:r>
-              <a:rPr lang="ko-KR" altLang="en-US" smtClean="0"/>
+              <a:rPr lang="ko-KR" altLang="en-US"/>
               <a:t>마스터 텍스트 스타일 편집</a:t>
             </a:r>
           </a:p>
@@ -1441,38 +1428,37 @@
           <a:p>
             <a:pPr lvl="0"/>
             <a:r>
-              <a:rPr lang="ko-KR" altLang="en-US" smtClean="0"/>
+              <a:rPr lang="ko-KR" altLang="en-US"/>
               <a:t>마스터 텍스트 스타일 편집</a:t>
             </a:r>
           </a:p>
           <a:p>
             <a:pPr lvl="1"/>
             <a:r>
-              <a:rPr lang="ko-KR" altLang="en-US" smtClean="0"/>
+              <a:rPr lang="ko-KR" altLang="en-US"/>
               <a:t>둘째 수준</a:t>
             </a:r>
           </a:p>
           <a:p>
             <a:pPr lvl="2"/>
             <a:r>
-              <a:rPr lang="ko-KR" altLang="en-US" smtClean="0"/>
+              <a:rPr lang="ko-KR" altLang="en-US"/>
               <a:t>셋째 수준</a:t>
             </a:r>
           </a:p>
           <a:p>
             <a:pPr lvl="3"/>
             <a:r>
-              <a:rPr lang="ko-KR" altLang="en-US" smtClean="0"/>
+              <a:rPr lang="ko-KR" altLang="en-US"/>
               <a:t>넷째 수준</a:t>
             </a:r>
           </a:p>
           <a:p>
             <a:pPr lvl="4"/>
             <a:r>
-              <a:rPr lang="ko-KR" altLang="en-US" smtClean="0"/>
+              <a:rPr lang="ko-KR" altLang="en-US"/>
               <a:t>다섯째 수준</a:t>
             </a:r>
-            <a:endParaRPr lang="ko-KR" altLang="en-US"/>
           </a:p>
         </p:txBody>
       </p:sp>
@@ -1535,7 +1521,7 @@
           <a:p>
             <a:pPr lvl="0"/>
             <a:r>
-              <a:rPr lang="ko-KR" altLang="en-US" smtClean="0"/>
+              <a:rPr lang="ko-KR" altLang="en-US"/>
               <a:t>마스터 텍스트 스타일 편집</a:t>
             </a:r>
           </a:p>
@@ -1563,38 +1549,37 @@
           <a:p>
             <a:pPr lvl="0"/>
             <a:r>
-              <a:rPr lang="ko-KR" altLang="en-US" smtClean="0"/>
+              <a:rPr lang="ko-KR" altLang="en-US"/>
               <a:t>마스터 텍스트 스타일 편집</a:t>
             </a:r>
           </a:p>
           <a:p>
             <a:pPr lvl="1"/>
             <a:r>
-              <a:rPr lang="ko-KR" altLang="en-US" smtClean="0"/>
+              <a:rPr lang="ko-KR" altLang="en-US"/>
               <a:t>둘째 수준</a:t>
             </a:r>
           </a:p>
           <a:p>
             <a:pPr lvl="2"/>
             <a:r>
-              <a:rPr lang="ko-KR" altLang="en-US" smtClean="0"/>
+              <a:rPr lang="ko-KR" altLang="en-US"/>
               <a:t>셋째 수준</a:t>
             </a:r>
           </a:p>
           <a:p>
             <a:pPr lvl="3"/>
             <a:r>
-              <a:rPr lang="ko-KR" altLang="en-US" smtClean="0"/>
+              <a:rPr lang="ko-KR" altLang="en-US"/>
               <a:t>넷째 수준</a:t>
             </a:r>
           </a:p>
           <a:p>
             <a:pPr lvl="4"/>
             <a:r>
-              <a:rPr lang="ko-KR" altLang="en-US" smtClean="0"/>
+              <a:rPr lang="ko-KR" altLang="en-US"/>
               <a:t>다섯째 수준</a:t>
             </a:r>
-            <a:endParaRPr lang="ko-KR" altLang="en-US"/>
           </a:p>
         </p:txBody>
       </p:sp>
@@ -1709,10 +1694,9 @@
           <a:lstStyle/>
           <a:p>
             <a:r>
-              <a:rPr lang="ko-KR" altLang="en-US" smtClean="0"/>
+              <a:rPr lang="ko-KR" altLang="en-US"/>
               <a:t>마스터 제목 스타일 편집</a:t>
             </a:r>
-            <a:endParaRPr lang="ko-KR" altLang="en-US"/>
           </a:p>
         </p:txBody>
       </p:sp>
@@ -1931,10 +1915,9 @@
           </a:lstStyle>
           <a:p>
             <a:r>
-              <a:rPr lang="ko-KR" altLang="en-US" smtClean="0"/>
+              <a:rPr lang="ko-KR" altLang="en-US"/>
               <a:t>마스터 제목 스타일 편집</a:t>
             </a:r>
-            <a:endParaRPr lang="ko-KR" altLang="en-US"/>
           </a:p>
         </p:txBody>
       </p:sp>
@@ -1988,38 +1971,37 @@
           <a:p>
             <a:pPr lvl="0"/>
             <a:r>
-              <a:rPr lang="ko-KR" altLang="en-US" smtClean="0"/>
+              <a:rPr lang="ko-KR" altLang="en-US"/>
               <a:t>마스터 텍스트 스타일 편집</a:t>
             </a:r>
           </a:p>
           <a:p>
             <a:pPr lvl="1"/>
             <a:r>
-              <a:rPr lang="ko-KR" altLang="en-US" smtClean="0"/>
+              <a:rPr lang="ko-KR" altLang="en-US"/>
               <a:t>둘째 수준</a:t>
             </a:r>
           </a:p>
           <a:p>
             <a:pPr lvl="2"/>
             <a:r>
-              <a:rPr lang="ko-KR" altLang="en-US" smtClean="0"/>
+              <a:rPr lang="ko-KR" altLang="en-US"/>
               <a:t>셋째 수준</a:t>
             </a:r>
           </a:p>
           <a:p>
             <a:pPr lvl="3"/>
             <a:r>
-              <a:rPr lang="ko-KR" altLang="en-US" smtClean="0"/>
+              <a:rPr lang="ko-KR" altLang="en-US"/>
               <a:t>넷째 수준</a:t>
             </a:r>
           </a:p>
           <a:p>
             <a:pPr lvl="4"/>
             <a:r>
-              <a:rPr lang="ko-KR" altLang="en-US" smtClean="0"/>
+              <a:rPr lang="ko-KR" altLang="en-US"/>
               <a:t>다섯째 수준</a:t>
             </a:r>
-            <a:endParaRPr lang="ko-KR" altLang="en-US"/>
           </a:p>
         </p:txBody>
       </p:sp>
@@ -2082,7 +2064,7 @@
           <a:p>
             <a:pPr lvl="0"/>
             <a:r>
-              <a:rPr lang="ko-KR" altLang="en-US" smtClean="0"/>
+              <a:rPr lang="ko-KR" altLang="en-US"/>
               <a:t>마스터 텍스트 스타일 편집</a:t>
             </a:r>
           </a:p>
@@ -2208,10 +2190,9 @@
           </a:lstStyle>
           <a:p>
             <a:r>
-              <a:rPr lang="ko-KR" altLang="en-US" smtClean="0"/>
+              <a:rPr lang="ko-KR" altLang="en-US"/>
               <a:t>마스터 제목 스타일 편집</a:t>
             </a:r>
-            <a:endParaRPr lang="ko-KR" altLang="en-US"/>
           </a:p>
         </p:txBody>
       </p:sp>
@@ -2335,7 +2316,7 @@
           <a:p>
             <a:pPr lvl="0"/>
             <a:r>
-              <a:rPr lang="ko-KR" altLang="en-US" smtClean="0"/>
+              <a:rPr lang="ko-KR" altLang="en-US"/>
               <a:t>마스터 텍스트 스타일 편집</a:t>
             </a:r>
           </a:p>
@@ -2467,10 +2448,9 @@
           <a:lstStyle/>
           <a:p>
             <a:r>
-              <a:rPr lang="ko-KR" altLang="en-US" smtClean="0"/>
+              <a:rPr lang="ko-KR" altLang="en-US"/>
               <a:t>마스터 제목 스타일 편집</a:t>
             </a:r>
-            <a:endParaRPr lang="ko-KR" altLang="en-US"/>
           </a:p>
         </p:txBody>
       </p:sp>
@@ -2501,38 +2481,37 @@
           <a:p>
             <a:pPr lvl="0"/>
             <a:r>
-              <a:rPr lang="ko-KR" altLang="en-US" smtClean="0"/>
+              <a:rPr lang="ko-KR" altLang="en-US"/>
               <a:t>마스터 텍스트 스타일 편집</a:t>
             </a:r>
           </a:p>
           <a:p>
             <a:pPr lvl="1"/>
             <a:r>
-              <a:rPr lang="ko-KR" altLang="en-US" smtClean="0"/>
+              <a:rPr lang="ko-KR" altLang="en-US"/>
               <a:t>둘째 수준</a:t>
             </a:r>
           </a:p>
           <a:p>
             <a:pPr lvl="2"/>
             <a:r>
-              <a:rPr lang="ko-KR" altLang="en-US" smtClean="0"/>
+              <a:rPr lang="ko-KR" altLang="en-US"/>
               <a:t>셋째 수준</a:t>
             </a:r>
           </a:p>
           <a:p>
             <a:pPr lvl="3"/>
             <a:r>
-              <a:rPr lang="ko-KR" altLang="en-US" smtClean="0"/>
+              <a:rPr lang="ko-KR" altLang="en-US"/>
               <a:t>넷째 수준</a:t>
             </a:r>
           </a:p>
           <a:p>
             <a:pPr lvl="4"/>
             <a:r>
-              <a:rPr lang="ko-KR" altLang="en-US" smtClean="0"/>
+              <a:rPr lang="ko-KR" altLang="en-US"/>
               <a:t>다섯째 수준</a:t>
             </a:r>
-            <a:endParaRPr lang="ko-KR" altLang="en-US"/>
           </a:p>
         </p:txBody>
       </p:sp>
@@ -3000,7 +2979,7 @@
           <a:p>
             <a:pPr algn="ctr"/>
             <a:r>
-              <a:rPr lang="en-US" altLang="ko-KR" sz="4000" b="1" dirty="0" err="1" smtClean="0"/>
+              <a:rPr lang="en-US" altLang="ko-KR" sz="4000" b="1" dirty="0" err="1"/>
               <a:t>GeoStrike</a:t>
             </a:r>
             <a:endParaRPr lang="ko-KR" altLang="en-US" sz="4000" b="1" dirty="0"/>
@@ -3217,7 +3196,7 @@
           <a:p>
             <a:pPr algn="ctr"/>
             <a:r>
-              <a:rPr lang="en-US" altLang="ko-KR" sz="4400" b="1" dirty="0" smtClean="0"/>
+              <a:rPr lang="en-US" altLang="ko-KR" sz="4400" b="1" dirty="0"/>
               <a:t>UI</a:t>
             </a:r>
           </a:p>
@@ -3233,13 +3212,6 @@
   <p:clrMapOvr>
     <a:masterClrMapping/>
   </p:clrMapOvr>
-  <p:timing>
-    <p:tnLst>
-      <p:par>
-        <p:cTn id="1" dur="indefinite" restart="never" nodeType="tmRoot"/>
-      </p:par>
-    </p:tnLst>
-  </p:timing>
 </p:sld>
 </file>
 
@@ -3297,10 +3269,9 @@
           <a:p>
             <a:pPr algn="ctr"/>
             <a:r>
-              <a:rPr lang="ko-KR" altLang="en-US" dirty="0" smtClean="0"/>
+              <a:rPr lang="ko-KR" altLang="en-US" dirty="0"/>
               <a:t>특수능력</a:t>
             </a:r>
-            <a:endParaRPr lang="ko-KR" altLang="en-US" dirty="0"/>
           </a:p>
         </p:txBody>
       </p:sp>
@@ -3341,9 +3312,21 @@
           <a:p>
             <a:pPr algn="ctr"/>
             <a:r>
-              <a:rPr lang="ko-KR" altLang="en-US" dirty="0" err="1" smtClean="0"/>
+              <a:rPr lang="ko-KR" altLang="en-US" dirty="0" err="1"/>
               <a:t>미니맵</a:t>
             </a:r>
+            <a:endParaRPr lang="en-US" altLang="ko-KR" dirty="0"/>
+          </a:p>
+          <a:p>
+            <a:pPr algn="ctr"/>
+            <a:endParaRPr lang="en-US" altLang="ko-KR" dirty="0"/>
+          </a:p>
+          <a:p>
+            <a:pPr algn="ctr"/>
+            <a:endParaRPr lang="en-US" altLang="ko-KR" dirty="0"/>
+          </a:p>
+          <a:p>
+            <a:pPr algn="ctr"/>
             <a:endParaRPr lang="ko-KR" altLang="en-US" dirty="0"/>
           </a:p>
         </p:txBody>
@@ -3385,9 +3368,21 @@
           <a:p>
             <a:pPr algn="ctr"/>
             <a:r>
-              <a:rPr lang="ko-KR" altLang="en-US" dirty="0" err="1" smtClean="0"/>
+              <a:rPr lang="ko-KR" altLang="en-US" dirty="0" err="1"/>
               <a:t>정보창</a:t>
             </a:r>
+            <a:endParaRPr lang="en-US" altLang="ko-KR" dirty="0"/>
+          </a:p>
+          <a:p>
+            <a:pPr algn="ctr"/>
+            <a:endParaRPr lang="en-US" altLang="ko-KR" dirty="0"/>
+          </a:p>
+          <a:p>
+            <a:pPr algn="ctr"/>
+            <a:endParaRPr lang="en-US" altLang="ko-KR" dirty="0"/>
+          </a:p>
+          <a:p>
+            <a:pPr algn="ctr"/>
             <a:endParaRPr lang="ko-KR" altLang="en-US" dirty="0"/>
           </a:p>
         </p:txBody>
@@ -3429,9 +3424,21 @@
           <a:p>
             <a:pPr algn="ctr"/>
             <a:r>
-              <a:rPr lang="ko-KR" altLang="en-US" dirty="0" err="1" smtClean="0"/>
+              <a:rPr lang="ko-KR" altLang="en-US" dirty="0" err="1"/>
               <a:t>생산창</a:t>
             </a:r>
+            <a:endParaRPr lang="en-US" altLang="ko-KR" dirty="0"/>
+          </a:p>
+          <a:p>
+            <a:pPr algn="ctr"/>
+            <a:endParaRPr lang="en-US" altLang="ko-KR" dirty="0"/>
+          </a:p>
+          <a:p>
+            <a:pPr algn="ctr"/>
+            <a:endParaRPr lang="en-US" altLang="ko-KR" dirty="0"/>
+          </a:p>
+          <a:p>
+            <a:pPr algn="ctr"/>
             <a:endParaRPr lang="ko-KR" altLang="en-US" dirty="0"/>
           </a:p>
         </p:txBody>
@@ -3473,7 +3480,7 @@
           <a:p>
             <a:pPr algn="ctr"/>
             <a:r>
-              <a:rPr lang="ko-KR" altLang="en-US" dirty="0" err="1" smtClean="0"/>
+              <a:rPr lang="ko-KR" altLang="en-US" dirty="0" err="1"/>
               <a:t>전체메뉴</a:t>
             </a:r>
             <a:endParaRPr lang="ko-KR" altLang="en-US" dirty="0"/>
@@ -3517,10 +3524,9 @@
           <a:p>
             <a:pPr algn="ctr"/>
             <a:r>
-              <a:rPr lang="ko-KR" altLang="en-US" dirty="0" smtClean="0"/>
+              <a:rPr lang="ko-KR" altLang="en-US" dirty="0"/>
               <a:t>자원</a:t>
             </a:r>
-            <a:endParaRPr lang="ko-KR" altLang="en-US" dirty="0"/>
           </a:p>
         </p:txBody>
       </p:sp>
@@ -3561,48 +3567,372 @@
           <a:p>
             <a:pPr algn="ctr"/>
             <a:r>
-              <a:rPr lang="ko-KR" altLang="en-US" dirty="0" smtClean="0"/>
+              <a:rPr lang="ko-KR" altLang="en-US" dirty="0"/>
               <a:t>시간</a:t>
             </a:r>
-            <a:endParaRPr lang="ko-KR" altLang="en-US" dirty="0"/>
           </a:p>
         </p:txBody>
       </p:sp>
-      <p:cxnSp>
-        <p:nvCxnSpPr>
-          <p:cNvPr id="8" name="직선 연결선 7"/>
-          <p:cNvCxnSpPr/>
+      <p:sp>
+        <p:nvSpPr>
+          <p:cNvPr id="11" name="TextBox 10">
+            <a:extLst>
+              <a:ext uri="{FF2B5EF4-FFF2-40B4-BE49-F238E27FC236}">
+                <a16:creationId xmlns:a16="http://schemas.microsoft.com/office/drawing/2014/main" id="{53BBF0C0-0C52-4A7F-9E0C-6DBB19F8CD32}"/>
+              </a:ext>
+            </a:extLst>
+          </p:cNvPr>
+          <p:cNvSpPr txBox="1"/>
           <p:nvPr/>
-        </p:nvCxnSpPr>
+        </p:nvSpPr>
         <p:spPr>
-          <a:xfrm flipV="1">
-            <a:off x="8969432" y="4272742"/>
-            <a:ext cx="0" cy="2369126"/>
+          <a:xfrm>
+            <a:off x="562692" y="5473655"/>
+            <a:ext cx="1576251" cy="523220"/>
           </a:xfrm>
-          <a:prstGeom prst="line">
+          <a:prstGeom prst="rect">
             <a:avLst/>
           </a:prstGeom>
-          <a:ln>
-            <a:solidFill>
-              <a:srgbClr val="FF0000"/>
-            </a:solidFill>
-          </a:ln>
+          <a:solidFill>
+            <a:schemeClr val="bg1"/>
+          </a:solidFill>
+        </p:spPr>
+        <p:txBody>
+          <a:bodyPr wrap="square" rtlCol="0">
+            <a:spAutoFit/>
+          </a:bodyPr>
+          <a:lstStyle/>
+          <a:p>
+            <a:r>
+              <a:rPr lang="ko-KR" altLang="en-US" sz="1400" dirty="0" err="1"/>
+              <a:t>미니맵</a:t>
+            </a:r>
+            <a:r>
+              <a:rPr lang="ko-KR" altLang="en-US" sz="1400" dirty="0"/>
+              <a:t> 클릭으로 카메라 이동</a:t>
+            </a:r>
+          </a:p>
+        </p:txBody>
+      </p:sp>
+      <p:sp>
+        <p:nvSpPr>
+          <p:cNvPr id="13" name="TextBox 12">
+            <a:extLst>
+              <a:ext uri="{FF2B5EF4-FFF2-40B4-BE49-F238E27FC236}">
+                <a16:creationId xmlns:a16="http://schemas.microsoft.com/office/drawing/2014/main" id="{36854669-7C38-429F-93A1-CB6E17AC4D5C}"/>
+              </a:ext>
+            </a:extLst>
+          </p:cNvPr>
+          <p:cNvSpPr txBox="1"/>
+          <p:nvPr/>
+        </p:nvSpPr>
+        <p:spPr>
+          <a:xfrm>
+            <a:off x="4907279" y="5473655"/>
+            <a:ext cx="2452255" cy="523220"/>
+          </a:xfrm>
+          <a:prstGeom prst="rect">
+            <a:avLst/>
+          </a:prstGeom>
+          <a:solidFill>
+            <a:schemeClr val="bg1"/>
+          </a:solidFill>
+        </p:spPr>
+        <p:txBody>
+          <a:bodyPr wrap="square" rtlCol="0">
+            <a:spAutoFit/>
+          </a:bodyPr>
+          <a:lstStyle/>
+          <a:p>
+            <a:r>
+              <a:rPr lang="ko-KR" altLang="en-US" sz="1400" dirty="0"/>
+              <a:t>유닛 및 건물의 상태</a:t>
+            </a:r>
+            <a:r>
+              <a:rPr lang="en-US" altLang="ko-KR" sz="1400" dirty="0"/>
+              <a:t>, </a:t>
+            </a:r>
+            <a:r>
+              <a:rPr lang="ko-KR" altLang="en-US" sz="1400" dirty="0"/>
+              <a:t>정보를</a:t>
+            </a:r>
+            <a:endParaRPr lang="en-US" altLang="ko-KR" sz="1400" dirty="0"/>
+          </a:p>
+          <a:p>
+            <a:r>
+              <a:rPr lang="ko-KR" altLang="en-US" sz="1400" dirty="0"/>
+              <a:t>확인 할 수 있는 창 </a:t>
+            </a:r>
+          </a:p>
+        </p:txBody>
+      </p:sp>
+      <p:sp>
+        <p:nvSpPr>
+          <p:cNvPr id="14" name="TextBox 13">
+            <a:extLst>
+              <a:ext uri="{FF2B5EF4-FFF2-40B4-BE49-F238E27FC236}">
+                <a16:creationId xmlns:a16="http://schemas.microsoft.com/office/drawing/2014/main" id="{638A95A0-0B4B-4A51-A8A0-FAA6337B3FE6}"/>
+              </a:ext>
+            </a:extLst>
+          </p:cNvPr>
+          <p:cNvSpPr txBox="1"/>
+          <p:nvPr/>
+        </p:nvSpPr>
+        <p:spPr>
+          <a:xfrm>
+            <a:off x="9936480" y="5473655"/>
+            <a:ext cx="2031076" cy="523220"/>
+          </a:xfrm>
+          <a:prstGeom prst="rect">
+            <a:avLst/>
+          </a:prstGeom>
+          <a:solidFill>
+            <a:schemeClr val="bg1"/>
+          </a:solidFill>
+        </p:spPr>
+        <p:txBody>
+          <a:bodyPr wrap="square" rtlCol="0">
+            <a:spAutoFit/>
+          </a:bodyPr>
+          <a:lstStyle/>
+          <a:p>
+            <a:r>
+              <a:rPr lang="ko-KR" altLang="en-US" sz="1400" dirty="0"/>
+              <a:t>건물 생산 버튼 창</a:t>
+            </a:r>
+            <a:endParaRPr lang="en-US" altLang="ko-KR" sz="1400" dirty="0"/>
+          </a:p>
+          <a:p>
+            <a:r>
+              <a:rPr lang="ko-KR" altLang="en-US" sz="1400" dirty="0"/>
+              <a:t>→ 단축키 활용 가능</a:t>
+            </a:r>
+          </a:p>
+        </p:txBody>
+      </p:sp>
+      <p:sp>
+        <p:nvSpPr>
+          <p:cNvPr id="17" name="설명선: 선 16">
+            <a:extLst>
+              <a:ext uri="{FF2B5EF4-FFF2-40B4-BE49-F238E27FC236}">
+                <a16:creationId xmlns:a16="http://schemas.microsoft.com/office/drawing/2014/main" id="{1FC45C55-B9D8-4CD5-BC58-B5C281A585D5}"/>
+              </a:ext>
+            </a:extLst>
+          </p:cNvPr>
+          <p:cNvSpPr/>
+          <p:nvPr/>
+        </p:nvSpPr>
+        <p:spPr>
+          <a:xfrm flipH="1">
+            <a:off x="8307977" y="3188623"/>
+            <a:ext cx="1853884" cy="480754"/>
+          </a:xfrm>
+          <a:prstGeom prst="borderCallout1">
+            <a:avLst>
+              <a:gd name="adj1" fmla="val 67659"/>
+              <a:gd name="adj2" fmla="val -12561"/>
+              <a:gd name="adj3" fmla="val 112500"/>
+              <a:gd name="adj4" fmla="val -38333"/>
+            </a:avLst>
+          </a:prstGeom>
+          <a:solidFill>
+            <a:schemeClr val="bg1"/>
+          </a:solidFill>
         </p:spPr>
         <p:style>
-          <a:lnRef idx="1">
-            <a:schemeClr val="accent1"/>
+          <a:lnRef idx="2">
+            <a:schemeClr val="accent1">
+              <a:shade val="50000"/>
+            </a:schemeClr>
           </a:lnRef>
-          <a:fillRef idx="0">
+          <a:fillRef idx="1">
             <a:schemeClr val="accent1"/>
           </a:fillRef>
           <a:effectRef idx="0">
             <a:schemeClr val="accent1"/>
           </a:effectRef>
           <a:fontRef idx="minor">
-            <a:schemeClr val="tx1"/>
+            <a:schemeClr val="lt1"/>
           </a:fontRef>
         </p:style>
-      </p:cxnSp>
+        <p:txBody>
+          <a:bodyPr rtlCol="0" anchor="ctr"/>
+          <a:lstStyle/>
+          <a:p>
+            <a:pPr algn="ctr"/>
+            <a:r>
+              <a:rPr lang="ko-KR" altLang="en-US" sz="1400" dirty="0">
+                <a:solidFill>
+                  <a:schemeClr val="tx1"/>
+                </a:solidFill>
+              </a:rPr>
+              <a:t>월드 시간 및 </a:t>
+            </a:r>
+            <a:endParaRPr lang="en-US" altLang="ko-KR" sz="1400" dirty="0">
+              <a:solidFill>
+                <a:schemeClr val="tx1"/>
+              </a:solidFill>
+            </a:endParaRPr>
+          </a:p>
+          <a:p>
+            <a:pPr algn="ctr"/>
+            <a:r>
+              <a:rPr lang="ko-KR" altLang="en-US" sz="1400" dirty="0">
+                <a:solidFill>
+                  <a:schemeClr val="tx1"/>
+                </a:solidFill>
+              </a:rPr>
+              <a:t>유닛 소환 대기 시간</a:t>
+            </a:r>
+          </a:p>
+        </p:txBody>
+      </p:sp>
+      <p:sp>
+        <p:nvSpPr>
+          <p:cNvPr id="18" name="설명선: 선 17">
+            <a:extLst>
+              <a:ext uri="{FF2B5EF4-FFF2-40B4-BE49-F238E27FC236}">
+                <a16:creationId xmlns:a16="http://schemas.microsoft.com/office/drawing/2014/main" id="{855BCF0A-FBE3-4312-BFE3-FD978CAB8414}"/>
+              </a:ext>
+            </a:extLst>
+          </p:cNvPr>
+          <p:cNvSpPr/>
+          <p:nvPr/>
+        </p:nvSpPr>
+        <p:spPr>
+          <a:xfrm flipH="1">
+            <a:off x="8082266" y="206191"/>
+            <a:ext cx="2177934" cy="480754"/>
+          </a:xfrm>
+          <a:prstGeom prst="borderCallout1">
+            <a:avLst>
+              <a:gd name="adj1" fmla="val 65847"/>
+              <a:gd name="adj2" fmla="val -5763"/>
+              <a:gd name="adj3" fmla="val 29174"/>
+              <a:gd name="adj4" fmla="val -23929"/>
+            </a:avLst>
+          </a:prstGeom>
+          <a:solidFill>
+            <a:schemeClr val="bg1"/>
+          </a:solidFill>
+        </p:spPr>
+        <p:style>
+          <a:lnRef idx="2">
+            <a:schemeClr val="accent1">
+              <a:shade val="50000"/>
+            </a:schemeClr>
+          </a:lnRef>
+          <a:fillRef idx="1">
+            <a:schemeClr val="accent1"/>
+          </a:fillRef>
+          <a:effectRef idx="0">
+            <a:schemeClr val="accent1"/>
+          </a:effectRef>
+          <a:fontRef idx="minor">
+            <a:schemeClr val="lt1"/>
+          </a:fontRef>
+        </p:style>
+        <p:txBody>
+          <a:bodyPr rtlCol="0" anchor="ctr"/>
+          <a:lstStyle/>
+          <a:p>
+            <a:pPr algn="ctr"/>
+            <a:r>
+              <a:rPr lang="en-US" altLang="ko-KR" sz="1400" dirty="0">
+                <a:solidFill>
+                  <a:schemeClr val="tx1"/>
+                </a:solidFill>
+              </a:rPr>
+              <a:t>Player </a:t>
+            </a:r>
+            <a:r>
+              <a:rPr lang="ko-KR" altLang="en-US" sz="1400" dirty="0">
+                <a:solidFill>
+                  <a:schemeClr val="tx1"/>
+                </a:solidFill>
+              </a:rPr>
+              <a:t>현재 자원 보유량 </a:t>
+            </a:r>
+          </a:p>
+        </p:txBody>
+      </p:sp>
+      <p:sp>
+        <p:nvSpPr>
+          <p:cNvPr id="19" name="설명선: 선 18">
+            <a:extLst>
+              <a:ext uri="{FF2B5EF4-FFF2-40B4-BE49-F238E27FC236}">
+                <a16:creationId xmlns:a16="http://schemas.microsoft.com/office/drawing/2014/main" id="{74B81D8E-86D2-437D-B57D-873BBE58F077}"/>
+              </a:ext>
+            </a:extLst>
+          </p:cNvPr>
+          <p:cNvSpPr/>
+          <p:nvPr/>
+        </p:nvSpPr>
+        <p:spPr>
+          <a:xfrm flipH="1">
+            <a:off x="1940987" y="335676"/>
+            <a:ext cx="2177934" cy="480754"/>
+          </a:xfrm>
+          <a:prstGeom prst="borderCallout1">
+            <a:avLst>
+              <a:gd name="adj1" fmla="val 65847"/>
+              <a:gd name="adj2" fmla="val -5763"/>
+              <a:gd name="adj3" fmla="val 29174"/>
+              <a:gd name="adj4" fmla="val -23929"/>
+            </a:avLst>
+          </a:prstGeom>
+          <a:solidFill>
+            <a:schemeClr val="bg1"/>
+          </a:solidFill>
+        </p:spPr>
+        <p:style>
+          <a:lnRef idx="2">
+            <a:schemeClr val="accent1">
+              <a:shade val="50000"/>
+            </a:schemeClr>
+          </a:lnRef>
+          <a:fillRef idx="1">
+            <a:schemeClr val="accent1"/>
+          </a:fillRef>
+          <a:effectRef idx="0">
+            <a:schemeClr val="accent1"/>
+          </a:effectRef>
+          <a:fontRef idx="minor">
+            <a:schemeClr val="lt1"/>
+          </a:fontRef>
+        </p:style>
+        <p:txBody>
+          <a:bodyPr rtlCol="0" anchor="ctr"/>
+          <a:lstStyle/>
+          <a:p>
+            <a:pPr algn="ctr"/>
+            <a:r>
+              <a:rPr lang="ko-KR" altLang="en-US" sz="1400" dirty="0">
+                <a:solidFill>
+                  <a:schemeClr val="tx1"/>
+                </a:solidFill>
+              </a:rPr>
+              <a:t>각 </a:t>
+            </a:r>
+            <a:r>
+              <a:rPr lang="en-US" altLang="ko-KR" sz="1400" dirty="0">
+                <a:solidFill>
+                  <a:schemeClr val="tx1"/>
+                </a:solidFill>
+              </a:rPr>
+              <a:t>Player </a:t>
+            </a:r>
+            <a:r>
+              <a:rPr lang="ko-KR" altLang="en-US" sz="1400" dirty="0">
+                <a:solidFill>
+                  <a:schemeClr val="tx1"/>
+                </a:solidFill>
+              </a:rPr>
+              <a:t>고유 능력</a:t>
+            </a:r>
+          </a:p>
+        </p:txBody>
+      </p:sp>
     </p:spTree>
     <p:extLst>
       <p:ext uri="{BB962C8B-B14F-4D97-AF65-F5344CB8AC3E}">
@@ -3613,13 +3943,6 @@
   <p:clrMapOvr>
     <a:masterClrMapping/>
   </p:clrMapOvr>
-  <p:timing>
-    <p:tnLst>
-      <p:par>
-        <p:cTn id="1" dur="indefinite" restart="never" nodeType="tmRoot"/>
-      </p:par>
-    </p:tnLst>
-  </p:timing>
 </p:sld>
 </file>
 
@@ -3664,7 +3987,7 @@
           <a:p>
             <a:pPr algn="ctr"/>
             <a:r>
-              <a:rPr lang="en-US" altLang="ko-KR" sz="4400" b="1" dirty="0" smtClean="0"/>
+              <a:rPr lang="en-US" altLang="ko-KR" sz="4400" b="1" dirty="0"/>
               <a:t>Main Game</a:t>
             </a:r>
           </a:p>
@@ -3680,13 +4003,6 @@
   <p:clrMapOvr>
     <a:masterClrMapping/>
   </p:clrMapOvr>
-  <p:timing>
-    <p:tnLst>
-      <p:par>
-        <p:cTn id="1" dur="indefinite" restart="never" nodeType="tmRoot"/>
-      </p:par>
-    </p:tnLst>
-  </p:timing>
 </p:sld>
 </file>
 
@@ -3793,10 +4109,9 @@
           <a:p>
             <a:pPr algn="ctr"/>
             <a:r>
-              <a:rPr lang="ko-KR" altLang="en-US" smtClean="0"/>
+              <a:rPr lang="ko-KR" altLang="en-US"/>
               <a:t>자원건물</a:t>
             </a:r>
-            <a:endParaRPr lang="ko-KR" altLang="en-US"/>
           </a:p>
         </p:txBody>
       </p:sp>
@@ -3840,10 +4155,10 @@
           <a:p>
             <a:pPr algn="ctr"/>
             <a:r>
-              <a:rPr lang="ko-KR" altLang="en-US" dirty="0" err="1" smtClean="0"/>
+              <a:rPr lang="ko-KR" altLang="en-US" dirty="0" err="1"/>
               <a:t>자원건물</a:t>
             </a:r>
-            <a:endParaRPr lang="en-US" altLang="ko-KR" dirty="0" smtClean="0"/>
+            <a:endParaRPr lang="en-US" altLang="ko-KR" dirty="0"/>
           </a:p>
         </p:txBody>
       </p:sp>
@@ -3884,10 +4199,9 @@
           <a:p>
             <a:pPr algn="ctr"/>
             <a:r>
-              <a:rPr lang="ko-KR" altLang="en-US" dirty="0" smtClean="0"/>
+              <a:rPr lang="ko-KR" altLang="en-US" dirty="0"/>
               <a:t>방어탑</a:t>
             </a:r>
-            <a:endParaRPr lang="ko-KR" altLang="en-US" dirty="0"/>
           </a:p>
         </p:txBody>
       </p:sp>
@@ -3928,10 +4242,9 @@
           <a:p>
             <a:pPr algn="ctr"/>
             <a:r>
-              <a:rPr lang="ko-KR" altLang="en-US" dirty="0" smtClean="0"/>
+              <a:rPr lang="ko-KR" altLang="en-US" dirty="0"/>
               <a:t>넥서스</a:t>
             </a:r>
-            <a:endParaRPr lang="ko-KR" altLang="en-US" dirty="0"/>
           </a:p>
         </p:txBody>
       </p:sp>
@@ -3978,10 +4291,9 @@
           <a:p>
             <a:pPr algn="ctr"/>
             <a:r>
-              <a:rPr lang="ko-KR" altLang="en-US" dirty="0" smtClean="0"/>
+              <a:rPr lang="ko-KR" altLang="en-US" dirty="0"/>
               <a:t>방어탑</a:t>
             </a:r>
-            <a:endParaRPr lang="ko-KR" altLang="en-US" dirty="0"/>
           </a:p>
         </p:txBody>
       </p:sp>
@@ -4028,10 +4340,9 @@
           <a:p>
             <a:pPr algn="ctr"/>
             <a:r>
-              <a:rPr lang="ko-KR" altLang="en-US" dirty="0" smtClean="0"/>
+              <a:rPr lang="ko-KR" altLang="en-US" dirty="0"/>
               <a:t>넥서스</a:t>
             </a:r>
-            <a:endParaRPr lang="ko-KR" altLang="en-US" dirty="0"/>
           </a:p>
         </p:txBody>
       </p:sp>
@@ -4072,10 +4383,9 @@
           <a:p>
             <a:pPr algn="ctr"/>
             <a:r>
-              <a:rPr lang="ko-KR" altLang="en-US" dirty="0" smtClean="0"/>
+              <a:rPr lang="ko-KR" altLang="en-US" dirty="0"/>
               <a:t>유닛 건물</a:t>
             </a:r>
-            <a:endParaRPr lang="ko-KR" altLang="en-US" dirty="0"/>
           </a:p>
         </p:txBody>
       </p:sp>
@@ -4122,10 +4432,9 @@
           <a:p>
             <a:pPr algn="ctr"/>
             <a:r>
-              <a:rPr lang="ko-KR" altLang="en-US" dirty="0" smtClean="0"/>
+              <a:rPr lang="ko-KR" altLang="en-US" dirty="0"/>
               <a:t>유닛 건물</a:t>
             </a:r>
-            <a:endParaRPr lang="ko-KR" altLang="en-US" dirty="0"/>
           </a:p>
         </p:txBody>
       </p:sp>
@@ -4181,10 +4490,9 @@
           <a:lstStyle/>
           <a:p>
             <a:r>
-              <a:rPr lang="ko-KR" altLang="en-US" sz="3200" dirty="0" smtClean="0"/>
+              <a:rPr lang="ko-KR" altLang="en-US" sz="3200" dirty="0"/>
               <a:t>진영</a:t>
             </a:r>
-            <a:endParaRPr lang="ko-KR" altLang="en-US" sz="3200" dirty="0"/>
           </a:p>
         </p:txBody>
       </p:sp>
@@ -4211,10 +4519,9 @@
           <a:lstStyle/>
           <a:p>
             <a:r>
-              <a:rPr lang="ko-KR" altLang="en-US" sz="3200" dirty="0" smtClean="0"/>
+              <a:rPr lang="ko-KR" altLang="en-US" sz="3200" dirty="0"/>
               <a:t>진영</a:t>
             </a:r>
-            <a:endParaRPr lang="ko-KR" altLang="en-US" sz="3200" dirty="0"/>
           </a:p>
         </p:txBody>
       </p:sp>
@@ -4257,13 +4564,6 @@
   <p:clrMapOvr>
     <a:masterClrMapping/>
   </p:clrMapOvr>
-  <p:timing>
-    <p:tnLst>
-      <p:par>
-        <p:cTn id="1" dur="indefinite" restart="never" nodeType="tmRoot"/>
-      </p:par>
-    </p:tnLst>
-  </p:timing>
 </p:sld>
 </file>
 
@@ -4308,18 +4608,17 @@
           <a:p>
             <a:pPr algn="ctr"/>
             <a:r>
-              <a:rPr lang="ko-KR" altLang="en-US" sz="4000" b="1" dirty="0" smtClean="0"/>
+              <a:rPr lang="ko-KR" altLang="en-US" sz="4000" b="1" dirty="0"/>
               <a:t>시스템 기획 </a:t>
             </a:r>
             <a:r>
-              <a:rPr lang="en-US" altLang="ko-KR" sz="4000" b="1" dirty="0" smtClean="0"/>
+              <a:rPr lang="en-US" altLang="ko-KR" sz="4000" b="1" dirty="0"/>
               <a:t>- </a:t>
             </a:r>
             <a:r>
-              <a:rPr lang="ko-KR" altLang="en-US" sz="4000" b="1" dirty="0" smtClean="0"/>
+              <a:rPr lang="ko-KR" altLang="en-US" sz="4000" b="1" dirty="0"/>
               <a:t>건물</a:t>
             </a:r>
-            <a:endParaRPr lang="ko-KR" altLang="en-US" sz="4000" b="1" dirty="0"/>
           </a:p>
         </p:txBody>
       </p:sp>
@@ -15518,13 +15817,6 @@
   <p:clrMapOvr>
     <a:masterClrMapping/>
   </p:clrMapOvr>
-  <p:timing>
-    <p:tnLst>
-      <p:par>
-        <p:cTn id="1" dur="indefinite" restart="never" nodeType="tmRoot"/>
-      </p:par>
-    </p:tnLst>
-  </p:timing>
 </p:sld>
 </file>
 
@@ -15631,10 +15923,9 @@
           <a:p>
             <a:pPr algn="ctr"/>
             <a:r>
-              <a:rPr lang="ko-KR" altLang="en-US" smtClean="0"/>
+              <a:rPr lang="ko-KR" altLang="en-US"/>
               <a:t>자원건물</a:t>
             </a:r>
-            <a:endParaRPr lang="ko-KR" altLang="en-US"/>
           </a:p>
         </p:txBody>
       </p:sp>
@@ -15678,10 +15969,10 @@
           <a:p>
             <a:pPr algn="ctr"/>
             <a:r>
-              <a:rPr lang="ko-KR" altLang="en-US" dirty="0" err="1" smtClean="0"/>
+              <a:rPr lang="ko-KR" altLang="en-US" dirty="0" err="1"/>
               <a:t>자원건물</a:t>
             </a:r>
-            <a:endParaRPr lang="en-US" altLang="ko-KR" dirty="0" smtClean="0"/>
+            <a:endParaRPr lang="en-US" altLang="ko-KR" dirty="0"/>
           </a:p>
         </p:txBody>
       </p:sp>
@@ -15722,10 +16013,9 @@
           <a:p>
             <a:pPr algn="ctr"/>
             <a:r>
-              <a:rPr lang="ko-KR" altLang="en-US" dirty="0" smtClean="0"/>
+              <a:rPr lang="ko-KR" altLang="en-US" dirty="0"/>
               <a:t>방어탑</a:t>
             </a:r>
-            <a:endParaRPr lang="ko-KR" altLang="en-US" dirty="0"/>
           </a:p>
         </p:txBody>
       </p:sp>
@@ -15766,10 +16056,9 @@
           <a:p>
             <a:pPr algn="ctr"/>
             <a:r>
-              <a:rPr lang="ko-KR" altLang="en-US" dirty="0" smtClean="0"/>
+              <a:rPr lang="ko-KR" altLang="en-US" dirty="0"/>
               <a:t>넥서스</a:t>
             </a:r>
-            <a:endParaRPr lang="ko-KR" altLang="en-US" dirty="0"/>
           </a:p>
         </p:txBody>
       </p:sp>
@@ -15816,10 +16105,9 @@
           <a:p>
             <a:pPr algn="ctr"/>
             <a:r>
-              <a:rPr lang="ko-KR" altLang="en-US" dirty="0" smtClean="0"/>
+              <a:rPr lang="ko-KR" altLang="en-US" dirty="0"/>
               <a:t>방어탑</a:t>
             </a:r>
-            <a:endParaRPr lang="ko-KR" altLang="en-US" dirty="0"/>
           </a:p>
         </p:txBody>
       </p:sp>
@@ -15866,10 +16154,9 @@
           <a:p>
             <a:pPr algn="ctr"/>
             <a:r>
-              <a:rPr lang="ko-KR" altLang="en-US" dirty="0" smtClean="0"/>
+              <a:rPr lang="ko-KR" altLang="en-US" dirty="0"/>
               <a:t>넥서스</a:t>
             </a:r>
-            <a:endParaRPr lang="ko-KR" altLang="en-US" dirty="0"/>
           </a:p>
         </p:txBody>
       </p:sp>
@@ -15910,10 +16197,9 @@
           <a:p>
             <a:pPr algn="ctr"/>
             <a:r>
-              <a:rPr lang="ko-KR" altLang="en-US" dirty="0" smtClean="0"/>
+              <a:rPr lang="ko-KR" altLang="en-US" dirty="0"/>
               <a:t>유닛 건물</a:t>
             </a:r>
-            <a:endParaRPr lang="ko-KR" altLang="en-US" dirty="0"/>
           </a:p>
         </p:txBody>
       </p:sp>
@@ -15960,10 +16246,9 @@
           <a:p>
             <a:pPr algn="ctr"/>
             <a:r>
-              <a:rPr lang="ko-KR" altLang="en-US" dirty="0" smtClean="0"/>
+              <a:rPr lang="ko-KR" altLang="en-US" dirty="0"/>
               <a:t>유닛 건물</a:t>
             </a:r>
-            <a:endParaRPr lang="ko-KR" altLang="en-US" dirty="0"/>
           </a:p>
         </p:txBody>
       </p:sp>
@@ -15991,11 +16276,11 @@
           <a:p>
             <a:pPr algn="ctr"/>
             <a:r>
-              <a:rPr lang="ko-KR" altLang="en-US" dirty="0" smtClean="0"/>
+              <a:rPr lang="ko-KR" altLang="en-US" dirty="0"/>
               <a:t>유닛 </a:t>
             </a:r>
             <a:r>
-              <a:rPr lang="en-US" altLang="ko-KR" dirty="0" smtClean="0"/>
+              <a:rPr lang="en-US" altLang="ko-KR" dirty="0"/>
               <a:t>AI</a:t>
             </a:r>
             <a:endParaRPr lang="ko-KR" altLang="en-US" dirty="0"/>
@@ -16026,18 +16311,17 @@
           <a:p>
             <a:pPr algn="ctr"/>
             <a:r>
-              <a:rPr lang="ko-KR" altLang="en-US" sz="4000" b="1" dirty="0" smtClean="0"/>
+              <a:rPr lang="ko-KR" altLang="en-US" sz="4000" b="1" dirty="0"/>
               <a:t>시스템 기획 </a:t>
             </a:r>
             <a:r>
-              <a:rPr lang="en-US" altLang="ko-KR" sz="4000" b="1" dirty="0" smtClean="0"/>
+              <a:rPr lang="en-US" altLang="ko-KR" sz="4000" b="1" dirty="0"/>
               <a:t>- </a:t>
             </a:r>
             <a:r>
-              <a:rPr lang="ko-KR" altLang="en-US" sz="4000" b="1" dirty="0" smtClean="0"/>
+              <a:rPr lang="ko-KR" altLang="en-US" sz="4000" b="1" dirty="0"/>
               <a:t>유닛</a:t>
             </a:r>
-            <a:endParaRPr lang="ko-KR" altLang="en-US" sz="4000" b="1" dirty="0"/>
           </a:p>
         </p:txBody>
       </p:sp>
@@ -16086,13 +16370,6 @@
   <p:clrMapOvr>
     <a:masterClrMapping/>
   </p:clrMapOvr>
-  <p:timing>
-    <p:tnLst>
-      <p:par>
-        <p:cTn id="1" dur="indefinite" restart="never" nodeType="tmRoot"/>
-      </p:par>
-    </p:tnLst>
-  </p:timing>
 </p:sld>
 </file>
 
@@ -16137,10 +16414,10 @@
           <a:p>
             <a:pPr algn="ctr"/>
             <a:r>
-              <a:rPr lang="ko-KR" altLang="en-US" sz="4000" b="1" dirty="0" smtClean="0"/>
+              <a:rPr lang="ko-KR" altLang="en-US" sz="4000" b="1" dirty="0"/>
               <a:t>컨텐츠 기획</a:t>
             </a:r>
-            <a:endParaRPr lang="en-US" altLang="ko-KR" sz="4000" b="1" dirty="0" smtClean="0"/>
+            <a:endParaRPr lang="en-US" altLang="ko-KR" sz="4000" b="1" dirty="0"/>
           </a:p>
         </p:txBody>
       </p:sp>
@@ -16152,7 +16429,7 @@
         </p:nvCxnSpPr>
         <p:spPr>
           <a:xfrm>
-            <a:off x="4754880" y="755847"/>
+            <a:off x="4754880" y="851646"/>
             <a:ext cx="2693324" cy="0"/>
           </a:xfrm>
           <a:prstGeom prst="line">
@@ -16179,6 +16456,587 @@
           </a:fontRef>
         </p:style>
       </p:cxnSp>
+      <p:sp>
+        <p:nvSpPr>
+          <p:cNvPr id="5" name="TextBox 4">
+            <a:extLst>
+              <a:ext uri="{FF2B5EF4-FFF2-40B4-BE49-F238E27FC236}">
+                <a16:creationId xmlns:a16="http://schemas.microsoft.com/office/drawing/2014/main" id="{582B7A50-C3B0-4BC5-B159-74BD5187E2E8}"/>
+              </a:ext>
+            </a:extLst>
+          </p:cNvPr>
+          <p:cNvSpPr txBox="1"/>
+          <p:nvPr/>
+        </p:nvSpPr>
+        <p:spPr>
+          <a:xfrm>
+            <a:off x="6096000" y="1629442"/>
+            <a:ext cx="4859381" cy="3143874"/>
+          </a:xfrm>
+          <a:prstGeom prst="rect">
+            <a:avLst/>
+          </a:prstGeom>
+          <a:noFill/>
+        </p:spPr>
+        <p:txBody>
+          <a:bodyPr wrap="square" rtlCol="0">
+            <a:spAutoFit/>
+          </a:bodyPr>
+          <a:lstStyle/>
+          <a:p>
+            <a:pPr>
+              <a:lnSpc>
+                <a:spcPct val="150000"/>
+              </a:lnSpc>
+            </a:pPr>
+            <a:r>
+              <a:rPr lang="ko-KR" altLang="en-US" dirty="0"/>
+              <a:t>▼ 건물 </a:t>
+            </a:r>
+            <a:r>
+              <a:rPr lang="en-US" altLang="ko-KR" dirty="0"/>
+              <a:t>:</a:t>
+            </a:r>
+          </a:p>
+          <a:p>
+            <a:pPr>
+              <a:lnSpc>
+                <a:spcPct val="150000"/>
+              </a:lnSpc>
+            </a:pPr>
+            <a:r>
+              <a:rPr lang="ko-KR" altLang="en-US" sz="1400" dirty="0"/>
+              <a:t>▽ 각 건물 마다 고유 모양과 추가 효가 주어진다</a:t>
+            </a:r>
+            <a:r>
+              <a:rPr lang="en-US" altLang="ko-KR" sz="1400" dirty="0"/>
+              <a:t>.</a:t>
+            </a:r>
+          </a:p>
+          <a:p>
+            <a:pPr>
+              <a:lnSpc>
+                <a:spcPct val="150000"/>
+              </a:lnSpc>
+            </a:pPr>
+            <a:r>
+              <a:rPr lang="en-US" altLang="ko-KR" sz="1400" dirty="0"/>
+              <a:t>    - </a:t>
+            </a:r>
+            <a:r>
+              <a:rPr lang="ko-KR" altLang="en-US" sz="1400" dirty="0"/>
+              <a:t>건물 모양은 </a:t>
+            </a:r>
+            <a:r>
+              <a:rPr lang="ko-KR" altLang="en-US" sz="1400" dirty="0" err="1"/>
+              <a:t>테트리스</a:t>
+            </a:r>
+            <a:r>
+              <a:rPr lang="ko-KR" altLang="en-US" sz="1400" dirty="0"/>
+              <a:t> 모형을 따른다</a:t>
+            </a:r>
+            <a:r>
+              <a:rPr lang="en-US" altLang="ko-KR" sz="1400" dirty="0"/>
+              <a:t>.</a:t>
+            </a:r>
+          </a:p>
+          <a:p>
+            <a:pPr>
+              <a:lnSpc>
+                <a:spcPct val="150000"/>
+              </a:lnSpc>
+            </a:pPr>
+            <a:r>
+              <a:rPr lang="en-US" altLang="ko-KR" sz="1400" dirty="0"/>
+              <a:t>    - </a:t>
+            </a:r>
+            <a:r>
+              <a:rPr lang="ko-KR" altLang="en-US" sz="1400" dirty="0"/>
+              <a:t>추가 효과는 </a:t>
+            </a:r>
+            <a:r>
+              <a:rPr lang="ko-KR" altLang="en-US" sz="1400" dirty="0" err="1"/>
+              <a:t>테트리스</a:t>
+            </a:r>
+            <a:r>
+              <a:rPr lang="ko-KR" altLang="en-US" sz="1400" dirty="0"/>
+              <a:t> 한 줄 완성 시 활성화</a:t>
+            </a:r>
+            <a:r>
+              <a:rPr lang="en-US" altLang="ko-KR" sz="1400" dirty="0"/>
+              <a:t>.</a:t>
+            </a:r>
+          </a:p>
+          <a:p>
+            <a:pPr>
+              <a:lnSpc>
+                <a:spcPct val="150000"/>
+              </a:lnSpc>
+            </a:pPr>
+            <a:r>
+              <a:rPr lang="en-US" altLang="ko-KR" sz="1400" dirty="0"/>
+              <a:t>       </a:t>
+            </a:r>
+            <a:r>
+              <a:rPr lang="ko-KR" altLang="en-US" sz="1400" dirty="0"/>
+              <a:t>→ 자원 </a:t>
+            </a:r>
+            <a:r>
+              <a:rPr lang="ko-KR" altLang="en-US" sz="1400" dirty="0" err="1"/>
+              <a:t>증가량</a:t>
+            </a:r>
+            <a:r>
+              <a:rPr lang="ko-KR" altLang="en-US" sz="1400" dirty="0"/>
+              <a:t> 강화</a:t>
+            </a:r>
+            <a:r>
+              <a:rPr lang="en-US" altLang="ko-KR" sz="1400" dirty="0"/>
+              <a:t>, </a:t>
+            </a:r>
+            <a:r>
+              <a:rPr lang="ko-KR" altLang="en-US" sz="1400" dirty="0"/>
+              <a:t>유닛 강화 등</a:t>
+            </a:r>
+            <a:r>
+              <a:rPr lang="en-US" altLang="ko-KR" sz="1400" dirty="0"/>
+              <a:t>.</a:t>
+            </a:r>
+          </a:p>
+          <a:p>
+            <a:pPr>
+              <a:lnSpc>
+                <a:spcPct val="150000"/>
+              </a:lnSpc>
+            </a:pPr>
+            <a:endParaRPr lang="en-US" altLang="ko-KR" sz="400" dirty="0"/>
+          </a:p>
+          <a:p>
+            <a:pPr>
+              <a:lnSpc>
+                <a:spcPct val="150000"/>
+              </a:lnSpc>
+            </a:pPr>
+            <a:r>
+              <a:rPr lang="ko-KR" altLang="en-US" sz="1400" dirty="0"/>
+              <a:t>▽</a:t>
+            </a:r>
+            <a:r>
+              <a:rPr lang="en-US" altLang="ko-KR" sz="1400" dirty="0"/>
+              <a:t> </a:t>
+            </a:r>
+            <a:r>
+              <a:rPr lang="ko-KR" altLang="en-US" sz="1400" dirty="0"/>
+              <a:t>각 건물은 </a:t>
+            </a:r>
+            <a:r>
+              <a:rPr lang="en-US" altLang="ko-KR" sz="1400" dirty="0"/>
+              <a:t>1</a:t>
+            </a:r>
+            <a:r>
+              <a:rPr lang="ko-KR" altLang="en-US" sz="1400" dirty="0" err="1"/>
+              <a:t>티어</a:t>
+            </a:r>
+            <a:r>
+              <a:rPr lang="ko-KR" altLang="en-US" sz="1400" dirty="0"/>
+              <a:t> → </a:t>
+            </a:r>
+            <a:r>
+              <a:rPr lang="en-US" altLang="ko-KR" sz="1400" dirty="0"/>
+              <a:t>2</a:t>
+            </a:r>
+            <a:r>
+              <a:rPr lang="ko-KR" altLang="en-US" sz="1400" dirty="0" err="1"/>
+              <a:t>티어</a:t>
+            </a:r>
+            <a:r>
+              <a:rPr lang="ko-KR" altLang="en-US" sz="1400" dirty="0"/>
+              <a:t> 강화가 가능하다</a:t>
+            </a:r>
+            <a:r>
+              <a:rPr lang="en-US" altLang="ko-KR" sz="1400" dirty="0"/>
+              <a:t>.</a:t>
+            </a:r>
+          </a:p>
+          <a:p>
+            <a:pPr>
+              <a:lnSpc>
+                <a:spcPct val="150000"/>
+              </a:lnSpc>
+            </a:pPr>
+            <a:r>
+              <a:rPr lang="en-US" altLang="ko-KR" sz="1400" dirty="0"/>
+              <a:t>    - </a:t>
+            </a:r>
+            <a:r>
+              <a:rPr lang="ko-KR" altLang="en-US" sz="1400" dirty="0" err="1"/>
+              <a:t>티어</a:t>
+            </a:r>
+            <a:r>
+              <a:rPr lang="ko-KR" altLang="en-US" sz="1400" dirty="0"/>
+              <a:t> 강화 소모 값 →</a:t>
+            </a:r>
+            <a:r>
+              <a:rPr lang="en-US" altLang="ko-KR" sz="1400" dirty="0"/>
+              <a:t> </a:t>
+            </a:r>
+            <a:r>
+              <a:rPr lang="ko-KR" altLang="en-US" sz="1400" dirty="0"/>
+              <a:t>자원</a:t>
+            </a:r>
+            <a:r>
+              <a:rPr lang="en-US" altLang="ko-KR" sz="1400" dirty="0"/>
+              <a:t> </a:t>
+            </a:r>
+            <a:r>
+              <a:rPr lang="ko-KR" altLang="en-US" sz="1400" dirty="0"/>
+              <a:t>소모</a:t>
+            </a:r>
+            <a:r>
+              <a:rPr lang="en-US" altLang="ko-KR" sz="1400" dirty="0"/>
+              <a:t>, </a:t>
+            </a:r>
+            <a:r>
+              <a:rPr lang="ko-KR" altLang="en-US" sz="1400" dirty="0"/>
+              <a:t>생성 시간</a:t>
+            </a:r>
+            <a:endParaRPr lang="en-US" altLang="ko-KR" sz="1400" dirty="0"/>
+          </a:p>
+          <a:p>
+            <a:pPr>
+              <a:lnSpc>
+                <a:spcPct val="150000"/>
+              </a:lnSpc>
+            </a:pPr>
+            <a:r>
+              <a:rPr lang="en-US" altLang="ko-KR" sz="1400" dirty="0"/>
+              <a:t>    - 1</a:t>
+            </a:r>
+            <a:r>
+              <a:rPr lang="ko-KR" altLang="en-US" sz="1400" dirty="0"/>
+              <a:t>유닛</a:t>
+            </a:r>
+            <a:r>
+              <a:rPr lang="en-US" altLang="ko-KR" sz="1400" dirty="0"/>
+              <a:t>/1</a:t>
+            </a:r>
+            <a:r>
+              <a:rPr lang="ko-KR" altLang="en-US" sz="1400" dirty="0"/>
+              <a:t>건물 생산을 원칙으로 한다</a:t>
+            </a:r>
+            <a:r>
+              <a:rPr lang="en-US" altLang="ko-KR" sz="1400" dirty="0"/>
+              <a:t>.</a:t>
+            </a:r>
+          </a:p>
+          <a:p>
+            <a:pPr>
+              <a:lnSpc>
+                <a:spcPct val="150000"/>
+              </a:lnSpc>
+            </a:pPr>
+            <a:r>
+              <a:rPr lang="en-US" altLang="ko-KR" sz="1400" dirty="0"/>
+              <a:t>    -</a:t>
+            </a:r>
+            <a:r>
+              <a:rPr lang="ko-KR" altLang="en-US" sz="1400" dirty="0"/>
+              <a:t> </a:t>
+            </a:r>
+            <a:r>
+              <a:rPr lang="en-US" altLang="ko-KR" sz="1400" dirty="0"/>
+              <a:t>2</a:t>
+            </a:r>
+            <a:r>
+              <a:rPr lang="ko-KR" altLang="en-US" sz="1400" dirty="0" err="1"/>
+              <a:t>티어는</a:t>
+            </a:r>
+            <a:r>
+              <a:rPr lang="ko-KR" altLang="en-US" sz="1400" dirty="0"/>
+              <a:t> 유닛의 생산량</a:t>
+            </a:r>
+            <a:r>
+              <a:rPr lang="en-US" altLang="ko-KR" sz="1400" dirty="0"/>
+              <a:t>, </a:t>
+            </a:r>
+            <a:r>
+              <a:rPr lang="ko-KR" altLang="en-US" sz="1400" dirty="0"/>
+              <a:t>공방 강화가 가능하다</a:t>
+            </a:r>
+            <a:endParaRPr lang="en-US" altLang="ko-KR" sz="1400" dirty="0"/>
+          </a:p>
+        </p:txBody>
+      </p:sp>
+      <p:sp>
+        <p:nvSpPr>
+          <p:cNvPr id="6" name="TextBox 5">
+            <a:extLst>
+              <a:ext uri="{FF2B5EF4-FFF2-40B4-BE49-F238E27FC236}">
+                <a16:creationId xmlns:a16="http://schemas.microsoft.com/office/drawing/2014/main" id="{9FF8B6D1-8592-438A-A8B8-6CCB721E576C}"/>
+              </a:ext>
+            </a:extLst>
+          </p:cNvPr>
+          <p:cNvSpPr txBox="1"/>
+          <p:nvPr/>
+        </p:nvSpPr>
+        <p:spPr>
+          <a:xfrm>
+            <a:off x="1341118" y="1716528"/>
+            <a:ext cx="3744687" cy="1435714"/>
+          </a:xfrm>
+          <a:prstGeom prst="rect">
+            <a:avLst/>
+          </a:prstGeom>
+          <a:noFill/>
+        </p:spPr>
+        <p:txBody>
+          <a:bodyPr wrap="square" rtlCol="0">
+            <a:spAutoFit/>
+          </a:bodyPr>
+          <a:lstStyle/>
+          <a:p>
+            <a:pPr>
+              <a:lnSpc>
+                <a:spcPct val="150000"/>
+              </a:lnSpc>
+            </a:pPr>
+            <a:r>
+              <a:rPr lang="ko-KR" altLang="en-US" dirty="0"/>
+              <a:t>▼특수 능력 </a:t>
+            </a:r>
+            <a:r>
+              <a:rPr lang="en-US" altLang="ko-KR" dirty="0"/>
+              <a:t>:</a:t>
+            </a:r>
+          </a:p>
+          <a:p>
+            <a:pPr>
+              <a:lnSpc>
+                <a:spcPct val="150000"/>
+              </a:lnSpc>
+            </a:pPr>
+            <a:r>
+              <a:rPr lang="ko-KR" altLang="en-US" sz="1400" dirty="0"/>
+              <a:t>▽ 게임 시작 전 각 플레이어는 특수능력 </a:t>
+            </a:r>
+            <a:endParaRPr lang="en-US" altLang="ko-KR" sz="1400" dirty="0"/>
+          </a:p>
+          <a:p>
+            <a:pPr>
+              <a:lnSpc>
+                <a:spcPct val="150000"/>
+              </a:lnSpc>
+            </a:pPr>
+            <a:r>
+              <a:rPr lang="en-US" altLang="ko-KR" sz="1400" dirty="0"/>
+              <a:t>    </a:t>
+            </a:r>
+            <a:r>
+              <a:rPr lang="ko-KR" altLang="en-US" sz="1400" dirty="0"/>
+              <a:t>한 가지를 선택 할 시간이 주어진다</a:t>
+            </a:r>
+            <a:r>
+              <a:rPr lang="en-US" altLang="ko-KR" sz="1400" dirty="0"/>
+              <a:t>.</a:t>
+            </a:r>
+          </a:p>
+          <a:p>
+            <a:pPr>
+              <a:lnSpc>
+                <a:spcPct val="150000"/>
+              </a:lnSpc>
+            </a:pPr>
+            <a:r>
+              <a:rPr lang="en-US" altLang="ko-KR" sz="1400" dirty="0"/>
+              <a:t>    </a:t>
+            </a:r>
+            <a:r>
+              <a:rPr lang="ko-KR" altLang="en-US" sz="1400" dirty="0"/>
+              <a:t>→ 범위 데미지</a:t>
+            </a:r>
+            <a:r>
+              <a:rPr lang="en-US" altLang="ko-KR" sz="1400" dirty="0"/>
+              <a:t>, </a:t>
+            </a:r>
+            <a:r>
+              <a:rPr lang="ko-KR" altLang="en-US" sz="1400" dirty="0"/>
+              <a:t>범위 힐</a:t>
+            </a:r>
+            <a:r>
+              <a:rPr lang="en-US" altLang="ko-KR" sz="1400" dirty="0"/>
+              <a:t>, </a:t>
+            </a:r>
+            <a:r>
+              <a:rPr lang="ko-KR" altLang="en-US" sz="1400" dirty="0"/>
+              <a:t>버프 등</a:t>
+            </a:r>
+            <a:r>
+              <a:rPr lang="en-US" altLang="ko-KR" sz="1400" dirty="0"/>
+              <a:t>.</a:t>
+            </a:r>
+          </a:p>
+        </p:txBody>
+      </p:sp>
+      <p:sp>
+        <p:nvSpPr>
+          <p:cNvPr id="98" name="TextBox 97">
+            <a:extLst>
+              <a:ext uri="{FF2B5EF4-FFF2-40B4-BE49-F238E27FC236}">
+                <a16:creationId xmlns:a16="http://schemas.microsoft.com/office/drawing/2014/main" id="{B724E8D8-8F93-4872-9A31-22CF2713FF35}"/>
+              </a:ext>
+            </a:extLst>
+          </p:cNvPr>
+          <p:cNvSpPr txBox="1"/>
+          <p:nvPr/>
+        </p:nvSpPr>
+        <p:spPr>
+          <a:xfrm>
+            <a:off x="1341118" y="3705759"/>
+            <a:ext cx="3257006" cy="1758879"/>
+          </a:xfrm>
+          <a:prstGeom prst="rect">
+            <a:avLst/>
+          </a:prstGeom>
+          <a:noFill/>
+        </p:spPr>
+        <p:txBody>
+          <a:bodyPr wrap="square" rtlCol="0">
+            <a:spAutoFit/>
+          </a:bodyPr>
+          <a:lstStyle/>
+          <a:p>
+            <a:pPr>
+              <a:lnSpc>
+                <a:spcPct val="150000"/>
+              </a:lnSpc>
+            </a:pPr>
+            <a:r>
+              <a:rPr lang="ko-KR" altLang="en-US" dirty="0"/>
+              <a:t>▼ 유닛 </a:t>
+            </a:r>
+            <a:r>
+              <a:rPr lang="en-US" altLang="ko-KR" dirty="0"/>
+              <a:t>:</a:t>
+            </a:r>
+          </a:p>
+          <a:p>
+            <a:pPr>
+              <a:lnSpc>
+                <a:spcPct val="150000"/>
+              </a:lnSpc>
+            </a:pPr>
+            <a:r>
+              <a:rPr lang="ko-KR" altLang="en-US" sz="1400" dirty="0"/>
+              <a:t>▽  지상</a:t>
+            </a:r>
+            <a:r>
+              <a:rPr lang="en-US" altLang="ko-KR" sz="1400" dirty="0"/>
+              <a:t> </a:t>
+            </a:r>
+            <a:r>
+              <a:rPr lang="ko-KR" altLang="en-US" sz="1400" dirty="0"/>
+              <a:t>유닛</a:t>
+            </a:r>
+            <a:r>
+              <a:rPr lang="en-US" altLang="ko-KR" sz="1400" dirty="0"/>
+              <a:t> (</a:t>
+            </a:r>
+            <a:r>
+              <a:rPr lang="ko-KR" altLang="en-US" sz="1400" dirty="0"/>
+              <a:t>공격 타입</a:t>
+            </a:r>
+            <a:r>
+              <a:rPr lang="en-US" altLang="ko-KR" sz="1400" dirty="0"/>
+              <a:t>) :</a:t>
+            </a:r>
+          </a:p>
+          <a:p>
+            <a:pPr>
+              <a:lnSpc>
+                <a:spcPct val="150000"/>
+              </a:lnSpc>
+            </a:pPr>
+            <a:r>
+              <a:rPr lang="en-US" altLang="ko-KR" sz="1400" dirty="0"/>
+              <a:t>     - </a:t>
+            </a:r>
+            <a:r>
+              <a:rPr lang="ko-KR" altLang="en-US" sz="1400" dirty="0"/>
+              <a:t>근접</a:t>
+            </a:r>
+            <a:r>
+              <a:rPr lang="en-US" altLang="ko-KR" sz="1400" dirty="0"/>
+              <a:t>, </a:t>
+            </a:r>
+            <a:r>
+              <a:rPr lang="ko-KR" altLang="en-US" sz="1400" dirty="0"/>
+              <a:t>원거리</a:t>
+            </a:r>
+            <a:r>
+              <a:rPr lang="en-US" altLang="ko-KR" sz="1400" dirty="0"/>
+              <a:t>, </a:t>
+            </a:r>
+            <a:r>
+              <a:rPr lang="ko-KR" altLang="en-US" sz="1400" dirty="0"/>
+              <a:t>대공</a:t>
+            </a:r>
+            <a:endParaRPr lang="en-US" altLang="ko-KR" sz="1400" dirty="0"/>
+          </a:p>
+          <a:p>
+            <a:pPr>
+              <a:lnSpc>
+                <a:spcPct val="150000"/>
+              </a:lnSpc>
+            </a:pPr>
+            <a:r>
+              <a:rPr lang="ko-KR" altLang="en-US" sz="1400" dirty="0"/>
+              <a:t>▽  공중 유닛 </a:t>
+            </a:r>
+            <a:r>
+              <a:rPr lang="en-US" altLang="ko-KR" sz="1400" dirty="0"/>
+              <a:t>(</a:t>
+            </a:r>
+            <a:r>
+              <a:rPr lang="ko-KR" altLang="en-US" sz="1400" dirty="0"/>
+              <a:t>공격 타입</a:t>
+            </a:r>
+            <a:r>
+              <a:rPr lang="en-US" altLang="ko-KR" sz="1400" dirty="0"/>
+              <a:t>) :</a:t>
+            </a:r>
+          </a:p>
+          <a:p>
+            <a:pPr>
+              <a:lnSpc>
+                <a:spcPct val="150000"/>
+              </a:lnSpc>
+            </a:pPr>
+            <a:r>
+              <a:rPr lang="en-US" altLang="ko-KR" sz="1400" dirty="0"/>
+              <a:t>     - </a:t>
+            </a:r>
+            <a:r>
+              <a:rPr lang="ko-KR" altLang="en-US" sz="1400" dirty="0"/>
+              <a:t>지상</a:t>
+            </a:r>
+            <a:r>
+              <a:rPr lang="en-US" altLang="ko-KR" sz="1400" dirty="0"/>
+              <a:t>, </a:t>
+            </a:r>
+            <a:r>
+              <a:rPr lang="ko-KR" altLang="en-US" sz="1400" dirty="0"/>
+              <a:t>공중</a:t>
+            </a:r>
+            <a:r>
+              <a:rPr lang="en-US" altLang="ko-KR" sz="1400" dirty="0"/>
+              <a:t>, </a:t>
+            </a:r>
+            <a:r>
+              <a:rPr lang="ko-KR" altLang="en-US" sz="1400" dirty="0"/>
+              <a:t>혼합</a:t>
+            </a:r>
+          </a:p>
+        </p:txBody>
+      </p:sp>
     </p:spTree>
     <p:extLst>
       <p:ext uri="{BB962C8B-B14F-4D97-AF65-F5344CB8AC3E}">
@@ -16189,13 +17047,6 @@
   <p:clrMapOvr>
     <a:masterClrMapping/>
   </p:clrMapOvr>
-  <p:timing>
-    <p:tnLst>
-      <p:par>
-        <p:cTn id="1" dur="indefinite" restart="never" nodeType="tmRoot"/>
-      </p:par>
-    </p:tnLst>
-  </p:timing>
 </p:sld>
 </file>
 
